--- a/Flight Delays.pptx
+++ b/Flight Delays.pptx
@@ -9,9 +9,9 @@
     <p:sldId id="261" r:id="rId3"/>
     <p:sldId id="262" r:id="rId4"/>
     <p:sldId id="257" r:id="rId5"/>
-    <p:sldId id="258" r:id="rId6"/>
-    <p:sldId id="263" r:id="rId7"/>
-    <p:sldId id="264" r:id="rId8"/>
+    <p:sldId id="263" r:id="rId6"/>
+    <p:sldId id="264" r:id="rId7"/>
+    <p:sldId id="258" r:id="rId8"/>
     <p:sldId id="265" r:id="rId9"/>
   </p:sldIdLst>
   <p:sldSz cx="12192000" cy="6858000"/>
@@ -111,6 +111,11 @@
       </a:defRPr>
     </a:lvl9pPr>
   </p:defaultTextStyle>
+  <p:extLst>
+    <p:ext uri="{EFAFB233-063F-42B5-8137-9DF3F51BA10A}">
+      <p15:sldGuideLst xmlns:p15="http://schemas.microsoft.com/office/powerpoint/2012/main"/>
+    </p:ext>
+  </p:extLst>
 </p:presentation>
 </file>
 
@@ -1037,7 +1042,7 @@
 <dgm:dataModel xmlns:dgm="http://schemas.openxmlformats.org/drawingml/2006/diagram" xmlns:a="http://schemas.openxmlformats.org/drawingml/2006/main">
   <dgm:ptLst>
     <dgm:pt modelId="{E3AC8326-D4E9-4E8A-A868-82E52749BD67}" type="doc">
-      <dgm:prSet loTypeId="urn:microsoft.com/office/officeart/2005/8/layout/list1" loCatId="list" qsTypeId="urn:microsoft.com/office/officeart/2005/8/quickstyle/simple4" qsCatId="simple" csTypeId="urn:microsoft.com/office/officeart/2005/8/colors/colorful1" csCatId="colorful"/>
+      <dgm:prSet loTypeId="urn:microsoft.com/office/officeart/2005/8/layout/list1" loCatId="list" qsTypeId="urn:microsoft.com/office/officeart/2005/8/quickstyle/simple4" qsCatId="simple" csTypeId="urn:microsoft.com/office/officeart/2005/8/colors/colorful1" csCatId="colorful" phldr="1"/>
       <dgm:spPr/>
       <dgm:t>
         <a:bodyPr/>
@@ -1163,9 +1168,10 @@
         <a:lstStyle/>
         <a:p>
           <a:r>
-            <a:rPr lang="en-US"/>
+            <a:rPr lang="en-US" dirty="0" err="1"/>
             <a:t>One_Hot_Encoder</a:t>
           </a:r>
+          <a:endParaRPr lang="en-US" dirty="0"/>
         </a:p>
       </dgm:t>
     </dgm:pt>
@@ -1199,9 +1205,10 @@
         <a:lstStyle/>
         <a:p>
           <a:r>
-            <a:rPr lang="en-US"/>
+            <a:rPr lang="en-US" dirty="0" err="1"/>
             <a:t>MinMaxScaler</a:t>
           </a:r>
+          <a:endParaRPr lang="en-US" dirty="0"/>
         </a:p>
       </dgm:t>
     </dgm:pt>
@@ -1343,8 +1350,8 @@
         <a:lstStyle/>
         <a:p>
           <a:r>
-            <a:rPr lang="en-US"/>
-            <a:t>Gradient Boosting Classifier </a:t>
+            <a:rPr lang="en-US" dirty="0"/>
+            <a:t>Gradient Boosting Classifier</a:t>
           </a:r>
         </a:p>
       </dgm:t>
@@ -1371,7 +1378,7 @@
         </a:p>
       </dgm:t>
     </dgm:pt>
-    <dgm:pt modelId="{B2F3166B-2AD6-4B2D-8909-70F7B86FE195}">
+    <dgm:pt modelId="{4F330B16-08E8-4800-AC7D-CEF3EEAF9191}">
       <dgm:prSet/>
       <dgm:spPr/>
       <dgm:t>
@@ -1385,7 +1392,7 @@
         </a:p>
       </dgm:t>
     </dgm:pt>
-    <dgm:pt modelId="{48D9F611-AAF0-4CD9-8E7B-06632DB76105}" type="parTrans" cxnId="{92D0CC6D-B56F-4817-AA02-C96A0C59960A}">
+    <dgm:pt modelId="{A15F3843-E4BE-4E6A-8D3D-29E24AD55EF1}" type="parTrans" cxnId="{9FAF6810-FF56-48DC-9E45-BFCD8F3E2D79}">
       <dgm:prSet/>
       <dgm:spPr/>
       <dgm:t>
@@ -1396,7 +1403,115 @@
         </a:p>
       </dgm:t>
     </dgm:pt>
-    <dgm:pt modelId="{A7172C32-E991-4024-96EE-AC256F7617E7}" type="sibTrans" cxnId="{92D0CC6D-B56F-4817-AA02-C96A0C59960A}">
+    <dgm:pt modelId="{44E117FB-20D8-496C-B513-FA10A3B51FC6}" type="sibTrans" cxnId="{9FAF6810-FF56-48DC-9E45-BFCD8F3E2D79}">
+      <dgm:prSet/>
+      <dgm:spPr/>
+      <dgm:t>
+        <a:bodyPr/>
+        <a:lstStyle/>
+        <a:p>
+          <a:endParaRPr lang="en-US"/>
+        </a:p>
+      </dgm:t>
+    </dgm:pt>
+    <dgm:pt modelId="{ABA3AC80-2933-45AD-98B5-E9E2FADF497A}">
+      <dgm:prSet/>
+      <dgm:spPr/>
+      <dgm:t>
+        <a:bodyPr/>
+        <a:lstStyle/>
+        <a:p>
+          <a:r>
+            <a:rPr lang="en-US" dirty="0"/>
+            <a:t>Dropped unnecessary data, columns, etc. </a:t>
+          </a:r>
+        </a:p>
+      </dgm:t>
+    </dgm:pt>
+    <dgm:pt modelId="{9EF33FE0-F15E-4544-BB77-27CF234D514C}" type="parTrans" cxnId="{49A78A2D-AAF8-46BC-9880-5CB1C75E78CF}">
+      <dgm:prSet/>
+      <dgm:spPr/>
+      <dgm:t>
+        <a:bodyPr/>
+        <a:lstStyle/>
+        <a:p>
+          <a:endParaRPr lang="en-US"/>
+        </a:p>
+      </dgm:t>
+    </dgm:pt>
+    <dgm:pt modelId="{91C4486C-EE7F-48D6-B509-AA5F00A691FB}" type="sibTrans" cxnId="{49A78A2D-AAF8-46BC-9880-5CB1C75E78CF}">
+      <dgm:prSet/>
+      <dgm:spPr/>
+      <dgm:t>
+        <a:bodyPr/>
+        <a:lstStyle/>
+        <a:p>
+          <a:endParaRPr lang="en-US"/>
+        </a:p>
+      </dgm:t>
+    </dgm:pt>
+    <dgm:pt modelId="{05831AB1-70EC-4173-AED7-100C9AA39F54}">
+      <dgm:prSet/>
+      <dgm:spPr/>
+      <dgm:t>
+        <a:bodyPr/>
+        <a:lstStyle/>
+        <a:p>
+          <a:r>
+            <a:rPr lang="en-US" dirty="0"/>
+            <a:t>Balanced</a:t>
+          </a:r>
+        </a:p>
+      </dgm:t>
+    </dgm:pt>
+    <dgm:pt modelId="{DDCE3A86-A2E0-44C8-8820-E5541D1E817D}" type="parTrans" cxnId="{0156BE04-01C9-4283-BDFC-BAFD264C0D46}">
+      <dgm:prSet/>
+      <dgm:spPr/>
+      <dgm:t>
+        <a:bodyPr/>
+        <a:lstStyle/>
+        <a:p>
+          <a:endParaRPr lang="en-US"/>
+        </a:p>
+      </dgm:t>
+    </dgm:pt>
+    <dgm:pt modelId="{09C7387C-013E-4289-9E5A-8839657E9BAD}" type="sibTrans" cxnId="{0156BE04-01C9-4283-BDFC-BAFD264C0D46}">
+      <dgm:prSet/>
+      <dgm:spPr/>
+      <dgm:t>
+        <a:bodyPr/>
+        <a:lstStyle/>
+        <a:p>
+          <a:endParaRPr lang="en-US"/>
+        </a:p>
+      </dgm:t>
+    </dgm:pt>
+    <dgm:pt modelId="{685BD06B-985E-42E4-A95F-CF3F289A2001}">
+      <dgm:prSet/>
+      <dgm:spPr/>
+      <dgm:t>
+        <a:bodyPr/>
+        <a:lstStyle/>
+        <a:p>
+          <a:r>
+            <a:rPr lang="en-US" dirty="0"/>
+            <a:t>Categorized non-numerical data</a:t>
+          </a:r>
+        </a:p>
+      </dgm:t>
+    </dgm:pt>
+    <dgm:pt modelId="{B19CC914-2290-42F5-904A-0C43AA80B8E4}" type="parTrans" cxnId="{324A5A0A-EEFA-4D36-9FDB-169B04816950}">
+      <dgm:prSet/>
+      <dgm:spPr/>
+      <dgm:t>
+        <a:bodyPr/>
+        <a:lstStyle/>
+        <a:p>
+          <a:endParaRPr lang="en-US"/>
+        </a:p>
+      </dgm:t>
+    </dgm:pt>
+    <dgm:pt modelId="{1C500851-2193-41F1-9B12-C04C763050B5}" type="sibTrans" cxnId="{324A5A0A-EEFA-4D36-9FDB-169B04816950}">
       <dgm:prSet/>
       <dgm:spPr/>
       <dgm:t>
@@ -1547,31 +1662,37 @@
     </dgm:pt>
   </dgm:ptLst>
   <dgm:cxnLst>
+    <dgm:cxn modelId="{0156BE04-01C9-4283-BDFC-BAFD264C0D46}" srcId="{391445B7-D8C1-45B7-B938-DF8262A74AE8}" destId="{05831AB1-70EC-4173-AED7-100C9AA39F54}" srcOrd="1" destOrd="0" parTransId="{DDCE3A86-A2E0-44C8-8820-E5541D1E817D}" sibTransId="{09C7387C-013E-4289-9E5A-8839657E9BAD}"/>
+    <dgm:cxn modelId="{324A5A0A-EEFA-4D36-9FDB-169B04816950}" srcId="{C11B20FA-A297-44D2-8854-1238D3F044DF}" destId="{685BD06B-985E-42E4-A95F-CF3F289A2001}" srcOrd="1" destOrd="0" parTransId="{B19CC914-2290-42F5-904A-0C43AA80B8E4}" sibTransId="{1C500851-2193-41F1-9B12-C04C763050B5}"/>
+    <dgm:cxn modelId="{9FAF6810-FF56-48DC-9E45-BFCD8F3E2D79}" srcId="{9AF65B28-E01D-4D6D-AF39-6B32872737B9}" destId="{4F330B16-08E8-4800-AC7D-CEF3EEAF9191}" srcOrd="0" destOrd="0" parTransId="{A15F3843-E4BE-4E6A-8D3D-29E24AD55EF1}" sibTransId="{44E117FB-20D8-496C-B513-FA10A3B51FC6}"/>
     <dgm:cxn modelId="{D8D6EB10-BDF4-4926-8C63-ED4BE93AF226}" type="presOf" srcId="{391445B7-D8C1-45B7-B938-DF8262A74AE8}" destId="{4B5593DB-9810-4DFF-B5F9-17805F2F358A}" srcOrd="1" destOrd="0" presId="urn:microsoft.com/office/officeart/2005/8/layout/list1"/>
-    <dgm:cxn modelId="{89B3A724-CD08-4B5F-B7FA-217B74FA9BB4}" srcId="{9AF65B28-E01D-4D6D-AF39-6B32872737B9}" destId="{B9411975-08D3-461F-B89B-B0FC1EB0CA43}" srcOrd="0" destOrd="0" parTransId="{D6B36B75-D58A-439D-B49A-CEF486AFF15A}" sibTransId="{8F7AB76D-64E3-4C64-85F2-081DBBD5731D}"/>
-    <dgm:cxn modelId="{DF7ECA27-2084-425D-B40B-115BB904C65F}" srcId="{C11B20FA-A297-44D2-8854-1238D3F044DF}" destId="{40DFD5E8-4045-4E71-A810-C2989AFE7A94}" srcOrd="1" destOrd="0" parTransId="{89CC8AB3-8875-4400-8B44-6829DC004013}" sibTransId="{F3D78CF6-1AD7-43A7-B32A-8CA0273F8998}"/>
+    <dgm:cxn modelId="{89B3A724-CD08-4B5F-B7FA-217B74FA9BB4}" srcId="{9AF65B28-E01D-4D6D-AF39-6B32872737B9}" destId="{B9411975-08D3-461F-B89B-B0FC1EB0CA43}" srcOrd="1" destOrd="0" parTransId="{D6B36B75-D58A-439D-B49A-CEF486AFF15A}" sibTransId="{8F7AB76D-64E3-4C64-85F2-081DBBD5731D}"/>
+    <dgm:cxn modelId="{DF7ECA27-2084-425D-B40B-115BB904C65F}" srcId="{C11B20FA-A297-44D2-8854-1238D3F044DF}" destId="{40DFD5E8-4045-4E71-A810-C2989AFE7A94}" srcOrd="2" destOrd="0" parTransId="{89CC8AB3-8875-4400-8B44-6829DC004013}" sibTransId="{F3D78CF6-1AD7-43A7-B32A-8CA0273F8998}"/>
     <dgm:cxn modelId="{1C710F2B-9D1C-4554-8279-D8C59F54C153}" srcId="{E3AC8326-D4E9-4E8A-A868-82E52749BD67}" destId="{9AF65B28-E01D-4D6D-AF39-6B32872737B9}" srcOrd="3" destOrd="0" parTransId="{7EEF693B-D0D6-4304-BC54-30468D1733F2}" sibTransId="{B5757BF4-47AD-443E-B2A6-C524865E4D98}"/>
+    <dgm:cxn modelId="{49A78A2D-AAF8-46BC-9880-5CB1C75E78CF}" srcId="{391445B7-D8C1-45B7-B938-DF8262A74AE8}" destId="{ABA3AC80-2933-45AD-98B5-E9E2FADF497A}" srcOrd="0" destOrd="0" parTransId="{9EF33FE0-F15E-4544-BB77-27CF234D514C}" sibTransId="{91C4486C-EE7F-48D6-B509-AA5F00A691FB}"/>
     <dgm:cxn modelId="{509F6139-230E-4DE1-857D-DC032DBD2CFB}" type="presOf" srcId="{E3AC8326-D4E9-4E8A-A868-82E52749BD67}" destId="{40B722C0-15B0-49F1-96BE-F831F852D826}" srcOrd="0" destOrd="0" presId="urn:microsoft.com/office/officeart/2005/8/layout/list1"/>
     <dgm:cxn modelId="{0368B03B-4C76-4167-BF03-8914B1EC6AF3}" srcId="{C11B20FA-A297-44D2-8854-1238D3F044DF}" destId="{D9643F2B-5B7B-4998-914D-E28FA7EB02C2}" srcOrd="0" destOrd="0" parTransId="{858632A4-B2AC-4CCA-809B-1B43FEC5B6DA}" sibTransId="{79877978-E3B0-47D0-BEA5-EA990214D3C3}"/>
+    <dgm:cxn modelId="{B4515F64-E629-4C8D-8ECB-9CDA528BA257}" type="presOf" srcId="{685BD06B-985E-42E4-A95F-CF3F289A2001}" destId="{932669C8-9D90-451C-B181-B612CFC90F8A}" srcOrd="0" destOrd="1" presId="urn:microsoft.com/office/officeart/2005/8/layout/list1"/>
     <dgm:cxn modelId="{C0C59167-0D26-4BFF-AC77-F3DE0D9A2802}" type="presOf" srcId="{EEF5F54E-4EDF-4BD7-8865-6BA620B12C9D}" destId="{D756FC72-EBEF-4A85-83B8-9A58BA18FE64}" srcOrd="1" destOrd="0" presId="urn:microsoft.com/office/officeart/2005/8/layout/list1"/>
     <dgm:cxn modelId="{F9E38F48-63BC-4E82-9ABF-B93F400F6141}" srcId="{7BCA5FA1-6D74-45F9-B04E-5AC8DB0F2652}" destId="{A6678D20-F619-49B8-8C32-A34980E1A801}" srcOrd="0" destOrd="0" parTransId="{16AE84E9-D574-419D-8354-4B68C6C1E09A}" sibTransId="{9F1EC249-FA4B-4E56-A294-555FAFA10D19}"/>
     <dgm:cxn modelId="{8F07AE69-B766-4406-88FA-9BE8E73189CC}" srcId="{E3AC8326-D4E9-4E8A-A868-82E52749BD67}" destId="{EEF5F54E-4EDF-4BD7-8865-6BA620B12C9D}" srcOrd="0" destOrd="0" parTransId="{6F00B06B-1938-4EAB-B412-84061F532D6C}" sibTransId="{E16480A8-E77A-49A6-83E0-AC31B4DD325A}"/>
     <dgm:cxn modelId="{748E4A6D-360B-4991-B5C7-1792149C6DD1}" type="presOf" srcId="{C11B20FA-A297-44D2-8854-1238D3F044DF}" destId="{A1A76375-5E17-485A-A21B-FE041C4FA59F}" srcOrd="1" destOrd="0" presId="urn:microsoft.com/office/officeart/2005/8/layout/list1"/>
     <dgm:cxn modelId="{82AA986D-D448-4BAF-89DC-070B468BAD3C}" type="presOf" srcId="{EEF5F54E-4EDF-4BD7-8865-6BA620B12C9D}" destId="{803772E4-DCA1-412F-A847-0BAB419749F7}" srcOrd="0" destOrd="0" presId="urn:microsoft.com/office/officeart/2005/8/layout/list1"/>
-    <dgm:cxn modelId="{92D0CC6D-B56F-4817-AA02-C96A0C59960A}" srcId="{9AF65B28-E01D-4D6D-AF39-6B32872737B9}" destId="{B2F3166B-2AD6-4B2D-8909-70F7B86FE195}" srcOrd="1" destOrd="0" parTransId="{48D9F611-AAF0-4CD9-8E7B-06632DB76105}" sibTransId="{A7172C32-E991-4024-96EE-AC256F7617E7}"/>
     <dgm:cxn modelId="{CD68D874-4A7E-411D-A496-95FBBAF950A5}" type="presOf" srcId="{9AF65B28-E01D-4D6D-AF39-6B32872737B9}" destId="{C1FFB75C-18AB-4D09-A5C5-A5527AAF3CCC}" srcOrd="1" destOrd="0" presId="urn:microsoft.com/office/officeart/2005/8/layout/list1"/>
-    <dgm:cxn modelId="{1A46BA7A-3396-42E2-9C2D-11489A3C1939}" type="presOf" srcId="{B2F3166B-2AD6-4B2D-8909-70F7B86FE195}" destId="{F837913D-57CC-4979-9E83-6E49A5D74C43}" srcOrd="0" destOrd="1" presId="urn:microsoft.com/office/officeart/2005/8/layout/list1"/>
     <dgm:cxn modelId="{1E01D388-FFF1-4057-AE55-5221D092BC6F}" type="presOf" srcId="{C11B20FA-A297-44D2-8854-1238D3F044DF}" destId="{2B3D6D36-42CC-422B-BD07-69E8A8969462}" srcOrd="0" destOrd="0" presId="urn:microsoft.com/office/officeart/2005/8/layout/list1"/>
-    <dgm:cxn modelId="{28E95D9E-270C-4059-B85E-4599D8B46F7C}" srcId="{C11B20FA-A297-44D2-8854-1238D3F044DF}" destId="{7BCA5FA1-6D74-45F9-B04E-5AC8DB0F2652}" srcOrd="2" destOrd="0" parTransId="{BEFEF332-DB3E-43E3-9E33-1014D5536A1C}" sibTransId="{4940BB3C-E427-4850-9B72-2657B9D6C9A9}"/>
-    <dgm:cxn modelId="{811E68B5-9521-4D67-89B6-D7DEEBB17903}" type="presOf" srcId="{40DFD5E8-4045-4E71-A810-C2989AFE7A94}" destId="{932669C8-9D90-451C-B181-B612CFC90F8A}" srcOrd="0" destOrd="1" presId="urn:microsoft.com/office/officeart/2005/8/layout/list1"/>
-    <dgm:cxn modelId="{C8000ACA-C42B-44EB-BE4B-A299ED76B742}" type="presOf" srcId="{A6678D20-F619-49B8-8C32-A34980E1A801}" destId="{932669C8-9D90-451C-B181-B612CFC90F8A}" srcOrd="0" destOrd="3" presId="urn:microsoft.com/office/officeart/2005/8/layout/list1"/>
+    <dgm:cxn modelId="{B55BD691-7BEA-48AC-A287-F17768B90C25}" type="presOf" srcId="{05831AB1-70EC-4173-AED7-100C9AA39F54}" destId="{68685C56-718B-4642-ABB6-CB764F956CE4}" srcOrd="0" destOrd="1" presId="urn:microsoft.com/office/officeart/2005/8/layout/list1"/>
+    <dgm:cxn modelId="{83E9FE95-B7C3-4A54-A2D2-9838F18BF782}" type="presOf" srcId="{4F330B16-08E8-4800-AC7D-CEF3EEAF9191}" destId="{F837913D-57CC-4979-9E83-6E49A5D74C43}" srcOrd="0" destOrd="0" presId="urn:microsoft.com/office/officeart/2005/8/layout/list1"/>
+    <dgm:cxn modelId="{28E95D9E-270C-4059-B85E-4599D8B46F7C}" srcId="{C11B20FA-A297-44D2-8854-1238D3F044DF}" destId="{7BCA5FA1-6D74-45F9-B04E-5AC8DB0F2652}" srcOrd="3" destOrd="0" parTransId="{BEFEF332-DB3E-43E3-9E33-1014D5536A1C}" sibTransId="{4940BB3C-E427-4850-9B72-2657B9D6C9A9}"/>
+    <dgm:cxn modelId="{811E68B5-9521-4D67-89B6-D7DEEBB17903}" type="presOf" srcId="{40DFD5E8-4045-4E71-A810-C2989AFE7A94}" destId="{932669C8-9D90-451C-B181-B612CFC90F8A}" srcOrd="0" destOrd="2" presId="urn:microsoft.com/office/officeart/2005/8/layout/list1"/>
+    <dgm:cxn modelId="{C8000ACA-C42B-44EB-BE4B-A299ED76B742}" type="presOf" srcId="{A6678D20-F619-49B8-8C32-A34980E1A801}" destId="{932669C8-9D90-451C-B181-B612CFC90F8A}" srcOrd="0" destOrd="4" presId="urn:microsoft.com/office/officeart/2005/8/layout/list1"/>
     <dgm:cxn modelId="{322F48CB-50A9-4DD1-A1C3-9671B0579748}" srcId="{E3AC8326-D4E9-4E8A-A868-82E52749BD67}" destId="{C11B20FA-A297-44D2-8854-1238D3F044DF}" srcOrd="2" destOrd="0" parTransId="{3E0A9FBB-0C19-4979-9DA1-946CD15D4012}" sibTransId="{964C9724-0E69-4BF2-8A6C-1E575AC60BFF}"/>
     <dgm:cxn modelId="{435393CC-1A38-483F-8A92-E467D48F2CE1}" srcId="{E3AC8326-D4E9-4E8A-A868-82E52749BD67}" destId="{391445B7-D8C1-45B7-B938-DF8262A74AE8}" srcOrd="1" destOrd="0" parTransId="{99F9A1E1-BCEB-43BA-9C86-A8B989D937B3}" sibTransId="{59D5F565-90C6-4BEA-9610-B8A398F04DFB}"/>
-    <dgm:cxn modelId="{E8736CCF-1E01-457F-B6C1-E98790DE5716}" type="presOf" srcId="{B9411975-08D3-461F-B89B-B0FC1EB0CA43}" destId="{F837913D-57CC-4979-9E83-6E49A5D74C43}" srcOrd="0" destOrd="0" presId="urn:microsoft.com/office/officeart/2005/8/layout/list1"/>
+    <dgm:cxn modelId="{E8736CCF-1E01-457F-B6C1-E98790DE5716}" type="presOf" srcId="{B9411975-08D3-461F-B89B-B0FC1EB0CA43}" destId="{F837913D-57CC-4979-9E83-6E49A5D74C43}" srcOrd="0" destOrd="1" presId="urn:microsoft.com/office/officeart/2005/8/layout/list1"/>
     <dgm:cxn modelId="{F868D4CF-0D76-4715-91C9-AE4B1E19882B}" type="presOf" srcId="{391445B7-D8C1-45B7-B938-DF8262A74AE8}" destId="{B514D551-8DD7-4094-89E1-88C8F20A11A2}" srcOrd="0" destOrd="0" presId="urn:microsoft.com/office/officeart/2005/8/layout/list1"/>
     <dgm:cxn modelId="{764D54E6-8DEC-49A8-A53A-4C9730842F3A}" type="presOf" srcId="{D9643F2B-5B7B-4998-914D-E28FA7EB02C2}" destId="{932669C8-9D90-451C-B181-B612CFC90F8A}" srcOrd="0" destOrd="0" presId="urn:microsoft.com/office/officeart/2005/8/layout/list1"/>
+    <dgm:cxn modelId="{FAADECE9-09A3-43BA-A849-9F8089BC3979}" type="presOf" srcId="{ABA3AC80-2933-45AD-98B5-E9E2FADF497A}" destId="{68685C56-718B-4642-ABB6-CB764F956CE4}" srcOrd="0" destOrd="0" presId="urn:microsoft.com/office/officeart/2005/8/layout/list1"/>
     <dgm:cxn modelId="{06FE32FD-743B-458E-B82B-369BDE8E2B95}" type="presOf" srcId="{9AF65B28-E01D-4D6D-AF39-6B32872737B9}" destId="{8440924F-CDCF-4EC6-A135-8AEE5605B984}" srcOrd="0" destOrd="0" presId="urn:microsoft.com/office/officeart/2005/8/layout/list1"/>
-    <dgm:cxn modelId="{A338EBFF-A64F-4872-A60D-17E4B74E77F4}" type="presOf" srcId="{7BCA5FA1-6D74-45F9-B04E-5AC8DB0F2652}" destId="{932669C8-9D90-451C-B181-B612CFC90F8A}" srcOrd="0" destOrd="2" presId="urn:microsoft.com/office/officeart/2005/8/layout/list1"/>
+    <dgm:cxn modelId="{A338EBFF-A64F-4872-A60D-17E4B74E77F4}" type="presOf" srcId="{7BCA5FA1-6D74-45F9-B04E-5AC8DB0F2652}" destId="{932669C8-9D90-451C-B181-B612CFC90F8A}" srcOrd="0" destOrd="3" presId="urn:microsoft.com/office/officeart/2005/8/layout/list1"/>
     <dgm:cxn modelId="{7D579B02-393B-4E7D-BA30-ED49A1B48CC5}" type="presParOf" srcId="{40B722C0-15B0-49F1-96BE-F831F852D826}" destId="{62BBE949-7DBC-43A9-91DF-5F2CE28FF885}" srcOrd="0" destOrd="0" presId="urn:microsoft.com/office/officeart/2005/8/layout/list1"/>
     <dgm:cxn modelId="{23344200-B55E-4D42-92DF-CBFAAA20C7F8}" type="presParOf" srcId="{62BBE949-7DBC-43A9-91DF-5F2CE28FF885}" destId="{803772E4-DCA1-412F-A847-0BAB419749F7}" srcOrd="0" destOrd="0" presId="urn:microsoft.com/office/officeart/2005/8/layout/list1"/>
     <dgm:cxn modelId="{A6A1E3C6-BEB3-4423-B95F-C725E230DD55}" type="presParOf" srcId="{62BBE949-7DBC-43A9-91DF-5F2CE28FF885}" destId="{D756FC72-EBEF-4A85-83B8-9A58BA18FE64}" srcOrd="1" destOrd="0" presId="urn:microsoft.com/office/officeart/2005/8/layout/list1"/>
@@ -1621,8 +1742,8 @@
       </dsp:nvSpPr>
       <dsp:spPr>
         <a:xfrm>
-          <a:off x="0" y="294619"/>
-          <a:ext cx="5607050" cy="453600"/>
+          <a:off x="0" y="301774"/>
+          <a:ext cx="5607050" cy="378000"/>
         </a:xfrm>
         <a:prstGeom prst="rect">
           <a:avLst/>
@@ -1669,8 +1790,8 @@
       </dsp:nvSpPr>
       <dsp:spPr>
         <a:xfrm>
-          <a:off x="280352" y="28939"/>
-          <a:ext cx="3924935" cy="531360"/>
+          <a:off x="280352" y="80374"/>
+          <a:ext cx="3924935" cy="442800"/>
         </a:xfrm>
         <a:prstGeom prst="roundRect">
           <a:avLst/>
@@ -1738,7 +1859,7 @@
         </a:bodyPr>
         <a:lstStyle/>
         <a:p>
-          <a:pPr marL="0" lvl="0" indent="0" algn="l" defTabSz="800100">
+          <a:pPr marL="0" lvl="0" indent="0" algn="l" defTabSz="666750">
             <a:lnSpc>
               <a:spcPct val="90000"/>
             </a:lnSpc>
@@ -1751,14 +1872,14 @@
             <a:buNone/>
           </a:pPr>
           <a:r>
-            <a:rPr lang="en-US" sz="1800" kern="1200" dirty="0"/>
+            <a:rPr lang="en-US" sz="1500" kern="1200" dirty="0"/>
             <a:t>Kaggle – January 2019 US Flight Delays</a:t>
           </a:r>
         </a:p>
       </dsp:txBody>
       <dsp:txXfrm>
-        <a:off x="306291" y="54878"/>
-        <a:ext cx="3873057" cy="479482"/>
+        <a:off x="301968" y="101990"/>
+        <a:ext cx="3881703" cy="399568"/>
       </dsp:txXfrm>
     </dsp:sp>
     <dsp:sp modelId="{68685C56-718B-4642-ABB6-CB764F956CE4}">
@@ -1768,8 +1889,8 @@
       </dsp:nvSpPr>
       <dsp:spPr>
         <a:xfrm>
-          <a:off x="0" y="1111099"/>
-          <a:ext cx="5607050" cy="453600"/>
+          <a:off x="0" y="982174"/>
+          <a:ext cx="5607050" cy="850500"/>
         </a:xfrm>
         <a:prstGeom prst="rect">
           <a:avLst/>
@@ -1808,6 +1929,52 @@
         </a:effectRef>
         <a:fontRef idx="minor"/>
       </dsp:style>
+      <dsp:txBody>
+        <a:bodyPr spcFirstLastPara="0" vert="horz" wrap="square" lIns="435169" tIns="312420" rIns="435169" bIns="106680" numCol="1" spcCol="1270" anchor="t" anchorCtr="0">
+          <a:noAutofit/>
+        </a:bodyPr>
+        <a:lstStyle/>
+        <a:p>
+          <a:pPr marL="114300" lvl="1" indent="-114300" algn="l" defTabSz="666750">
+            <a:lnSpc>
+              <a:spcPct val="90000"/>
+            </a:lnSpc>
+            <a:spcBef>
+              <a:spcPct val="0"/>
+            </a:spcBef>
+            <a:spcAft>
+              <a:spcPct val="15000"/>
+            </a:spcAft>
+            <a:buChar char="•"/>
+          </a:pPr>
+          <a:r>
+            <a:rPr lang="en-US" sz="1500" kern="1200" dirty="0"/>
+            <a:t>Dropped unnecessary data, columns, etc. </a:t>
+          </a:r>
+        </a:p>
+        <a:p>
+          <a:pPr marL="114300" lvl="1" indent="-114300" algn="l" defTabSz="666750">
+            <a:lnSpc>
+              <a:spcPct val="90000"/>
+            </a:lnSpc>
+            <a:spcBef>
+              <a:spcPct val="0"/>
+            </a:spcBef>
+            <a:spcAft>
+              <a:spcPct val="15000"/>
+            </a:spcAft>
+            <a:buChar char="•"/>
+          </a:pPr>
+          <a:r>
+            <a:rPr lang="en-US" sz="1500" kern="1200" dirty="0"/>
+            <a:t>Balanced</a:t>
+          </a:r>
+        </a:p>
+      </dsp:txBody>
+      <dsp:txXfrm>
+        <a:off x="0" y="982174"/>
+        <a:ext cx="5607050" cy="850500"/>
+      </dsp:txXfrm>
     </dsp:sp>
     <dsp:sp modelId="{4B5593DB-9810-4DFF-B5F9-17805F2F358A}">
       <dsp:nvSpPr>
@@ -1816,8 +1983,8 @@
       </dsp:nvSpPr>
       <dsp:spPr>
         <a:xfrm>
-          <a:off x="280352" y="845419"/>
-          <a:ext cx="3924935" cy="531360"/>
+          <a:off x="280352" y="760774"/>
+          <a:ext cx="3924935" cy="442800"/>
         </a:xfrm>
         <a:prstGeom prst="roundRect">
           <a:avLst/>
@@ -1885,7 +2052,7 @@
         </a:bodyPr>
         <a:lstStyle/>
         <a:p>
-          <a:pPr marL="0" lvl="0" indent="0" algn="l" defTabSz="800100">
+          <a:pPr marL="0" lvl="0" indent="0" algn="l" defTabSz="666750">
             <a:lnSpc>
               <a:spcPct val="90000"/>
             </a:lnSpc>
@@ -1898,14 +2065,14 @@
             <a:buNone/>
           </a:pPr>
           <a:r>
-            <a:rPr lang="en-US" sz="1800" kern="1200"/>
+            <a:rPr lang="en-US" sz="1500" kern="1200"/>
             <a:t>Cleaned the Data</a:t>
           </a:r>
         </a:p>
       </dsp:txBody>
       <dsp:txXfrm>
-        <a:off x="306291" y="871358"/>
-        <a:ext cx="3873057" cy="479482"/>
+        <a:off x="301968" y="782390"/>
+        <a:ext cx="3881703" cy="399568"/>
       </dsp:txXfrm>
     </dsp:sp>
     <dsp:sp modelId="{932669C8-9D90-451C-B181-B612CFC90F8A}">
@@ -1915,8 +2082,8 @@
       </dsp:nvSpPr>
       <dsp:spPr>
         <a:xfrm>
-          <a:off x="0" y="1918055"/>
-          <a:ext cx="5607050" cy="1587600"/>
+          <a:off x="0" y="2127137"/>
+          <a:ext cx="5607050" cy="1559250"/>
         </a:xfrm>
         <a:prstGeom prst="rect">
           <a:avLst/>
@@ -1956,12 +2123,12 @@
         <a:fontRef idx="minor"/>
       </dsp:style>
       <dsp:txBody>
-        <a:bodyPr spcFirstLastPara="0" vert="horz" wrap="square" lIns="435169" tIns="374904" rIns="435169" bIns="128016" numCol="1" spcCol="1270" anchor="t" anchorCtr="0">
+        <a:bodyPr spcFirstLastPara="0" vert="horz" wrap="square" lIns="435169" tIns="312420" rIns="435169" bIns="106680" numCol="1" spcCol="1270" anchor="t" anchorCtr="0">
           <a:noAutofit/>
         </a:bodyPr>
         <a:lstStyle/>
         <a:p>
-          <a:pPr marL="171450" lvl="1" indent="-171450" algn="l" defTabSz="800100">
+          <a:pPr marL="114300" lvl="1" indent="-114300" algn="l" defTabSz="666750">
             <a:lnSpc>
               <a:spcPct val="90000"/>
             </a:lnSpc>
@@ -1974,12 +2141,13 @@
             <a:buChar char="•"/>
           </a:pPr>
           <a:r>
-            <a:rPr lang="en-US" sz="1800" kern="1200"/>
+            <a:rPr lang="en-US" sz="1500" kern="1200" dirty="0" err="1"/>
             <a:t>One_Hot_Encoder</a:t>
           </a:r>
+          <a:endParaRPr lang="en-US" sz="1500" kern="1200" dirty="0"/>
         </a:p>
         <a:p>
-          <a:pPr marL="171450" lvl="1" indent="-171450" algn="l" defTabSz="800100">
+          <a:pPr marL="114300" lvl="1" indent="-114300" algn="l" defTabSz="666750">
             <a:lnSpc>
               <a:spcPct val="90000"/>
             </a:lnSpc>
@@ -1992,12 +2160,12 @@
             <a:buChar char="•"/>
           </a:pPr>
           <a:r>
-            <a:rPr lang="en-US" sz="1800" kern="1200"/>
-            <a:t>MinMaxScaler</a:t>
+            <a:rPr lang="en-US" sz="1500" kern="1200" dirty="0"/>
+            <a:t>Categorized non-numerical data</a:t>
           </a:r>
         </a:p>
         <a:p>
-          <a:pPr marL="171450" lvl="1" indent="-171450" algn="l" defTabSz="800100">
+          <a:pPr marL="114300" lvl="1" indent="-114300" algn="l" defTabSz="666750">
             <a:lnSpc>
               <a:spcPct val="90000"/>
             </a:lnSpc>
@@ -2010,12 +2178,13 @@
             <a:buChar char="•"/>
           </a:pPr>
           <a:r>
-            <a:rPr lang="en-US" sz="1800" kern="1200"/>
-            <a:t>Feature_Selection</a:t>
+            <a:rPr lang="en-US" sz="1500" kern="1200" dirty="0" err="1"/>
+            <a:t>MinMaxScaler</a:t>
           </a:r>
+          <a:endParaRPr lang="en-US" sz="1500" kern="1200" dirty="0"/>
         </a:p>
         <a:p>
-          <a:pPr marL="342900" lvl="2" indent="-171450" algn="l" defTabSz="800100">
+          <a:pPr marL="114300" lvl="1" indent="-114300" algn="l" defTabSz="666750">
             <a:lnSpc>
               <a:spcPct val="90000"/>
             </a:lnSpc>
@@ -2028,14 +2197,32 @@
             <a:buChar char="•"/>
           </a:pPr>
           <a:r>
-            <a:rPr lang="en-US" sz="1800" kern="1200"/>
+            <a:rPr lang="en-US" sz="1500" kern="1200"/>
+            <a:t>Feature_Selection</a:t>
+          </a:r>
+        </a:p>
+        <a:p>
+          <a:pPr marL="228600" lvl="2" indent="-114300" algn="l" defTabSz="666750">
+            <a:lnSpc>
+              <a:spcPct val="90000"/>
+            </a:lnSpc>
+            <a:spcBef>
+              <a:spcPct val="0"/>
+            </a:spcBef>
+            <a:spcAft>
+              <a:spcPct val="15000"/>
+            </a:spcAft>
+            <a:buChar char="•"/>
+          </a:pPr>
+          <a:r>
+            <a:rPr lang="en-US" sz="1500" kern="1200"/>
             <a:t>Important for Predicting</a:t>
           </a:r>
         </a:p>
       </dsp:txBody>
       <dsp:txXfrm>
-        <a:off x="0" y="1918055"/>
-        <a:ext cx="5607050" cy="1587600"/>
+        <a:off x="0" y="2127137"/>
+        <a:ext cx="5607050" cy="1559250"/>
       </dsp:txXfrm>
     </dsp:sp>
     <dsp:sp modelId="{A1A76375-5E17-485A-A21B-FE041C4FA59F}">
@@ -2045,8 +2232,8 @@
       </dsp:nvSpPr>
       <dsp:spPr>
         <a:xfrm>
-          <a:off x="280352" y="1661899"/>
-          <a:ext cx="3924935" cy="531360"/>
+          <a:off x="280352" y="1913674"/>
+          <a:ext cx="3924935" cy="442800"/>
         </a:xfrm>
         <a:prstGeom prst="roundRect">
           <a:avLst/>
@@ -2114,7 +2301,7 @@
         </a:bodyPr>
         <a:lstStyle/>
         <a:p>
-          <a:pPr marL="0" lvl="0" indent="0" algn="l" defTabSz="800100">
+          <a:pPr marL="0" lvl="0" indent="0" algn="l" defTabSz="666750">
             <a:lnSpc>
               <a:spcPct val="90000"/>
             </a:lnSpc>
@@ -2127,14 +2314,14 @@
             <a:buNone/>
           </a:pPr>
           <a:r>
-            <a:rPr lang="en-US" sz="1800" kern="1200"/>
+            <a:rPr lang="en-US" sz="1500" kern="1200"/>
             <a:t>Created a Pipeline</a:t>
           </a:r>
         </a:p>
       </dsp:txBody>
       <dsp:txXfrm>
-        <a:off x="306291" y="1687838"/>
-        <a:ext cx="3873057" cy="479482"/>
+        <a:off x="301968" y="1935290"/>
+        <a:ext cx="3881703" cy="399568"/>
       </dsp:txXfrm>
     </dsp:sp>
     <dsp:sp modelId="{F837913D-57CC-4979-9E83-6E49A5D74C43}">
@@ -2144,8 +2331,8 @@
       </dsp:nvSpPr>
       <dsp:spPr>
         <a:xfrm>
-          <a:off x="0" y="3878060"/>
-          <a:ext cx="5607050" cy="1020600"/>
+          <a:off x="0" y="3996725"/>
+          <a:ext cx="5607050" cy="850500"/>
         </a:xfrm>
         <a:prstGeom prst="rect">
           <a:avLst/>
@@ -2185,12 +2372,12 @@
         <a:fontRef idx="minor"/>
       </dsp:style>
       <dsp:txBody>
-        <a:bodyPr spcFirstLastPara="0" vert="horz" wrap="square" lIns="435169" tIns="374904" rIns="435169" bIns="128016" numCol="1" spcCol="1270" anchor="t" anchorCtr="0">
+        <a:bodyPr spcFirstLastPara="0" vert="horz" wrap="square" lIns="435169" tIns="312420" rIns="435169" bIns="106680" numCol="1" spcCol="1270" anchor="t" anchorCtr="0">
           <a:noAutofit/>
         </a:bodyPr>
         <a:lstStyle/>
         <a:p>
-          <a:pPr marL="171450" lvl="1" indent="-171450" algn="l" defTabSz="800100">
+          <a:pPr marL="114300" lvl="1" indent="-114300" algn="l" defTabSz="666750">
             <a:lnSpc>
               <a:spcPct val="90000"/>
             </a:lnSpc>
@@ -2203,12 +2390,12 @@
             <a:buChar char="•"/>
           </a:pPr>
           <a:r>
-            <a:rPr lang="en-US" sz="1800" kern="1200"/>
-            <a:t>Gradient Boosting Classifier </a:t>
+            <a:rPr lang="en-US" sz="1500" kern="1200" dirty="0"/>
+            <a:t>Random Forest Classifier ( Two Models)</a:t>
           </a:r>
         </a:p>
         <a:p>
-          <a:pPr marL="171450" lvl="1" indent="-171450" algn="l" defTabSz="800100">
+          <a:pPr marL="114300" lvl="1" indent="-114300" algn="l" defTabSz="666750">
             <a:lnSpc>
               <a:spcPct val="90000"/>
             </a:lnSpc>
@@ -2221,14 +2408,14 @@
             <a:buChar char="•"/>
           </a:pPr>
           <a:r>
-            <a:rPr lang="en-US" sz="1800" kern="1200" dirty="0"/>
-            <a:t>Random Forest Classifier ( Two Models)</a:t>
+            <a:rPr lang="en-US" sz="1500" kern="1200" dirty="0"/>
+            <a:t>Gradient Boosting Classifier</a:t>
           </a:r>
         </a:p>
       </dsp:txBody>
       <dsp:txXfrm>
-        <a:off x="0" y="3878060"/>
-        <a:ext cx="5607050" cy="1020600"/>
+        <a:off x="0" y="3996725"/>
+        <a:ext cx="5607050" cy="850500"/>
       </dsp:txXfrm>
     </dsp:sp>
     <dsp:sp modelId="{C1FFB75C-18AB-4D09-A5C5-A5527AAF3CCC}">
@@ -2238,8 +2425,8 @@
       </dsp:nvSpPr>
       <dsp:spPr>
         <a:xfrm>
-          <a:off x="280352" y="3612380"/>
-          <a:ext cx="3924935" cy="531360"/>
+          <a:off x="280352" y="3775325"/>
+          <a:ext cx="3924935" cy="442800"/>
         </a:xfrm>
         <a:prstGeom prst="roundRect">
           <a:avLst/>
@@ -2307,7 +2494,7 @@
         </a:bodyPr>
         <a:lstStyle/>
         <a:p>
-          <a:pPr marL="0" lvl="0" indent="0" algn="l" defTabSz="800100">
+          <a:pPr marL="0" lvl="0" indent="0" algn="l" defTabSz="666750">
             <a:lnSpc>
               <a:spcPct val="90000"/>
             </a:lnSpc>
@@ -2320,14 +2507,14 @@
             <a:buNone/>
           </a:pPr>
           <a:r>
-            <a:rPr lang="en-US" sz="1800" kern="1200"/>
+            <a:rPr lang="en-US" sz="1500" kern="1200"/>
             <a:t>Models Used</a:t>
           </a:r>
         </a:p>
       </dsp:txBody>
       <dsp:txXfrm>
-        <a:off x="306291" y="3638319"/>
-        <a:ext cx="3873057" cy="479482"/>
+        <a:off x="301968" y="3796941"/>
+        <a:ext cx="3881703" cy="399568"/>
       </dsp:txXfrm>
     </dsp:sp>
   </dsp:spTree>
@@ -3756,7 +3943,7 @@
           <a:p>
             <a:fld id="{39276A9C-A37F-4E08-AE6A-98C5AA5F0F45}" type="datetimeFigureOut">
               <a:rPr lang="en-US" smtClean="0"/>
-              <a:t>8/11/2020</a:t>
+              <a:t>8/13/2020</a:t>
             </a:fld>
             <a:endParaRPr lang="en-US"/>
           </a:p>
@@ -3926,7 +4113,7 @@
           <a:p>
             <a:fld id="{39276A9C-A37F-4E08-AE6A-98C5AA5F0F45}" type="datetimeFigureOut">
               <a:rPr lang="en-US" smtClean="0"/>
-              <a:t>8/11/2020</a:t>
+              <a:t>8/13/2020</a:t>
             </a:fld>
             <a:endParaRPr lang="en-US"/>
           </a:p>
@@ -4106,7 +4293,7 @@
           <a:p>
             <a:fld id="{39276A9C-A37F-4E08-AE6A-98C5AA5F0F45}" type="datetimeFigureOut">
               <a:rPr lang="en-US" smtClean="0"/>
-              <a:t>8/11/2020</a:t>
+              <a:t>8/13/2020</a:t>
             </a:fld>
             <a:endParaRPr lang="en-US"/>
           </a:p>
@@ -4276,7 +4463,7 @@
           <a:p>
             <a:fld id="{39276A9C-A37F-4E08-AE6A-98C5AA5F0F45}" type="datetimeFigureOut">
               <a:rPr lang="en-US" smtClean="0"/>
-              <a:t>8/11/2020</a:t>
+              <a:t>8/13/2020</a:t>
             </a:fld>
             <a:endParaRPr lang="en-US"/>
           </a:p>
@@ -4544,7 +4731,7 @@
           <a:p>
             <a:fld id="{39276A9C-A37F-4E08-AE6A-98C5AA5F0F45}" type="datetimeFigureOut">
               <a:rPr lang="en-US" smtClean="0"/>
-              <a:t>8/11/2020</a:t>
+              <a:t>8/13/2020</a:t>
             </a:fld>
             <a:endParaRPr lang="en-US"/>
           </a:p>
@@ -4776,7 +4963,7 @@
           <a:p>
             <a:fld id="{39276A9C-A37F-4E08-AE6A-98C5AA5F0F45}" type="datetimeFigureOut">
               <a:rPr lang="en-US" smtClean="0"/>
-              <a:t>8/11/2020</a:t>
+              <a:t>8/13/2020</a:t>
             </a:fld>
             <a:endParaRPr lang="en-US"/>
           </a:p>
@@ -5135,7 +5322,7 @@
           <a:p>
             <a:fld id="{39276A9C-A37F-4E08-AE6A-98C5AA5F0F45}" type="datetimeFigureOut">
               <a:rPr lang="en-US" smtClean="0"/>
-              <a:t>8/11/2020</a:t>
+              <a:t>8/13/2020</a:t>
             </a:fld>
             <a:endParaRPr lang="en-US"/>
           </a:p>
@@ -5276,7 +5463,7 @@
           <a:p>
             <a:fld id="{39276A9C-A37F-4E08-AE6A-98C5AA5F0F45}" type="datetimeFigureOut">
               <a:rPr lang="en-US" smtClean="0"/>
-              <a:t>8/11/2020</a:t>
+              <a:t>8/13/2020</a:t>
             </a:fld>
             <a:endParaRPr lang="en-US"/>
           </a:p>
@@ -5371,7 +5558,7 @@
           <a:p>
             <a:fld id="{39276A9C-A37F-4E08-AE6A-98C5AA5F0F45}" type="datetimeFigureOut">
               <a:rPr lang="en-US" smtClean="0"/>
-              <a:t>8/11/2020</a:t>
+              <a:t>8/13/2020</a:t>
             </a:fld>
             <a:endParaRPr lang="en-US"/>
           </a:p>
@@ -5728,7 +5915,7 @@
           <a:p>
             <a:fld id="{39276A9C-A37F-4E08-AE6A-98C5AA5F0F45}" type="datetimeFigureOut">
               <a:rPr lang="en-US" smtClean="0"/>
-              <a:t>8/11/2020</a:t>
+              <a:t>8/13/2020</a:t>
             </a:fld>
             <a:endParaRPr lang="en-US"/>
           </a:p>
@@ -6085,7 +6272,7 @@
           <a:p>
             <a:fld id="{39276A9C-A37F-4E08-AE6A-98C5AA5F0F45}" type="datetimeFigureOut">
               <a:rPr lang="en-US" smtClean="0"/>
-              <a:t>8/11/2020</a:t>
+              <a:t>8/13/2020</a:t>
             </a:fld>
             <a:endParaRPr lang="en-US"/>
           </a:p>
@@ -6327,7 +6514,7 @@
           <a:p>
             <a:fld id="{39276A9C-A37F-4E08-AE6A-98C5AA5F0F45}" type="datetimeFigureOut">
               <a:rPr lang="en-US" smtClean="0"/>
-              <a:t>8/11/2020</a:t>
+              <a:t>8/13/2020</a:t>
             </a:fld>
             <a:endParaRPr lang="en-US"/>
           </a:p>
@@ -6832,16 +7019,12 @@
               </a:lnSpc>
             </a:pPr>
             <a:r>
-              <a:rPr lang="en-US" dirty="0"/>
-              <a:t>Dale George, </a:t>
-            </a:r>
-            <a:r>
               <a:rPr lang="en-US" dirty="0" err="1"/>
               <a:t>Siqing</a:t>
             </a:r>
             <a:r>
               <a:rPr lang="en-US" dirty="0"/>
-              <a:t> Cao, Peyton Harsh, and Bianca Garcia</a:t>
+              <a:t> Cao, Bianca Garcia, Dale George, and Peyton Harsh</a:t>
             </a:r>
           </a:p>
           <a:p>
@@ -7106,7 +7289,38 @@
                 <a:ea typeface="+mj-ea"/>
                 <a:cs typeface="+mj-cs"/>
               </a:rPr>
-              <a:t>Which airline should I take in January 2021?</a:t>
+              <a:t>Which airline should I take this coming January 2021?</a:t>
+            </a:r>
+            <a:br>
+              <a:rPr lang="en-US" sz="3600" kern="1200" cap="all" spc="200" baseline="0" dirty="0">
+                <a:solidFill>
+                  <a:schemeClr val="tx1"/>
+                </a:solidFill>
+                <a:latin typeface="+mj-lt"/>
+                <a:ea typeface="+mj-ea"/>
+                <a:cs typeface="+mj-cs"/>
+              </a:rPr>
+            </a:br>
+            <a:br>
+              <a:rPr lang="en-US" sz="3600" kern="1200" cap="all" spc="200" baseline="0" dirty="0">
+                <a:solidFill>
+                  <a:schemeClr val="tx1"/>
+                </a:solidFill>
+                <a:latin typeface="+mj-lt"/>
+                <a:ea typeface="+mj-ea"/>
+                <a:cs typeface="+mj-cs"/>
+              </a:rPr>
+            </a:br>
+            <a:r>
+              <a:rPr lang="en-US" sz="3600" kern="1200" cap="all" spc="200" baseline="0" dirty="0">
+                <a:solidFill>
+                  <a:schemeClr val="tx1"/>
+                </a:solidFill>
+                <a:latin typeface="+mj-lt"/>
+                <a:ea typeface="+mj-ea"/>
+                <a:cs typeface="+mj-cs"/>
+              </a:rPr>
+              <a:t>Will my flight be delayed?</a:t>
             </a:r>
           </a:p>
         </p:txBody>
@@ -7275,21 +7489,249 @@
           <a:chExt cx="0" cy="0"/>
         </a:xfrm>
       </p:grpSpPr>
+      <p:sp>
+        <p:nvSpPr>
+          <p:cNvPr id="2" name="TextBox 1">
+            <a:extLst>
+              <a:ext uri="{FF2B5EF4-FFF2-40B4-BE49-F238E27FC236}">
+                <a16:creationId xmlns:a16="http://schemas.microsoft.com/office/drawing/2014/main" id="{15DF6FBE-8382-4AB8-9922-4C6DCDC8D314}"/>
+              </a:ext>
+            </a:extLst>
+          </p:cNvPr>
+          <p:cNvSpPr txBox="1"/>
+          <p:nvPr/>
+        </p:nvSpPr>
+        <p:spPr>
+          <a:xfrm>
+            <a:off x="9376610" y="1659722"/>
+            <a:ext cx="2197767" cy="3154710"/>
+          </a:xfrm>
+          <a:prstGeom prst="rect">
+            <a:avLst/>
+          </a:prstGeom>
+          <a:noFill/>
+        </p:spPr>
+        <p:txBody>
+          <a:bodyPr wrap="square" rtlCol="0">
+            <a:spAutoFit/>
+          </a:bodyPr>
+          <a:lstStyle/>
+          <a:p>
+            <a:r>
+              <a:rPr lang="en-US" sz="1900" cap="all" spc="100" dirty="0">
+                <a:solidFill>
+                  <a:schemeClr val="accent2">
+                    <a:lumMod val="75000"/>
+                  </a:schemeClr>
+                </a:solidFill>
+              </a:rPr>
+              <a:t>Airlines:</a:t>
+            </a:r>
+          </a:p>
+          <a:p>
+            <a:pPr marL="285750" indent="-285750">
+              <a:buFont typeface="Arial" panose="020B0604020202020204" pitchFamily="34" charset="0"/>
+              <a:buChar char="•"/>
+            </a:pPr>
+            <a:r>
+              <a:rPr lang="en-US" dirty="0">
+                <a:solidFill>
+                  <a:schemeClr val="tx1">
+                    <a:lumMod val="85000"/>
+                    <a:lumOff val="15000"/>
+                  </a:schemeClr>
+                </a:solidFill>
+              </a:rPr>
+              <a:t>HA – Hawaiian </a:t>
+            </a:r>
+          </a:p>
+          <a:p>
+            <a:pPr marL="285750" indent="-285750">
+              <a:buFont typeface="Arial" panose="020B0604020202020204" pitchFamily="34" charset="0"/>
+              <a:buChar char="•"/>
+            </a:pPr>
+            <a:r>
+              <a:rPr lang="en-US" dirty="0">
+                <a:solidFill>
+                  <a:schemeClr val="tx1">
+                    <a:lumMod val="85000"/>
+                    <a:lumOff val="15000"/>
+                  </a:schemeClr>
+                </a:solidFill>
+              </a:rPr>
+              <a:t>DL – Delta</a:t>
+            </a:r>
+          </a:p>
+          <a:p>
+            <a:pPr marL="285750" indent="-285750">
+              <a:buFont typeface="Arial" panose="020B0604020202020204" pitchFamily="34" charset="0"/>
+              <a:buChar char="•"/>
+            </a:pPr>
+            <a:r>
+              <a:rPr lang="en-US" dirty="0">
+                <a:solidFill>
+                  <a:schemeClr val="tx1">
+                    <a:lumMod val="85000"/>
+                    <a:lumOff val="15000"/>
+                  </a:schemeClr>
+                </a:solidFill>
+              </a:rPr>
+              <a:t>AS – Alaska </a:t>
+            </a:r>
+          </a:p>
+          <a:p>
+            <a:pPr marL="285750" indent="-285750">
+              <a:buFont typeface="Arial" panose="020B0604020202020204" pitchFamily="34" charset="0"/>
+              <a:buChar char="•"/>
+            </a:pPr>
+            <a:r>
+              <a:rPr lang="en-US" dirty="0">
+                <a:solidFill>
+                  <a:schemeClr val="tx1">
+                    <a:lumMod val="85000"/>
+                    <a:lumOff val="15000"/>
+                  </a:schemeClr>
+                </a:solidFill>
+              </a:rPr>
+              <a:t>NK – Spirit</a:t>
+            </a:r>
+          </a:p>
+          <a:p>
+            <a:pPr marL="285750" indent="-285750">
+              <a:buFont typeface="Arial" panose="020B0604020202020204" pitchFamily="34" charset="0"/>
+              <a:buChar char="•"/>
+            </a:pPr>
+            <a:r>
+              <a:rPr lang="en-US" dirty="0">
+                <a:solidFill>
+                  <a:schemeClr val="tx1">
+                    <a:lumMod val="85000"/>
+                    <a:lumOff val="15000"/>
+                  </a:schemeClr>
+                </a:solidFill>
+              </a:rPr>
+              <a:t>OH – PSA</a:t>
+            </a:r>
+          </a:p>
+          <a:p>
+            <a:pPr marL="285750" indent="-285750">
+              <a:buFont typeface="Arial" panose="020B0604020202020204" pitchFamily="34" charset="0"/>
+              <a:buChar char="•"/>
+            </a:pPr>
+            <a:r>
+              <a:rPr lang="en-US" dirty="0">
+                <a:solidFill>
+                  <a:schemeClr val="tx1">
+                    <a:lumMod val="85000"/>
+                    <a:lumOff val="15000"/>
+                  </a:schemeClr>
+                </a:solidFill>
+              </a:rPr>
+              <a:t>B6 – Jet Blue</a:t>
+            </a:r>
+          </a:p>
+          <a:p>
+            <a:pPr marL="285750" indent="-285750">
+              <a:buFont typeface="Arial" panose="020B0604020202020204" pitchFamily="34" charset="0"/>
+              <a:buChar char="•"/>
+            </a:pPr>
+            <a:r>
+              <a:rPr lang="en-US" dirty="0">
+                <a:solidFill>
+                  <a:schemeClr val="tx1">
+                    <a:lumMod val="85000"/>
+                    <a:lumOff val="15000"/>
+                  </a:schemeClr>
+                </a:solidFill>
+              </a:rPr>
+              <a:t>F9 – Frontier</a:t>
+            </a:r>
+          </a:p>
+          <a:p>
+            <a:pPr marL="285750" indent="-285750">
+              <a:buFont typeface="Arial" panose="020B0604020202020204" pitchFamily="34" charset="0"/>
+              <a:buChar char="•"/>
+            </a:pPr>
+            <a:r>
+              <a:rPr lang="en-US" dirty="0">
+                <a:solidFill>
+                  <a:schemeClr val="tx1">
+                    <a:lumMod val="85000"/>
+                    <a:lumOff val="15000"/>
+                  </a:schemeClr>
+                </a:solidFill>
+              </a:rPr>
+              <a:t>G4 – Allegiant</a:t>
+            </a:r>
+          </a:p>
+          <a:p>
+            <a:pPr marL="285750" indent="-285750">
+              <a:buFont typeface="Arial" panose="020B0604020202020204" pitchFamily="34" charset="0"/>
+              <a:buChar char="•"/>
+            </a:pPr>
+            <a:r>
+              <a:rPr lang="en-US" dirty="0">
+                <a:solidFill>
+                  <a:schemeClr val="tx1">
+                    <a:lumMod val="85000"/>
+                    <a:lumOff val="15000"/>
+                  </a:schemeClr>
+                </a:solidFill>
+              </a:rPr>
+              <a:t>EV – Express Jet</a:t>
+            </a:r>
+          </a:p>
+          <a:p>
+            <a:pPr marL="285750" indent="-285750">
+              <a:buFont typeface="Arial" panose="020B0604020202020204" pitchFamily="34" charset="0"/>
+              <a:buChar char="•"/>
+            </a:pPr>
+            <a:r>
+              <a:rPr lang="en-US" dirty="0">
+                <a:solidFill>
+                  <a:schemeClr val="tx1">
+                    <a:lumMod val="85000"/>
+                    <a:lumOff val="15000"/>
+                  </a:schemeClr>
+                </a:solidFill>
+              </a:rPr>
+              <a:t>OO – </a:t>
+            </a:r>
+            <a:r>
+              <a:rPr lang="en-US" dirty="0" err="1">
+                <a:solidFill>
+                  <a:schemeClr val="tx1">
+                    <a:lumMod val="85000"/>
+                    <a:lumOff val="15000"/>
+                  </a:schemeClr>
+                </a:solidFill>
+              </a:rPr>
+              <a:t>Skywest</a:t>
+            </a:r>
+            <a:endParaRPr lang="en-US" dirty="0">
+              <a:solidFill>
+                <a:schemeClr val="tx1">
+                  <a:lumMod val="85000"/>
+                  <a:lumOff val="15000"/>
+                </a:schemeClr>
+              </a:solidFill>
+            </a:endParaRPr>
+          </a:p>
+        </p:txBody>
+      </p:sp>
       <p:pic>
         <p:nvPicPr>
-          <p:cNvPr id="15" name="Content Placeholder 14">
+          <p:cNvPr id="5" name="Picture 4">
             <a:extLst>
               <a:ext uri="{FF2B5EF4-FFF2-40B4-BE49-F238E27FC236}">
-                <a16:creationId xmlns:a16="http://schemas.microsoft.com/office/drawing/2014/main" id="{78A361B8-5DED-41CF-88E1-4E41E9679240}"/>
+                <a16:creationId xmlns:a16="http://schemas.microsoft.com/office/drawing/2014/main" id="{81E872FF-4781-4634-803A-7EA161B5A8C2}"/>
               </a:ext>
             </a:extLst>
           </p:cNvPr>
           <p:cNvPicPr>
-            <a:picLocks noGrp="1" noChangeAspect="1"/>
+            <a:picLocks noChangeAspect="1"/>
           </p:cNvPicPr>
-          <p:nvPr>
-            <p:ph sz="half" idx="2"/>
-          </p:nvPr>
+          <p:nvPr/>
         </p:nvPicPr>
         <p:blipFill>
           <a:blip r:embed="rId2"/>
@@ -7299,8 +7741,8 @@
         </p:blipFill>
         <p:spPr>
           <a:xfrm>
-            <a:off x="1870564" y="431074"/>
-            <a:ext cx="8266379" cy="2958403"/>
+            <a:off x="333043" y="3464513"/>
+            <a:ext cx="8705850" cy="3219450"/>
           </a:xfrm>
           <a:prstGeom prst="rect">
             <a:avLst/>
@@ -7309,19 +7751,17 @@
       </p:pic>
       <p:pic>
         <p:nvPicPr>
-          <p:cNvPr id="16" name="Content Placeholder 15">
+          <p:cNvPr id="8" name="Picture 7">
             <a:extLst>
               <a:ext uri="{FF2B5EF4-FFF2-40B4-BE49-F238E27FC236}">
-                <a16:creationId xmlns:a16="http://schemas.microsoft.com/office/drawing/2014/main" id="{0C69C06C-7969-4EE4-B613-A2FDEEE1E6F7}"/>
+                <a16:creationId xmlns:a16="http://schemas.microsoft.com/office/drawing/2014/main" id="{27CE8EAC-54D5-43CE-9E71-844EF56BD6D2}"/>
               </a:ext>
             </a:extLst>
           </p:cNvPr>
           <p:cNvPicPr>
-            <a:picLocks noGrp="1" noChangeAspect="1"/>
+            <a:picLocks noChangeAspect="1"/>
           </p:cNvPicPr>
-          <p:nvPr>
-            <p:ph sz="quarter" idx="4"/>
-          </p:nvPr>
+          <p:nvPr/>
         </p:nvPicPr>
         <p:blipFill>
           <a:blip r:embed="rId3"/>
@@ -7331,8 +7771,8 @@
         </p:blipFill>
         <p:spPr>
           <a:xfrm>
-            <a:off x="1843310" y="3544585"/>
-            <a:ext cx="8320889" cy="2882341"/>
+            <a:off x="389191" y="82366"/>
+            <a:ext cx="8649702" cy="3154711"/>
           </a:xfrm>
           <a:prstGeom prst="rect">
             <a:avLst/>
@@ -7559,7 +7999,7 @@
             <p:ph idx="1"/>
             <p:extLst>
               <p:ext uri="{D42A27DB-BD31-4B8C-83A1-F6EECF244321}">
-                <p14:modId xmlns:p14="http://schemas.microsoft.com/office/powerpoint/2010/main" val="689630070"/>
+                <p14:modId xmlns:p14="http://schemas.microsoft.com/office/powerpoint/2010/main" val="1974786940"/>
               </p:ext>
             </p:extLst>
           </p:nvPr>
@@ -7588,6 +8028,1340 @@
 </file>
 
 <file path=ppt/slides/slide5.xml><?xml version="1.0" encoding="utf-8"?>
+<p:sld xmlns:a="http://schemas.openxmlformats.org/drawingml/2006/main" xmlns:r="http://schemas.openxmlformats.org/officeDocument/2006/relationships" xmlns:p="http://schemas.openxmlformats.org/presentationml/2006/main">
+  <p:cSld>
+    <p:spTree>
+      <p:nvGrpSpPr>
+        <p:cNvPr id="1" name=""/>
+        <p:cNvGrpSpPr/>
+        <p:nvPr/>
+      </p:nvGrpSpPr>
+      <p:grpSpPr>
+        <a:xfrm>
+          <a:off x="0" y="0"/>
+          <a:ext cx="0" cy="0"/>
+          <a:chOff x="0" y="0"/>
+          <a:chExt cx="0" cy="0"/>
+        </a:xfrm>
+      </p:grpSpPr>
+      <p:sp>
+        <p:nvSpPr>
+          <p:cNvPr id="10" name="Text Placeholder 9">
+            <a:extLst>
+              <a:ext uri="{FF2B5EF4-FFF2-40B4-BE49-F238E27FC236}">
+                <a16:creationId xmlns:a16="http://schemas.microsoft.com/office/drawing/2014/main" id="{DE041928-F863-4785-B370-C0A77F370B9C}"/>
+              </a:ext>
+            </a:extLst>
+          </p:cNvPr>
+          <p:cNvSpPr>
+            <a:spLocks noGrp="1"/>
+          </p:cNvSpPr>
+          <p:nvPr>
+            <p:ph type="body" sz="quarter" idx="13"/>
+          </p:nvPr>
+        </p:nvSpPr>
+        <p:spPr/>
+        <p:txBody>
+          <a:bodyPr/>
+          <a:lstStyle/>
+          <a:p>
+            <a:r>
+              <a:rPr lang="en-US" dirty="0"/>
+              <a:t>Results</a:t>
+            </a:r>
+          </a:p>
+        </p:txBody>
+      </p:sp>
+      <p:sp>
+        <p:nvSpPr>
+          <p:cNvPr id="2" name="Title 1">
+            <a:extLst>
+              <a:ext uri="{FF2B5EF4-FFF2-40B4-BE49-F238E27FC236}">
+                <a16:creationId xmlns:a16="http://schemas.microsoft.com/office/drawing/2014/main" id="{834E76A1-1EB4-4A1B-8FCD-67D3595D7987}"/>
+              </a:ext>
+            </a:extLst>
+          </p:cNvPr>
+          <p:cNvSpPr>
+            <a:spLocks noGrp="1"/>
+          </p:cNvSpPr>
+          <p:nvPr>
+            <p:ph type="title"/>
+          </p:nvPr>
+        </p:nvSpPr>
+        <p:spPr/>
+        <p:txBody>
+          <a:bodyPr>
+            <a:normAutofit/>
+          </a:bodyPr>
+          <a:lstStyle/>
+          <a:p>
+            <a:r>
+              <a:rPr lang="en-US" sz="2400" dirty="0"/>
+              <a:t>Random Forest Classifier ( 1</a:t>
+            </a:r>
+            <a:r>
+              <a:rPr lang="en-US" sz="2400" baseline="30000" dirty="0"/>
+              <a:t>st</a:t>
+            </a:r>
+            <a:r>
+              <a:rPr lang="en-US" sz="2400" dirty="0"/>
+              <a:t> Model)</a:t>
+            </a:r>
+          </a:p>
+        </p:txBody>
+      </p:sp>
+      <p:sp>
+        <p:nvSpPr>
+          <p:cNvPr id="12" name="Text Placeholder 9">
+            <a:extLst>
+              <a:ext uri="{FF2B5EF4-FFF2-40B4-BE49-F238E27FC236}">
+                <a16:creationId xmlns:a16="http://schemas.microsoft.com/office/drawing/2014/main" id="{BD0A0F67-DF0A-483D-B114-DD9B1A5DF536}"/>
+              </a:ext>
+            </a:extLst>
+          </p:cNvPr>
+          <p:cNvSpPr txBox="1">
+            <a:spLocks/>
+          </p:cNvSpPr>
+          <p:nvPr/>
+        </p:nvSpPr>
+        <p:spPr>
+          <a:xfrm>
+            <a:off x="6338316" y="3833243"/>
+            <a:ext cx="4270248" cy="704087"/>
+          </a:xfrm>
+          <a:prstGeom prst="rect">
+            <a:avLst/>
+          </a:prstGeom>
+        </p:spPr>
+        <p:txBody>
+          <a:bodyPr vert="horz" lIns="91440" tIns="45720" rIns="91440" bIns="45720" rtlCol="0" anchor="b" anchorCtr="1">
+            <a:normAutofit/>
+          </a:bodyPr>
+          <a:lstStyle>
+            <a:lvl1pPr marL="0" indent="0" algn="ctr" defTabSz="914400" rtl="0" eaLnBrk="1" latinLnBrk="0" hangingPunct="1">
+              <a:lnSpc>
+                <a:spcPct val="100000"/>
+              </a:lnSpc>
+              <a:spcBef>
+                <a:spcPts val="1000"/>
+              </a:spcBef>
+              <a:buClr>
+                <a:schemeClr val="accent2"/>
+              </a:buClr>
+              <a:buFont typeface="Arial" panose="020B0604020202020204" pitchFamily="34" charset="0"/>
+              <a:buNone/>
+              <a:defRPr sz="1900" b="0" kern="1200" cap="all" spc="100" baseline="0">
+                <a:solidFill>
+                  <a:schemeClr val="accent2">
+                    <a:lumMod val="75000"/>
+                  </a:schemeClr>
+                </a:solidFill>
+                <a:latin typeface="+mn-lt"/>
+                <a:ea typeface="+mn-ea"/>
+                <a:cs typeface="+mn-cs"/>
+              </a:defRPr>
+            </a:lvl1pPr>
+            <a:lvl2pPr marL="457200" indent="0" algn="l" defTabSz="914400" rtl="0" eaLnBrk="1" latinLnBrk="0" hangingPunct="1">
+              <a:lnSpc>
+                <a:spcPct val="100000"/>
+              </a:lnSpc>
+              <a:spcBef>
+                <a:spcPts val="1000"/>
+              </a:spcBef>
+              <a:buClr>
+                <a:schemeClr val="accent2"/>
+              </a:buClr>
+              <a:buFont typeface="Arial" panose="020B0604020202020204" pitchFamily="34" charset="0"/>
+              <a:buNone/>
+              <a:defRPr sz="1900" b="1" kern="1200">
+                <a:solidFill>
+                  <a:schemeClr val="tx1">
+                    <a:lumMod val="85000"/>
+                    <a:lumOff val="15000"/>
+                  </a:schemeClr>
+                </a:solidFill>
+                <a:latin typeface="+mn-lt"/>
+                <a:ea typeface="+mn-ea"/>
+                <a:cs typeface="+mn-cs"/>
+              </a:defRPr>
+            </a:lvl2pPr>
+            <a:lvl3pPr marL="914400" indent="0" algn="l" defTabSz="914400" rtl="0" eaLnBrk="1" latinLnBrk="0" hangingPunct="1">
+              <a:lnSpc>
+                <a:spcPct val="100000"/>
+              </a:lnSpc>
+              <a:spcBef>
+                <a:spcPts val="1000"/>
+              </a:spcBef>
+              <a:buClr>
+                <a:schemeClr val="accent2"/>
+              </a:buClr>
+              <a:buFont typeface="Arial" panose="020B0604020202020204" pitchFamily="34" charset="0"/>
+              <a:buNone/>
+              <a:defRPr sz="1800" b="1" kern="1200">
+                <a:solidFill>
+                  <a:schemeClr val="tx1">
+                    <a:lumMod val="85000"/>
+                    <a:lumOff val="15000"/>
+                  </a:schemeClr>
+                </a:solidFill>
+                <a:latin typeface="+mn-lt"/>
+                <a:ea typeface="+mn-ea"/>
+                <a:cs typeface="+mn-cs"/>
+              </a:defRPr>
+            </a:lvl3pPr>
+            <a:lvl4pPr marL="1371600" indent="0" algn="l" defTabSz="914400" rtl="0" eaLnBrk="1" latinLnBrk="0" hangingPunct="1">
+              <a:lnSpc>
+                <a:spcPct val="100000"/>
+              </a:lnSpc>
+              <a:spcBef>
+                <a:spcPts val="1000"/>
+              </a:spcBef>
+              <a:buClr>
+                <a:schemeClr val="accent2"/>
+              </a:buClr>
+              <a:buFont typeface="Arial" panose="020B0604020202020204" pitchFamily="34" charset="0"/>
+              <a:buNone/>
+              <a:defRPr sz="1600" b="1" kern="1200">
+                <a:solidFill>
+                  <a:schemeClr val="tx1">
+                    <a:lumMod val="85000"/>
+                    <a:lumOff val="15000"/>
+                  </a:schemeClr>
+                </a:solidFill>
+                <a:latin typeface="+mn-lt"/>
+                <a:ea typeface="+mn-ea"/>
+                <a:cs typeface="+mn-cs"/>
+              </a:defRPr>
+            </a:lvl4pPr>
+            <a:lvl5pPr marL="1828800" indent="0" algn="l" defTabSz="914400" rtl="0" eaLnBrk="1" latinLnBrk="0" hangingPunct="1">
+              <a:lnSpc>
+                <a:spcPct val="100000"/>
+              </a:lnSpc>
+              <a:spcBef>
+                <a:spcPts val="1000"/>
+              </a:spcBef>
+              <a:buClr>
+                <a:schemeClr val="accent2"/>
+              </a:buClr>
+              <a:buFont typeface="Arial" panose="020B0604020202020204" pitchFamily="34" charset="0"/>
+              <a:buNone/>
+              <a:defRPr sz="1600" b="1" kern="1200">
+                <a:solidFill>
+                  <a:schemeClr val="tx1">
+                    <a:lumMod val="85000"/>
+                    <a:lumOff val="15000"/>
+                  </a:schemeClr>
+                </a:solidFill>
+                <a:latin typeface="+mn-lt"/>
+                <a:ea typeface="+mn-ea"/>
+                <a:cs typeface="+mn-cs"/>
+              </a:defRPr>
+            </a:lvl5pPr>
+            <a:lvl6pPr marL="2286000" indent="0" algn="l" defTabSz="914400" rtl="0" eaLnBrk="1" latinLnBrk="0" hangingPunct="1">
+              <a:lnSpc>
+                <a:spcPct val="100000"/>
+              </a:lnSpc>
+              <a:spcBef>
+                <a:spcPts val="1000"/>
+              </a:spcBef>
+              <a:buClr>
+                <a:schemeClr val="accent2"/>
+              </a:buClr>
+              <a:buFont typeface="Arial" panose="020B0604020202020204" pitchFamily="34" charset="0"/>
+              <a:buNone/>
+              <a:defRPr sz="1600" b="1" kern="1200">
+                <a:solidFill>
+                  <a:schemeClr val="tx1"/>
+                </a:solidFill>
+                <a:latin typeface="+mn-lt"/>
+                <a:ea typeface="+mn-ea"/>
+                <a:cs typeface="+mn-cs"/>
+              </a:defRPr>
+            </a:lvl6pPr>
+            <a:lvl7pPr marL="2743200" indent="0" algn="l" defTabSz="914400" rtl="0" eaLnBrk="1" latinLnBrk="0" hangingPunct="1">
+              <a:lnSpc>
+                <a:spcPct val="100000"/>
+              </a:lnSpc>
+              <a:spcBef>
+                <a:spcPts val="1000"/>
+              </a:spcBef>
+              <a:buClr>
+                <a:schemeClr val="accent2"/>
+              </a:buClr>
+              <a:buFont typeface="Arial" panose="020B0604020202020204" pitchFamily="34" charset="0"/>
+              <a:buNone/>
+              <a:defRPr sz="1600" b="1" kern="1200">
+                <a:solidFill>
+                  <a:schemeClr val="tx1"/>
+                </a:solidFill>
+                <a:latin typeface="+mn-lt"/>
+                <a:ea typeface="+mn-ea"/>
+                <a:cs typeface="+mn-cs"/>
+              </a:defRPr>
+            </a:lvl7pPr>
+            <a:lvl8pPr marL="3200400" indent="0" algn="l" defTabSz="914400" rtl="0" eaLnBrk="1" latinLnBrk="0" hangingPunct="1">
+              <a:lnSpc>
+                <a:spcPct val="100000"/>
+              </a:lnSpc>
+              <a:spcBef>
+                <a:spcPts val="1000"/>
+              </a:spcBef>
+              <a:buClr>
+                <a:schemeClr val="accent2"/>
+              </a:buClr>
+              <a:buFont typeface="Arial" panose="020B0604020202020204" pitchFamily="34" charset="0"/>
+              <a:buNone/>
+              <a:defRPr sz="1600" b="1" kern="1200" baseline="0">
+                <a:solidFill>
+                  <a:schemeClr val="tx1"/>
+                </a:solidFill>
+                <a:latin typeface="+mn-lt"/>
+                <a:ea typeface="+mn-ea"/>
+                <a:cs typeface="+mn-cs"/>
+              </a:defRPr>
+            </a:lvl8pPr>
+            <a:lvl9pPr marL="3657600" indent="0" algn="l" defTabSz="914400" rtl="0" eaLnBrk="1" latinLnBrk="0" hangingPunct="1">
+              <a:lnSpc>
+                <a:spcPct val="100000"/>
+              </a:lnSpc>
+              <a:spcBef>
+                <a:spcPts val="1000"/>
+              </a:spcBef>
+              <a:buClr>
+                <a:schemeClr val="accent2"/>
+              </a:buClr>
+              <a:buFont typeface="Arial" panose="020B0604020202020204" pitchFamily="34" charset="0"/>
+              <a:buNone/>
+              <a:defRPr sz="1600" b="1" kern="1200" baseline="0">
+                <a:solidFill>
+                  <a:schemeClr val="tx1"/>
+                </a:solidFill>
+                <a:latin typeface="+mn-lt"/>
+                <a:ea typeface="+mn-ea"/>
+                <a:cs typeface="+mn-cs"/>
+              </a:defRPr>
+            </a:lvl9pPr>
+          </a:lstStyle>
+          <a:p>
+            <a:r>
+              <a:rPr lang="en-US" dirty="0"/>
+              <a:t>Prediction</a:t>
+            </a:r>
+          </a:p>
+        </p:txBody>
+      </p:sp>
+      <p:sp>
+        <p:nvSpPr>
+          <p:cNvPr id="13" name="Text Placeholder 9">
+            <a:extLst>
+              <a:ext uri="{FF2B5EF4-FFF2-40B4-BE49-F238E27FC236}">
+                <a16:creationId xmlns:a16="http://schemas.microsoft.com/office/drawing/2014/main" id="{80AC96ED-AB60-4AC5-A114-CC33A68AFA8E}"/>
+              </a:ext>
+            </a:extLst>
+          </p:cNvPr>
+          <p:cNvSpPr txBox="1">
+            <a:spLocks/>
+          </p:cNvSpPr>
+          <p:nvPr/>
+        </p:nvSpPr>
+        <p:spPr>
+          <a:xfrm>
+            <a:off x="811913" y="2313432"/>
+            <a:ext cx="4270248" cy="704087"/>
+          </a:xfrm>
+          <a:prstGeom prst="rect">
+            <a:avLst/>
+          </a:prstGeom>
+        </p:spPr>
+        <p:txBody>
+          <a:bodyPr vert="horz" lIns="91440" tIns="45720" rIns="91440" bIns="45720" rtlCol="0" anchor="b" anchorCtr="1">
+            <a:normAutofit/>
+          </a:bodyPr>
+          <a:lstStyle>
+            <a:lvl1pPr marL="0" indent="0" algn="ctr" defTabSz="914400" rtl="0" eaLnBrk="1" latinLnBrk="0" hangingPunct="1">
+              <a:lnSpc>
+                <a:spcPct val="100000"/>
+              </a:lnSpc>
+              <a:spcBef>
+                <a:spcPts val="1000"/>
+              </a:spcBef>
+              <a:buClr>
+                <a:schemeClr val="accent2"/>
+              </a:buClr>
+              <a:buFont typeface="Arial" panose="020B0604020202020204" pitchFamily="34" charset="0"/>
+              <a:buNone/>
+              <a:defRPr sz="1900" b="0" kern="1200" cap="all" spc="100" baseline="0">
+                <a:solidFill>
+                  <a:schemeClr val="accent2">
+                    <a:lumMod val="75000"/>
+                  </a:schemeClr>
+                </a:solidFill>
+                <a:latin typeface="+mn-lt"/>
+                <a:ea typeface="+mn-ea"/>
+                <a:cs typeface="+mn-cs"/>
+              </a:defRPr>
+            </a:lvl1pPr>
+            <a:lvl2pPr marL="457200" indent="0" algn="l" defTabSz="914400" rtl="0" eaLnBrk="1" latinLnBrk="0" hangingPunct="1">
+              <a:lnSpc>
+                <a:spcPct val="100000"/>
+              </a:lnSpc>
+              <a:spcBef>
+                <a:spcPts val="1000"/>
+              </a:spcBef>
+              <a:buClr>
+                <a:schemeClr val="accent2"/>
+              </a:buClr>
+              <a:buFont typeface="Arial" panose="020B0604020202020204" pitchFamily="34" charset="0"/>
+              <a:buNone/>
+              <a:defRPr sz="1900" b="1" kern="1200">
+                <a:solidFill>
+                  <a:schemeClr val="tx1">
+                    <a:lumMod val="85000"/>
+                    <a:lumOff val="15000"/>
+                  </a:schemeClr>
+                </a:solidFill>
+                <a:latin typeface="+mn-lt"/>
+                <a:ea typeface="+mn-ea"/>
+                <a:cs typeface="+mn-cs"/>
+              </a:defRPr>
+            </a:lvl2pPr>
+            <a:lvl3pPr marL="914400" indent="0" algn="l" defTabSz="914400" rtl="0" eaLnBrk="1" latinLnBrk="0" hangingPunct="1">
+              <a:lnSpc>
+                <a:spcPct val="100000"/>
+              </a:lnSpc>
+              <a:spcBef>
+                <a:spcPts val="1000"/>
+              </a:spcBef>
+              <a:buClr>
+                <a:schemeClr val="accent2"/>
+              </a:buClr>
+              <a:buFont typeface="Arial" panose="020B0604020202020204" pitchFamily="34" charset="0"/>
+              <a:buNone/>
+              <a:defRPr sz="1800" b="1" kern="1200">
+                <a:solidFill>
+                  <a:schemeClr val="tx1">
+                    <a:lumMod val="85000"/>
+                    <a:lumOff val="15000"/>
+                  </a:schemeClr>
+                </a:solidFill>
+                <a:latin typeface="+mn-lt"/>
+                <a:ea typeface="+mn-ea"/>
+                <a:cs typeface="+mn-cs"/>
+              </a:defRPr>
+            </a:lvl3pPr>
+            <a:lvl4pPr marL="1371600" indent="0" algn="l" defTabSz="914400" rtl="0" eaLnBrk="1" latinLnBrk="0" hangingPunct="1">
+              <a:lnSpc>
+                <a:spcPct val="100000"/>
+              </a:lnSpc>
+              <a:spcBef>
+                <a:spcPts val="1000"/>
+              </a:spcBef>
+              <a:buClr>
+                <a:schemeClr val="accent2"/>
+              </a:buClr>
+              <a:buFont typeface="Arial" panose="020B0604020202020204" pitchFamily="34" charset="0"/>
+              <a:buNone/>
+              <a:defRPr sz="1600" b="1" kern="1200">
+                <a:solidFill>
+                  <a:schemeClr val="tx1">
+                    <a:lumMod val="85000"/>
+                    <a:lumOff val="15000"/>
+                  </a:schemeClr>
+                </a:solidFill>
+                <a:latin typeface="+mn-lt"/>
+                <a:ea typeface="+mn-ea"/>
+                <a:cs typeface="+mn-cs"/>
+              </a:defRPr>
+            </a:lvl4pPr>
+            <a:lvl5pPr marL="1828800" indent="0" algn="l" defTabSz="914400" rtl="0" eaLnBrk="1" latinLnBrk="0" hangingPunct="1">
+              <a:lnSpc>
+                <a:spcPct val="100000"/>
+              </a:lnSpc>
+              <a:spcBef>
+                <a:spcPts val="1000"/>
+              </a:spcBef>
+              <a:buClr>
+                <a:schemeClr val="accent2"/>
+              </a:buClr>
+              <a:buFont typeface="Arial" panose="020B0604020202020204" pitchFamily="34" charset="0"/>
+              <a:buNone/>
+              <a:defRPr sz="1600" b="1" kern="1200">
+                <a:solidFill>
+                  <a:schemeClr val="tx1">
+                    <a:lumMod val="85000"/>
+                    <a:lumOff val="15000"/>
+                  </a:schemeClr>
+                </a:solidFill>
+                <a:latin typeface="+mn-lt"/>
+                <a:ea typeface="+mn-ea"/>
+                <a:cs typeface="+mn-cs"/>
+              </a:defRPr>
+            </a:lvl5pPr>
+            <a:lvl6pPr marL="2286000" indent="0" algn="l" defTabSz="914400" rtl="0" eaLnBrk="1" latinLnBrk="0" hangingPunct="1">
+              <a:lnSpc>
+                <a:spcPct val="100000"/>
+              </a:lnSpc>
+              <a:spcBef>
+                <a:spcPts val="1000"/>
+              </a:spcBef>
+              <a:buClr>
+                <a:schemeClr val="accent2"/>
+              </a:buClr>
+              <a:buFont typeface="Arial" panose="020B0604020202020204" pitchFamily="34" charset="0"/>
+              <a:buNone/>
+              <a:defRPr sz="1600" b="1" kern="1200">
+                <a:solidFill>
+                  <a:schemeClr val="tx1"/>
+                </a:solidFill>
+                <a:latin typeface="+mn-lt"/>
+                <a:ea typeface="+mn-ea"/>
+                <a:cs typeface="+mn-cs"/>
+              </a:defRPr>
+            </a:lvl6pPr>
+            <a:lvl7pPr marL="2743200" indent="0" algn="l" defTabSz="914400" rtl="0" eaLnBrk="1" latinLnBrk="0" hangingPunct="1">
+              <a:lnSpc>
+                <a:spcPct val="100000"/>
+              </a:lnSpc>
+              <a:spcBef>
+                <a:spcPts val="1000"/>
+              </a:spcBef>
+              <a:buClr>
+                <a:schemeClr val="accent2"/>
+              </a:buClr>
+              <a:buFont typeface="Arial" panose="020B0604020202020204" pitchFamily="34" charset="0"/>
+              <a:buNone/>
+              <a:defRPr sz="1600" b="1" kern="1200">
+                <a:solidFill>
+                  <a:schemeClr val="tx1"/>
+                </a:solidFill>
+                <a:latin typeface="+mn-lt"/>
+                <a:ea typeface="+mn-ea"/>
+                <a:cs typeface="+mn-cs"/>
+              </a:defRPr>
+            </a:lvl7pPr>
+            <a:lvl8pPr marL="3200400" indent="0" algn="l" defTabSz="914400" rtl="0" eaLnBrk="1" latinLnBrk="0" hangingPunct="1">
+              <a:lnSpc>
+                <a:spcPct val="100000"/>
+              </a:lnSpc>
+              <a:spcBef>
+                <a:spcPts val="1000"/>
+              </a:spcBef>
+              <a:buClr>
+                <a:schemeClr val="accent2"/>
+              </a:buClr>
+              <a:buFont typeface="Arial" panose="020B0604020202020204" pitchFamily="34" charset="0"/>
+              <a:buNone/>
+              <a:defRPr sz="1600" b="1" kern="1200" baseline="0">
+                <a:solidFill>
+                  <a:schemeClr val="tx1"/>
+                </a:solidFill>
+                <a:latin typeface="+mn-lt"/>
+                <a:ea typeface="+mn-ea"/>
+                <a:cs typeface="+mn-cs"/>
+              </a:defRPr>
+            </a:lvl8pPr>
+            <a:lvl9pPr marL="3657600" indent="0" algn="l" defTabSz="914400" rtl="0" eaLnBrk="1" latinLnBrk="0" hangingPunct="1">
+              <a:lnSpc>
+                <a:spcPct val="100000"/>
+              </a:lnSpc>
+              <a:spcBef>
+                <a:spcPts val="1000"/>
+              </a:spcBef>
+              <a:buClr>
+                <a:schemeClr val="accent2"/>
+              </a:buClr>
+              <a:buFont typeface="Arial" panose="020B0604020202020204" pitchFamily="34" charset="0"/>
+              <a:buNone/>
+              <a:defRPr sz="1600" b="1" kern="1200" baseline="0">
+                <a:solidFill>
+                  <a:schemeClr val="tx1"/>
+                </a:solidFill>
+                <a:latin typeface="+mn-lt"/>
+                <a:ea typeface="+mn-ea"/>
+                <a:cs typeface="+mn-cs"/>
+              </a:defRPr>
+            </a:lvl9pPr>
+          </a:lstStyle>
+          <a:p>
+            <a:r>
+              <a:rPr lang="en-US" dirty="0"/>
+              <a:t>Building the Model</a:t>
+            </a:r>
+          </a:p>
+        </p:txBody>
+      </p:sp>
+      <p:pic>
+        <p:nvPicPr>
+          <p:cNvPr id="4" name="Picture 3">
+            <a:extLst>
+              <a:ext uri="{FF2B5EF4-FFF2-40B4-BE49-F238E27FC236}">
+                <a16:creationId xmlns:a16="http://schemas.microsoft.com/office/drawing/2014/main" id="{E146053F-26C2-432B-A55B-CC4E92961A72}"/>
+              </a:ext>
+            </a:extLst>
+          </p:cNvPr>
+          <p:cNvPicPr>
+            <a:picLocks noChangeAspect="1"/>
+          </p:cNvPicPr>
+          <p:nvPr/>
+        </p:nvPicPr>
+        <p:blipFill>
+          <a:blip r:embed="rId2"/>
+          <a:stretch>
+            <a:fillRect/>
+          </a:stretch>
+        </p:blipFill>
+        <p:spPr>
+          <a:xfrm>
+            <a:off x="1014986" y="3123112"/>
+            <a:ext cx="4067175" cy="1562100"/>
+          </a:xfrm>
+          <a:prstGeom prst="rect">
+            <a:avLst/>
+          </a:prstGeom>
+        </p:spPr>
+      </p:pic>
+      <p:pic>
+        <p:nvPicPr>
+          <p:cNvPr id="7" name="Picture 6">
+            <a:extLst>
+              <a:ext uri="{FF2B5EF4-FFF2-40B4-BE49-F238E27FC236}">
+                <a16:creationId xmlns:a16="http://schemas.microsoft.com/office/drawing/2014/main" id="{4E452DD8-C5A1-406D-8855-4DDCAF8236EF}"/>
+              </a:ext>
+            </a:extLst>
+          </p:cNvPr>
+          <p:cNvPicPr>
+            <a:picLocks noChangeAspect="1"/>
+          </p:cNvPicPr>
+          <p:nvPr/>
+        </p:nvPicPr>
+        <p:blipFill>
+          <a:blip r:embed="rId3"/>
+          <a:stretch>
+            <a:fillRect/>
+          </a:stretch>
+        </p:blipFill>
+        <p:spPr>
+          <a:xfrm>
+            <a:off x="6338316" y="3123112"/>
+            <a:ext cx="4838700" cy="962025"/>
+          </a:xfrm>
+          <a:prstGeom prst="rect">
+            <a:avLst/>
+          </a:prstGeom>
+        </p:spPr>
+      </p:pic>
+      <p:pic>
+        <p:nvPicPr>
+          <p:cNvPr id="8" name="Picture 7">
+            <a:extLst>
+              <a:ext uri="{FF2B5EF4-FFF2-40B4-BE49-F238E27FC236}">
+                <a16:creationId xmlns:a16="http://schemas.microsoft.com/office/drawing/2014/main" id="{149D0DCB-0D59-4CBC-B6A7-760B5FB36E6B}"/>
+              </a:ext>
+            </a:extLst>
+          </p:cNvPr>
+          <p:cNvPicPr>
+            <a:picLocks noChangeAspect="1"/>
+          </p:cNvPicPr>
+          <p:nvPr/>
+        </p:nvPicPr>
+        <p:blipFill>
+          <a:blip r:embed="rId4"/>
+          <a:stretch>
+            <a:fillRect/>
+          </a:stretch>
+        </p:blipFill>
+        <p:spPr>
+          <a:xfrm>
+            <a:off x="6338315" y="4652148"/>
+            <a:ext cx="4838699" cy="1190625"/>
+          </a:xfrm>
+          <a:prstGeom prst="rect">
+            <a:avLst/>
+          </a:prstGeom>
+        </p:spPr>
+      </p:pic>
+    </p:spTree>
+    <p:extLst>
+      <p:ext uri="{BB962C8B-B14F-4D97-AF65-F5344CB8AC3E}">
+        <p14:creationId xmlns:p14="http://schemas.microsoft.com/office/powerpoint/2010/main" val="1918733114"/>
+      </p:ext>
+    </p:extLst>
+  </p:cSld>
+  <p:clrMapOvr>
+    <a:masterClrMapping/>
+  </p:clrMapOvr>
+</p:sld>
+</file>
+
+<file path=ppt/slides/slide6.xml><?xml version="1.0" encoding="utf-8"?>
+<p:sld xmlns:a="http://schemas.openxmlformats.org/drawingml/2006/main" xmlns:r="http://schemas.openxmlformats.org/officeDocument/2006/relationships" xmlns:p="http://schemas.openxmlformats.org/presentationml/2006/main">
+  <p:cSld>
+    <p:spTree>
+      <p:nvGrpSpPr>
+        <p:cNvPr id="1" name=""/>
+        <p:cNvGrpSpPr/>
+        <p:nvPr/>
+      </p:nvGrpSpPr>
+      <p:grpSpPr>
+        <a:xfrm>
+          <a:off x="0" y="0"/>
+          <a:ext cx="0" cy="0"/>
+          <a:chOff x="0" y="0"/>
+          <a:chExt cx="0" cy="0"/>
+        </a:xfrm>
+      </p:grpSpPr>
+      <p:sp>
+        <p:nvSpPr>
+          <p:cNvPr id="10" name="Text Placeholder 9">
+            <a:extLst>
+              <a:ext uri="{FF2B5EF4-FFF2-40B4-BE49-F238E27FC236}">
+                <a16:creationId xmlns:a16="http://schemas.microsoft.com/office/drawing/2014/main" id="{DE041928-F863-4785-B370-C0A77F370B9C}"/>
+              </a:ext>
+            </a:extLst>
+          </p:cNvPr>
+          <p:cNvSpPr>
+            <a:spLocks noGrp="1"/>
+          </p:cNvSpPr>
+          <p:nvPr>
+            <p:ph type="body" sz="quarter" idx="13"/>
+          </p:nvPr>
+        </p:nvSpPr>
+        <p:spPr/>
+        <p:txBody>
+          <a:bodyPr/>
+          <a:lstStyle/>
+          <a:p>
+            <a:r>
+              <a:rPr lang="en-US"/>
+              <a:t>Results</a:t>
+            </a:r>
+            <a:endParaRPr lang="en-US" dirty="0"/>
+          </a:p>
+        </p:txBody>
+      </p:sp>
+      <p:sp>
+        <p:nvSpPr>
+          <p:cNvPr id="2" name="Title 1">
+            <a:extLst>
+              <a:ext uri="{FF2B5EF4-FFF2-40B4-BE49-F238E27FC236}">
+                <a16:creationId xmlns:a16="http://schemas.microsoft.com/office/drawing/2014/main" id="{834E76A1-1EB4-4A1B-8FCD-67D3595D7987}"/>
+              </a:ext>
+            </a:extLst>
+          </p:cNvPr>
+          <p:cNvSpPr>
+            <a:spLocks noGrp="1"/>
+          </p:cNvSpPr>
+          <p:nvPr>
+            <p:ph type="title"/>
+          </p:nvPr>
+        </p:nvSpPr>
+        <p:spPr/>
+        <p:txBody>
+          <a:bodyPr>
+            <a:normAutofit/>
+          </a:bodyPr>
+          <a:lstStyle/>
+          <a:p>
+            <a:r>
+              <a:rPr lang="en-US" sz="2400" dirty="0"/>
+              <a:t>Random Forest Classifier ( 2</a:t>
+            </a:r>
+            <a:r>
+              <a:rPr lang="en-US" sz="2400" baseline="30000" dirty="0"/>
+              <a:t>nd</a:t>
+            </a:r>
+            <a:r>
+              <a:rPr lang="en-US" sz="2400" dirty="0"/>
+              <a:t> Model)</a:t>
+            </a:r>
+          </a:p>
+        </p:txBody>
+      </p:sp>
+      <p:sp>
+        <p:nvSpPr>
+          <p:cNvPr id="12" name="Text Placeholder 9">
+            <a:extLst>
+              <a:ext uri="{FF2B5EF4-FFF2-40B4-BE49-F238E27FC236}">
+                <a16:creationId xmlns:a16="http://schemas.microsoft.com/office/drawing/2014/main" id="{BD0A0F67-DF0A-483D-B114-DD9B1A5DF536}"/>
+              </a:ext>
+            </a:extLst>
+          </p:cNvPr>
+          <p:cNvSpPr txBox="1">
+            <a:spLocks/>
+          </p:cNvSpPr>
+          <p:nvPr/>
+        </p:nvSpPr>
+        <p:spPr>
+          <a:xfrm>
+            <a:off x="6338316" y="3833243"/>
+            <a:ext cx="4270248" cy="704087"/>
+          </a:xfrm>
+          <a:prstGeom prst="rect">
+            <a:avLst/>
+          </a:prstGeom>
+        </p:spPr>
+        <p:txBody>
+          <a:bodyPr vert="horz" lIns="91440" tIns="45720" rIns="91440" bIns="45720" rtlCol="0" anchor="b" anchorCtr="1">
+            <a:normAutofit/>
+          </a:bodyPr>
+          <a:lstStyle>
+            <a:lvl1pPr marL="0" indent="0" algn="ctr" defTabSz="914400" rtl="0" eaLnBrk="1" latinLnBrk="0" hangingPunct="1">
+              <a:lnSpc>
+                <a:spcPct val="100000"/>
+              </a:lnSpc>
+              <a:spcBef>
+                <a:spcPts val="1000"/>
+              </a:spcBef>
+              <a:buClr>
+                <a:schemeClr val="accent2"/>
+              </a:buClr>
+              <a:buFont typeface="Arial" panose="020B0604020202020204" pitchFamily="34" charset="0"/>
+              <a:buNone/>
+              <a:defRPr sz="1900" b="0" kern="1200" cap="all" spc="100" baseline="0">
+                <a:solidFill>
+                  <a:schemeClr val="accent2">
+                    <a:lumMod val="75000"/>
+                  </a:schemeClr>
+                </a:solidFill>
+                <a:latin typeface="+mn-lt"/>
+                <a:ea typeface="+mn-ea"/>
+                <a:cs typeface="+mn-cs"/>
+              </a:defRPr>
+            </a:lvl1pPr>
+            <a:lvl2pPr marL="457200" indent="0" algn="l" defTabSz="914400" rtl="0" eaLnBrk="1" latinLnBrk="0" hangingPunct="1">
+              <a:lnSpc>
+                <a:spcPct val="100000"/>
+              </a:lnSpc>
+              <a:spcBef>
+                <a:spcPts val="1000"/>
+              </a:spcBef>
+              <a:buClr>
+                <a:schemeClr val="accent2"/>
+              </a:buClr>
+              <a:buFont typeface="Arial" panose="020B0604020202020204" pitchFamily="34" charset="0"/>
+              <a:buNone/>
+              <a:defRPr sz="1900" b="1" kern="1200">
+                <a:solidFill>
+                  <a:schemeClr val="tx1">
+                    <a:lumMod val="85000"/>
+                    <a:lumOff val="15000"/>
+                  </a:schemeClr>
+                </a:solidFill>
+                <a:latin typeface="+mn-lt"/>
+                <a:ea typeface="+mn-ea"/>
+                <a:cs typeface="+mn-cs"/>
+              </a:defRPr>
+            </a:lvl2pPr>
+            <a:lvl3pPr marL="914400" indent="0" algn="l" defTabSz="914400" rtl="0" eaLnBrk="1" latinLnBrk="0" hangingPunct="1">
+              <a:lnSpc>
+                <a:spcPct val="100000"/>
+              </a:lnSpc>
+              <a:spcBef>
+                <a:spcPts val="1000"/>
+              </a:spcBef>
+              <a:buClr>
+                <a:schemeClr val="accent2"/>
+              </a:buClr>
+              <a:buFont typeface="Arial" panose="020B0604020202020204" pitchFamily="34" charset="0"/>
+              <a:buNone/>
+              <a:defRPr sz="1800" b="1" kern="1200">
+                <a:solidFill>
+                  <a:schemeClr val="tx1">
+                    <a:lumMod val="85000"/>
+                    <a:lumOff val="15000"/>
+                  </a:schemeClr>
+                </a:solidFill>
+                <a:latin typeface="+mn-lt"/>
+                <a:ea typeface="+mn-ea"/>
+                <a:cs typeface="+mn-cs"/>
+              </a:defRPr>
+            </a:lvl3pPr>
+            <a:lvl4pPr marL="1371600" indent="0" algn="l" defTabSz="914400" rtl="0" eaLnBrk="1" latinLnBrk="0" hangingPunct="1">
+              <a:lnSpc>
+                <a:spcPct val="100000"/>
+              </a:lnSpc>
+              <a:spcBef>
+                <a:spcPts val="1000"/>
+              </a:spcBef>
+              <a:buClr>
+                <a:schemeClr val="accent2"/>
+              </a:buClr>
+              <a:buFont typeface="Arial" panose="020B0604020202020204" pitchFamily="34" charset="0"/>
+              <a:buNone/>
+              <a:defRPr sz="1600" b="1" kern="1200">
+                <a:solidFill>
+                  <a:schemeClr val="tx1">
+                    <a:lumMod val="85000"/>
+                    <a:lumOff val="15000"/>
+                  </a:schemeClr>
+                </a:solidFill>
+                <a:latin typeface="+mn-lt"/>
+                <a:ea typeface="+mn-ea"/>
+                <a:cs typeface="+mn-cs"/>
+              </a:defRPr>
+            </a:lvl4pPr>
+            <a:lvl5pPr marL="1828800" indent="0" algn="l" defTabSz="914400" rtl="0" eaLnBrk="1" latinLnBrk="0" hangingPunct="1">
+              <a:lnSpc>
+                <a:spcPct val="100000"/>
+              </a:lnSpc>
+              <a:spcBef>
+                <a:spcPts val="1000"/>
+              </a:spcBef>
+              <a:buClr>
+                <a:schemeClr val="accent2"/>
+              </a:buClr>
+              <a:buFont typeface="Arial" panose="020B0604020202020204" pitchFamily="34" charset="0"/>
+              <a:buNone/>
+              <a:defRPr sz="1600" b="1" kern="1200">
+                <a:solidFill>
+                  <a:schemeClr val="tx1">
+                    <a:lumMod val="85000"/>
+                    <a:lumOff val="15000"/>
+                  </a:schemeClr>
+                </a:solidFill>
+                <a:latin typeface="+mn-lt"/>
+                <a:ea typeface="+mn-ea"/>
+                <a:cs typeface="+mn-cs"/>
+              </a:defRPr>
+            </a:lvl5pPr>
+            <a:lvl6pPr marL="2286000" indent="0" algn="l" defTabSz="914400" rtl="0" eaLnBrk="1" latinLnBrk="0" hangingPunct="1">
+              <a:lnSpc>
+                <a:spcPct val="100000"/>
+              </a:lnSpc>
+              <a:spcBef>
+                <a:spcPts val="1000"/>
+              </a:spcBef>
+              <a:buClr>
+                <a:schemeClr val="accent2"/>
+              </a:buClr>
+              <a:buFont typeface="Arial" panose="020B0604020202020204" pitchFamily="34" charset="0"/>
+              <a:buNone/>
+              <a:defRPr sz="1600" b="1" kern="1200">
+                <a:solidFill>
+                  <a:schemeClr val="tx1"/>
+                </a:solidFill>
+                <a:latin typeface="+mn-lt"/>
+                <a:ea typeface="+mn-ea"/>
+                <a:cs typeface="+mn-cs"/>
+              </a:defRPr>
+            </a:lvl6pPr>
+            <a:lvl7pPr marL="2743200" indent="0" algn="l" defTabSz="914400" rtl="0" eaLnBrk="1" latinLnBrk="0" hangingPunct="1">
+              <a:lnSpc>
+                <a:spcPct val="100000"/>
+              </a:lnSpc>
+              <a:spcBef>
+                <a:spcPts val="1000"/>
+              </a:spcBef>
+              <a:buClr>
+                <a:schemeClr val="accent2"/>
+              </a:buClr>
+              <a:buFont typeface="Arial" panose="020B0604020202020204" pitchFamily="34" charset="0"/>
+              <a:buNone/>
+              <a:defRPr sz="1600" b="1" kern="1200">
+                <a:solidFill>
+                  <a:schemeClr val="tx1"/>
+                </a:solidFill>
+                <a:latin typeface="+mn-lt"/>
+                <a:ea typeface="+mn-ea"/>
+                <a:cs typeface="+mn-cs"/>
+              </a:defRPr>
+            </a:lvl7pPr>
+            <a:lvl8pPr marL="3200400" indent="0" algn="l" defTabSz="914400" rtl="0" eaLnBrk="1" latinLnBrk="0" hangingPunct="1">
+              <a:lnSpc>
+                <a:spcPct val="100000"/>
+              </a:lnSpc>
+              <a:spcBef>
+                <a:spcPts val="1000"/>
+              </a:spcBef>
+              <a:buClr>
+                <a:schemeClr val="accent2"/>
+              </a:buClr>
+              <a:buFont typeface="Arial" panose="020B0604020202020204" pitchFamily="34" charset="0"/>
+              <a:buNone/>
+              <a:defRPr sz="1600" b="1" kern="1200" baseline="0">
+                <a:solidFill>
+                  <a:schemeClr val="tx1"/>
+                </a:solidFill>
+                <a:latin typeface="+mn-lt"/>
+                <a:ea typeface="+mn-ea"/>
+                <a:cs typeface="+mn-cs"/>
+              </a:defRPr>
+            </a:lvl8pPr>
+            <a:lvl9pPr marL="3657600" indent="0" algn="l" defTabSz="914400" rtl="0" eaLnBrk="1" latinLnBrk="0" hangingPunct="1">
+              <a:lnSpc>
+                <a:spcPct val="100000"/>
+              </a:lnSpc>
+              <a:spcBef>
+                <a:spcPts val="1000"/>
+              </a:spcBef>
+              <a:buClr>
+                <a:schemeClr val="accent2"/>
+              </a:buClr>
+              <a:buFont typeface="Arial" panose="020B0604020202020204" pitchFamily="34" charset="0"/>
+              <a:buNone/>
+              <a:defRPr sz="1600" b="1" kern="1200" baseline="0">
+                <a:solidFill>
+                  <a:schemeClr val="tx1"/>
+                </a:solidFill>
+                <a:latin typeface="+mn-lt"/>
+                <a:ea typeface="+mn-ea"/>
+                <a:cs typeface="+mn-cs"/>
+              </a:defRPr>
+            </a:lvl9pPr>
+          </a:lstStyle>
+          <a:p>
+            <a:r>
+              <a:rPr lang="en-US"/>
+              <a:t>Prediction</a:t>
+            </a:r>
+            <a:endParaRPr lang="en-US" dirty="0"/>
+          </a:p>
+        </p:txBody>
+      </p:sp>
+      <p:sp>
+        <p:nvSpPr>
+          <p:cNvPr id="13" name="Text Placeholder 9">
+            <a:extLst>
+              <a:ext uri="{FF2B5EF4-FFF2-40B4-BE49-F238E27FC236}">
+                <a16:creationId xmlns:a16="http://schemas.microsoft.com/office/drawing/2014/main" id="{80AC96ED-AB60-4AC5-A114-CC33A68AFA8E}"/>
+              </a:ext>
+            </a:extLst>
+          </p:cNvPr>
+          <p:cNvSpPr txBox="1">
+            <a:spLocks/>
+          </p:cNvSpPr>
+          <p:nvPr/>
+        </p:nvSpPr>
+        <p:spPr>
+          <a:xfrm>
+            <a:off x="811913" y="2313432"/>
+            <a:ext cx="4270248" cy="704087"/>
+          </a:xfrm>
+          <a:prstGeom prst="rect">
+            <a:avLst/>
+          </a:prstGeom>
+        </p:spPr>
+        <p:txBody>
+          <a:bodyPr vert="horz" lIns="91440" tIns="45720" rIns="91440" bIns="45720" rtlCol="0" anchor="b" anchorCtr="1">
+            <a:normAutofit/>
+          </a:bodyPr>
+          <a:lstStyle>
+            <a:lvl1pPr marL="0" indent="0" algn="ctr" defTabSz="914400" rtl="0" eaLnBrk="1" latinLnBrk="0" hangingPunct="1">
+              <a:lnSpc>
+                <a:spcPct val="100000"/>
+              </a:lnSpc>
+              <a:spcBef>
+                <a:spcPts val="1000"/>
+              </a:spcBef>
+              <a:buClr>
+                <a:schemeClr val="accent2"/>
+              </a:buClr>
+              <a:buFont typeface="Arial" panose="020B0604020202020204" pitchFamily="34" charset="0"/>
+              <a:buNone/>
+              <a:defRPr sz="1900" b="0" kern="1200" cap="all" spc="100" baseline="0">
+                <a:solidFill>
+                  <a:schemeClr val="accent2">
+                    <a:lumMod val="75000"/>
+                  </a:schemeClr>
+                </a:solidFill>
+                <a:latin typeface="+mn-lt"/>
+                <a:ea typeface="+mn-ea"/>
+                <a:cs typeface="+mn-cs"/>
+              </a:defRPr>
+            </a:lvl1pPr>
+            <a:lvl2pPr marL="457200" indent="0" algn="l" defTabSz="914400" rtl="0" eaLnBrk="1" latinLnBrk="0" hangingPunct="1">
+              <a:lnSpc>
+                <a:spcPct val="100000"/>
+              </a:lnSpc>
+              <a:spcBef>
+                <a:spcPts val="1000"/>
+              </a:spcBef>
+              <a:buClr>
+                <a:schemeClr val="accent2"/>
+              </a:buClr>
+              <a:buFont typeface="Arial" panose="020B0604020202020204" pitchFamily="34" charset="0"/>
+              <a:buNone/>
+              <a:defRPr sz="1900" b="1" kern="1200">
+                <a:solidFill>
+                  <a:schemeClr val="tx1">
+                    <a:lumMod val="85000"/>
+                    <a:lumOff val="15000"/>
+                  </a:schemeClr>
+                </a:solidFill>
+                <a:latin typeface="+mn-lt"/>
+                <a:ea typeface="+mn-ea"/>
+                <a:cs typeface="+mn-cs"/>
+              </a:defRPr>
+            </a:lvl2pPr>
+            <a:lvl3pPr marL="914400" indent="0" algn="l" defTabSz="914400" rtl="0" eaLnBrk="1" latinLnBrk="0" hangingPunct="1">
+              <a:lnSpc>
+                <a:spcPct val="100000"/>
+              </a:lnSpc>
+              <a:spcBef>
+                <a:spcPts val="1000"/>
+              </a:spcBef>
+              <a:buClr>
+                <a:schemeClr val="accent2"/>
+              </a:buClr>
+              <a:buFont typeface="Arial" panose="020B0604020202020204" pitchFamily="34" charset="0"/>
+              <a:buNone/>
+              <a:defRPr sz="1800" b="1" kern="1200">
+                <a:solidFill>
+                  <a:schemeClr val="tx1">
+                    <a:lumMod val="85000"/>
+                    <a:lumOff val="15000"/>
+                  </a:schemeClr>
+                </a:solidFill>
+                <a:latin typeface="+mn-lt"/>
+                <a:ea typeface="+mn-ea"/>
+                <a:cs typeface="+mn-cs"/>
+              </a:defRPr>
+            </a:lvl3pPr>
+            <a:lvl4pPr marL="1371600" indent="0" algn="l" defTabSz="914400" rtl="0" eaLnBrk="1" latinLnBrk="0" hangingPunct="1">
+              <a:lnSpc>
+                <a:spcPct val="100000"/>
+              </a:lnSpc>
+              <a:spcBef>
+                <a:spcPts val="1000"/>
+              </a:spcBef>
+              <a:buClr>
+                <a:schemeClr val="accent2"/>
+              </a:buClr>
+              <a:buFont typeface="Arial" panose="020B0604020202020204" pitchFamily="34" charset="0"/>
+              <a:buNone/>
+              <a:defRPr sz="1600" b="1" kern="1200">
+                <a:solidFill>
+                  <a:schemeClr val="tx1">
+                    <a:lumMod val="85000"/>
+                    <a:lumOff val="15000"/>
+                  </a:schemeClr>
+                </a:solidFill>
+                <a:latin typeface="+mn-lt"/>
+                <a:ea typeface="+mn-ea"/>
+                <a:cs typeface="+mn-cs"/>
+              </a:defRPr>
+            </a:lvl4pPr>
+            <a:lvl5pPr marL="1828800" indent="0" algn="l" defTabSz="914400" rtl="0" eaLnBrk="1" latinLnBrk="0" hangingPunct="1">
+              <a:lnSpc>
+                <a:spcPct val="100000"/>
+              </a:lnSpc>
+              <a:spcBef>
+                <a:spcPts val="1000"/>
+              </a:spcBef>
+              <a:buClr>
+                <a:schemeClr val="accent2"/>
+              </a:buClr>
+              <a:buFont typeface="Arial" panose="020B0604020202020204" pitchFamily="34" charset="0"/>
+              <a:buNone/>
+              <a:defRPr sz="1600" b="1" kern="1200">
+                <a:solidFill>
+                  <a:schemeClr val="tx1">
+                    <a:lumMod val="85000"/>
+                    <a:lumOff val="15000"/>
+                  </a:schemeClr>
+                </a:solidFill>
+                <a:latin typeface="+mn-lt"/>
+                <a:ea typeface="+mn-ea"/>
+                <a:cs typeface="+mn-cs"/>
+              </a:defRPr>
+            </a:lvl5pPr>
+            <a:lvl6pPr marL="2286000" indent="0" algn="l" defTabSz="914400" rtl="0" eaLnBrk="1" latinLnBrk="0" hangingPunct="1">
+              <a:lnSpc>
+                <a:spcPct val="100000"/>
+              </a:lnSpc>
+              <a:spcBef>
+                <a:spcPts val="1000"/>
+              </a:spcBef>
+              <a:buClr>
+                <a:schemeClr val="accent2"/>
+              </a:buClr>
+              <a:buFont typeface="Arial" panose="020B0604020202020204" pitchFamily="34" charset="0"/>
+              <a:buNone/>
+              <a:defRPr sz="1600" b="1" kern="1200">
+                <a:solidFill>
+                  <a:schemeClr val="tx1"/>
+                </a:solidFill>
+                <a:latin typeface="+mn-lt"/>
+                <a:ea typeface="+mn-ea"/>
+                <a:cs typeface="+mn-cs"/>
+              </a:defRPr>
+            </a:lvl6pPr>
+            <a:lvl7pPr marL="2743200" indent="0" algn="l" defTabSz="914400" rtl="0" eaLnBrk="1" latinLnBrk="0" hangingPunct="1">
+              <a:lnSpc>
+                <a:spcPct val="100000"/>
+              </a:lnSpc>
+              <a:spcBef>
+                <a:spcPts val="1000"/>
+              </a:spcBef>
+              <a:buClr>
+                <a:schemeClr val="accent2"/>
+              </a:buClr>
+              <a:buFont typeface="Arial" panose="020B0604020202020204" pitchFamily="34" charset="0"/>
+              <a:buNone/>
+              <a:defRPr sz="1600" b="1" kern="1200">
+                <a:solidFill>
+                  <a:schemeClr val="tx1"/>
+                </a:solidFill>
+                <a:latin typeface="+mn-lt"/>
+                <a:ea typeface="+mn-ea"/>
+                <a:cs typeface="+mn-cs"/>
+              </a:defRPr>
+            </a:lvl7pPr>
+            <a:lvl8pPr marL="3200400" indent="0" algn="l" defTabSz="914400" rtl="0" eaLnBrk="1" latinLnBrk="0" hangingPunct="1">
+              <a:lnSpc>
+                <a:spcPct val="100000"/>
+              </a:lnSpc>
+              <a:spcBef>
+                <a:spcPts val="1000"/>
+              </a:spcBef>
+              <a:buClr>
+                <a:schemeClr val="accent2"/>
+              </a:buClr>
+              <a:buFont typeface="Arial" panose="020B0604020202020204" pitchFamily="34" charset="0"/>
+              <a:buNone/>
+              <a:defRPr sz="1600" b="1" kern="1200" baseline="0">
+                <a:solidFill>
+                  <a:schemeClr val="tx1"/>
+                </a:solidFill>
+                <a:latin typeface="+mn-lt"/>
+                <a:ea typeface="+mn-ea"/>
+                <a:cs typeface="+mn-cs"/>
+              </a:defRPr>
+            </a:lvl8pPr>
+            <a:lvl9pPr marL="3657600" indent="0" algn="l" defTabSz="914400" rtl="0" eaLnBrk="1" latinLnBrk="0" hangingPunct="1">
+              <a:lnSpc>
+                <a:spcPct val="100000"/>
+              </a:lnSpc>
+              <a:spcBef>
+                <a:spcPts val="1000"/>
+              </a:spcBef>
+              <a:buClr>
+                <a:schemeClr val="accent2"/>
+              </a:buClr>
+              <a:buFont typeface="Arial" panose="020B0604020202020204" pitchFamily="34" charset="0"/>
+              <a:buNone/>
+              <a:defRPr sz="1600" b="1" kern="1200" baseline="0">
+                <a:solidFill>
+                  <a:schemeClr val="tx1"/>
+                </a:solidFill>
+                <a:latin typeface="+mn-lt"/>
+                <a:ea typeface="+mn-ea"/>
+                <a:cs typeface="+mn-cs"/>
+              </a:defRPr>
+            </a:lvl9pPr>
+          </a:lstStyle>
+          <a:p>
+            <a:r>
+              <a:rPr lang="en-US"/>
+              <a:t>Building the Model</a:t>
+            </a:r>
+            <a:endParaRPr lang="en-US" dirty="0"/>
+          </a:p>
+        </p:txBody>
+      </p:sp>
+      <p:pic>
+        <p:nvPicPr>
+          <p:cNvPr id="3" name="Picture 2">
+            <a:extLst>
+              <a:ext uri="{FF2B5EF4-FFF2-40B4-BE49-F238E27FC236}">
+                <a16:creationId xmlns:a16="http://schemas.microsoft.com/office/drawing/2014/main" id="{F8B92164-C2C0-46C9-AFB1-F6BF8CD51AEB}"/>
+              </a:ext>
+            </a:extLst>
+          </p:cNvPr>
+          <p:cNvPicPr>
+            <a:picLocks noChangeAspect="1"/>
+          </p:cNvPicPr>
+          <p:nvPr/>
+        </p:nvPicPr>
+        <p:blipFill>
+          <a:blip r:embed="rId2"/>
+          <a:stretch>
+            <a:fillRect/>
+          </a:stretch>
+        </p:blipFill>
+        <p:spPr>
+          <a:xfrm>
+            <a:off x="115525" y="3063239"/>
+            <a:ext cx="5738160" cy="1981200"/>
+          </a:xfrm>
+          <a:prstGeom prst="rect">
+            <a:avLst/>
+          </a:prstGeom>
+        </p:spPr>
+      </p:pic>
+      <p:pic>
+        <p:nvPicPr>
+          <p:cNvPr id="5" name="Picture 4">
+            <a:extLst>
+              <a:ext uri="{FF2B5EF4-FFF2-40B4-BE49-F238E27FC236}">
+                <a16:creationId xmlns:a16="http://schemas.microsoft.com/office/drawing/2014/main" id="{BCA76BDA-2F8E-4F8A-A821-522094F9089E}"/>
+              </a:ext>
+            </a:extLst>
+          </p:cNvPr>
+          <p:cNvPicPr>
+            <a:picLocks noChangeAspect="1"/>
+          </p:cNvPicPr>
+          <p:nvPr/>
+        </p:nvPicPr>
+        <p:blipFill>
+          <a:blip r:embed="rId3"/>
+          <a:stretch>
+            <a:fillRect/>
+          </a:stretch>
+        </p:blipFill>
+        <p:spPr>
+          <a:xfrm>
+            <a:off x="6338316" y="3177539"/>
+            <a:ext cx="4800600" cy="876300"/>
+          </a:xfrm>
+          <a:prstGeom prst="rect">
+            <a:avLst/>
+          </a:prstGeom>
+        </p:spPr>
+      </p:pic>
+      <p:pic>
+        <p:nvPicPr>
+          <p:cNvPr id="6" name="Picture 5">
+            <a:extLst>
+              <a:ext uri="{FF2B5EF4-FFF2-40B4-BE49-F238E27FC236}">
+                <a16:creationId xmlns:a16="http://schemas.microsoft.com/office/drawing/2014/main" id="{0566045F-8115-4D9A-A2BF-BAF4912FF334}"/>
+              </a:ext>
+            </a:extLst>
+          </p:cNvPr>
+          <p:cNvPicPr>
+            <a:picLocks noChangeAspect="1"/>
+          </p:cNvPicPr>
+          <p:nvPr/>
+        </p:nvPicPr>
+        <p:blipFill rotWithShape="1">
+          <a:blip r:embed="rId4"/>
+          <a:srcRect r="11111"/>
+          <a:stretch/>
+        </p:blipFill>
+        <p:spPr>
+          <a:xfrm>
+            <a:off x="6338316" y="4799292"/>
+            <a:ext cx="4800600" cy="1181100"/>
+          </a:xfrm>
+          <a:prstGeom prst="rect">
+            <a:avLst/>
+          </a:prstGeom>
+        </p:spPr>
+      </p:pic>
+    </p:spTree>
+    <p:extLst>
+      <p:ext uri="{BB962C8B-B14F-4D97-AF65-F5344CB8AC3E}">
+        <p14:creationId xmlns:p14="http://schemas.microsoft.com/office/powerpoint/2010/main" val="1223302022"/>
+      </p:ext>
+    </p:extLst>
+  </p:cSld>
+  <p:clrMapOvr>
+    <a:masterClrMapping/>
+  </p:clrMapOvr>
+</p:sld>
+</file>
+
+<file path=ppt/slides/slide7.xml><?xml version="1.0" encoding="utf-8"?>
 <p:sld xmlns:a="http://schemas.openxmlformats.org/drawingml/2006/main" xmlns:r="http://schemas.openxmlformats.org/officeDocument/2006/relationships" xmlns:p="http://schemas.openxmlformats.org/presentationml/2006/main">
   <p:cSld>
     <p:spTree>
@@ -8277,9 +10051,17 @@
 </p:sld>
 </file>
 
-<file path=ppt/slides/slide6.xml><?xml version="1.0" encoding="utf-8"?>
+<file path=ppt/slides/slide8.xml><?xml version="1.0" encoding="utf-8"?>
 <p:sld xmlns:a="http://schemas.openxmlformats.org/drawingml/2006/main" xmlns:r="http://schemas.openxmlformats.org/officeDocument/2006/relationships" xmlns:p="http://schemas.openxmlformats.org/presentationml/2006/main">
   <p:cSld>
+    <p:bg>
+      <p:bgPr>
+        <a:solidFill>
+          <a:schemeClr val="bg1"/>
+        </a:solidFill>
+        <a:effectLst/>
+      </p:bgPr>
+    </p:bg>
     <p:spTree>
       <p:nvGrpSpPr>
         <p:cNvPr id="1" name=""/>
@@ -8296,38 +10078,200 @@
       </p:grpSpPr>
       <p:sp>
         <p:nvSpPr>
-          <p:cNvPr id="10" name="Text Placeholder 9">
+          <p:cNvPr id="13" name="Rectangle 12">
             <a:extLst>
               <a:ext uri="{FF2B5EF4-FFF2-40B4-BE49-F238E27FC236}">
-                <a16:creationId xmlns:a16="http://schemas.microsoft.com/office/drawing/2014/main" id="{DE041928-F863-4785-B370-C0A77F370B9C}"/>
+                <a16:creationId xmlns:a16="http://schemas.microsoft.com/office/drawing/2014/main" id="{C33976D1-3430-450C-A978-87A9A6E8E71F}"/>
+              </a:ext>
+              <a:ext uri="{C183D7F6-B498-43B3-948B-1728B52AA6E4}">
+                <adec:decorative xmlns:adec="http://schemas.microsoft.com/office/drawing/2017/decorative" val="1"/>
               </a:ext>
             </a:extLst>
           </p:cNvPr>
           <p:cNvSpPr>
-            <a:spLocks noGrp="1"/>
+            <a:spLocks noGrp="1" noRot="1" noChangeAspect="1" noMove="1" noResize="1" noEditPoints="1" noAdjustHandles="1" noChangeArrowheads="1" noChangeShapeType="1" noTextEdit="1"/>
           </p:cNvSpPr>
           <p:nvPr>
-            <p:ph type="body" sz="quarter" idx="13"/>
+            <p:extLst>
+              <p:ext uri="{386F3935-93C4-4BCD-93E2-E3B085C9AB24}">
+                <p16:designElem xmlns:p16="http://schemas.microsoft.com/office/powerpoint/2015/main" val="1"/>
+              </p:ext>
+            </p:extLst>
           </p:nvPr>
         </p:nvSpPr>
-        <p:spPr/>
+        <p:spPr>
+          <a:xfrm>
+            <a:off x="0" y="0"/>
+            <a:ext cx="12192000" cy="6858000"/>
+          </a:xfrm>
+          <a:prstGeom prst="rect">
+            <a:avLst/>
+          </a:prstGeom>
+          <a:solidFill>
+            <a:schemeClr val="accent2"/>
+          </a:solidFill>
+          <a:ln>
+            <a:noFill/>
+          </a:ln>
+        </p:spPr>
+        <p:style>
+          <a:lnRef idx="2">
+            <a:schemeClr val="accent1">
+              <a:shade val="50000"/>
+            </a:schemeClr>
+          </a:lnRef>
+          <a:fillRef idx="1">
+            <a:schemeClr val="accent1"/>
+          </a:fillRef>
+          <a:effectRef idx="0">
+            <a:schemeClr val="accent1"/>
+          </a:effectRef>
+          <a:fontRef idx="minor">
+            <a:schemeClr val="lt1"/>
+          </a:fontRef>
+        </p:style>
         <p:txBody>
-          <a:bodyPr/>
+          <a:bodyPr rtlCol="0" anchor="ctr"/>
           <a:lstStyle/>
           <a:p>
-            <a:r>
-              <a:rPr lang="en-US" dirty="0"/>
-              <a:t>Results</a:t>
-            </a:r>
+            <a:pPr algn="ctr"/>
+            <a:endParaRPr lang="en-US"/>
           </a:p>
         </p:txBody>
       </p:sp>
       <p:sp>
         <p:nvSpPr>
-          <p:cNvPr id="2" name="Title 1">
+          <p:cNvPr id="15" name="Rectangle 14">
             <a:extLst>
               <a:ext uri="{FF2B5EF4-FFF2-40B4-BE49-F238E27FC236}">
-                <a16:creationId xmlns:a16="http://schemas.microsoft.com/office/drawing/2014/main" id="{834E76A1-1EB4-4A1B-8FCD-67D3595D7987}"/>
+                <a16:creationId xmlns:a16="http://schemas.microsoft.com/office/drawing/2014/main" id="{7D6AAC78-7D86-415A-ADC1-2B474807960C}"/>
+              </a:ext>
+              <a:ext uri="{C183D7F6-B498-43B3-948B-1728B52AA6E4}">
+                <adec:decorative xmlns:adec="http://schemas.microsoft.com/office/drawing/2017/decorative" val="1"/>
+              </a:ext>
+            </a:extLst>
+          </p:cNvPr>
+          <p:cNvSpPr>
+            <a:spLocks noGrp="1" noRot="1" noChangeAspect="1" noMove="1" noResize="1" noEditPoints="1" noAdjustHandles="1" noChangeArrowheads="1" noChangeShapeType="1" noTextEdit="1"/>
+          </p:cNvSpPr>
+          <p:nvPr>
+            <p:extLst>
+              <p:ext uri="{386F3935-93C4-4BCD-93E2-E3B085C9AB24}">
+                <p16:designElem xmlns:p16="http://schemas.microsoft.com/office/powerpoint/2015/main" val="1"/>
+              </p:ext>
+            </p:extLst>
+          </p:nvPr>
+        </p:nvSpPr>
+        <p:spPr>
+          <a:xfrm>
+            <a:off x="1249680" y="1248156"/>
+            <a:ext cx="9692640" cy="4361688"/>
+          </a:xfrm>
+          <a:prstGeom prst="rect">
+            <a:avLst/>
+          </a:prstGeom>
+          <a:solidFill>
+            <a:srgbClr val="FFFFFF"/>
+          </a:solidFill>
+          <a:ln>
+            <a:noFill/>
+          </a:ln>
+        </p:spPr>
+        <p:style>
+          <a:lnRef idx="2">
+            <a:schemeClr val="accent1">
+              <a:shade val="50000"/>
+            </a:schemeClr>
+          </a:lnRef>
+          <a:fillRef idx="1">
+            <a:schemeClr val="accent1"/>
+          </a:fillRef>
+          <a:effectRef idx="0">
+            <a:schemeClr val="accent1"/>
+          </a:effectRef>
+          <a:fontRef idx="minor">
+            <a:schemeClr val="lt1"/>
+          </a:fontRef>
+        </p:style>
+        <p:txBody>
+          <a:bodyPr rtlCol="0" anchor="ctr"/>
+          <a:lstStyle/>
+          <a:p>
+            <a:pPr algn="ctr"/>
+            <a:endParaRPr lang="en-US"/>
+          </a:p>
+        </p:txBody>
+      </p:sp>
+      <p:sp>
+        <p:nvSpPr>
+          <p:cNvPr id="17" name="Rectangle 16">
+            <a:extLst>
+              <a:ext uri="{FF2B5EF4-FFF2-40B4-BE49-F238E27FC236}">
+                <a16:creationId xmlns:a16="http://schemas.microsoft.com/office/drawing/2014/main" id="{F2A658D9-F185-44F1-BA33-D50320D1D078}"/>
+              </a:ext>
+              <a:ext uri="{C183D7F6-B498-43B3-948B-1728B52AA6E4}">
+                <adec:decorative xmlns:adec="http://schemas.microsoft.com/office/drawing/2017/decorative" val="1"/>
+              </a:ext>
+            </a:extLst>
+          </p:cNvPr>
+          <p:cNvSpPr>
+            <a:spLocks noGrp="1" noRot="1" noChangeAspect="1" noMove="1" noResize="1" noEditPoints="1" noAdjustHandles="1" noChangeArrowheads="1" noChangeShapeType="1" noTextEdit="1"/>
+          </p:cNvSpPr>
+          <p:nvPr>
+            <p:extLst>
+              <p:ext uri="{386F3935-93C4-4BCD-93E2-E3B085C9AB24}">
+                <p16:designElem xmlns:p16="http://schemas.microsoft.com/office/powerpoint/2015/main" val="1"/>
+              </p:ext>
+            </p:extLst>
+          </p:nvPr>
+        </p:nvSpPr>
+        <p:spPr>
+          <a:xfrm>
+            <a:off x="1062228" y="1060704"/>
+            <a:ext cx="10067544" cy="4736592"/>
+          </a:xfrm>
+          <a:prstGeom prst="rect">
+            <a:avLst/>
+          </a:prstGeom>
+          <a:noFill/>
+          <a:ln w="31750" cap="sq">
+            <a:solidFill>
+              <a:srgbClr val="FFFFFF"/>
+            </a:solidFill>
+            <a:miter lim="800000"/>
+          </a:ln>
+        </p:spPr>
+        <p:style>
+          <a:lnRef idx="2">
+            <a:schemeClr val="accent1">
+              <a:shade val="50000"/>
+            </a:schemeClr>
+          </a:lnRef>
+          <a:fillRef idx="1">
+            <a:schemeClr val="accent1"/>
+          </a:fillRef>
+          <a:effectRef idx="0">
+            <a:schemeClr val="accent1"/>
+          </a:effectRef>
+          <a:fontRef idx="minor">
+            <a:schemeClr val="lt1"/>
+          </a:fontRef>
+        </p:style>
+        <p:txBody>
+          <a:bodyPr rtlCol="0" anchor="ctr"/>
+          <a:lstStyle/>
+          <a:p>
+            <a:pPr algn="ctr"/>
+            <a:endParaRPr lang="en-US"/>
+          </a:p>
+        </p:txBody>
+      </p:sp>
+      <p:sp>
+        <p:nvSpPr>
+          <p:cNvPr id="7" name="Title 6">
+            <a:extLst>
+              <a:ext uri="{FF2B5EF4-FFF2-40B4-BE49-F238E27FC236}">
+                <a16:creationId xmlns:a16="http://schemas.microsoft.com/office/drawing/2014/main" id="{C313670F-556E-4515-8C7E-8695F6488AF8}"/>
               </a:ext>
             </a:extLst>
           </p:cNvPr>
@@ -8338,7 +10282,15 @@
             <p:ph type="title"/>
           </p:nvPr>
         </p:nvSpPr>
-        <p:spPr/>
+        <p:spPr>
+          <a:xfrm>
+            <a:off x="2231136" y="467418"/>
+            <a:ext cx="7729728" cy="1188720"/>
+          </a:xfrm>
+          <a:solidFill>
+            <a:srgbClr val="FFFFFF"/>
+          </a:solidFill>
+        </p:spPr>
         <p:txBody>
           <a:bodyPr>
             <a:normAutofit/>
@@ -8346,626 +10298,18 @@
           <a:lstStyle/>
           <a:p>
             <a:r>
-              <a:rPr lang="en-US" sz="2400" dirty="0"/>
-              <a:t>Random Forest Classifier ( 1</a:t>
-            </a:r>
-            <a:r>
-              <a:rPr lang="en-US" sz="2400" baseline="30000" dirty="0"/>
-              <a:t>st</a:t>
-            </a:r>
-            <a:r>
-              <a:rPr lang="en-US" sz="2400" dirty="0"/>
-              <a:t> Model)</a:t>
+              <a:rPr lang="en-US" dirty="0"/>
+              <a:t>Final thoughts</a:t>
             </a:r>
           </a:p>
         </p:txBody>
       </p:sp>
       <p:sp>
         <p:nvSpPr>
-          <p:cNvPr id="12" name="Text Placeholder 9">
+          <p:cNvPr id="8" name="Content Placeholder 7">
             <a:extLst>
               <a:ext uri="{FF2B5EF4-FFF2-40B4-BE49-F238E27FC236}">
-                <a16:creationId xmlns:a16="http://schemas.microsoft.com/office/drawing/2014/main" id="{BD0A0F67-DF0A-483D-B114-DD9B1A5DF536}"/>
-              </a:ext>
-            </a:extLst>
-          </p:cNvPr>
-          <p:cNvSpPr txBox="1">
-            <a:spLocks/>
-          </p:cNvSpPr>
-          <p:nvPr/>
-        </p:nvSpPr>
-        <p:spPr>
-          <a:xfrm>
-            <a:off x="6338316" y="3833243"/>
-            <a:ext cx="4270248" cy="704087"/>
-          </a:xfrm>
-          <a:prstGeom prst="rect">
-            <a:avLst/>
-          </a:prstGeom>
-        </p:spPr>
-        <p:txBody>
-          <a:bodyPr vert="horz" lIns="91440" tIns="45720" rIns="91440" bIns="45720" rtlCol="0" anchor="b" anchorCtr="1">
-            <a:normAutofit/>
-          </a:bodyPr>
-          <a:lstStyle>
-            <a:lvl1pPr marL="0" indent="0" algn="ctr" defTabSz="914400" rtl="0" eaLnBrk="1" latinLnBrk="0" hangingPunct="1">
-              <a:lnSpc>
-                <a:spcPct val="100000"/>
-              </a:lnSpc>
-              <a:spcBef>
-                <a:spcPts val="1000"/>
-              </a:spcBef>
-              <a:buClr>
-                <a:schemeClr val="accent2"/>
-              </a:buClr>
-              <a:buFont typeface="Arial" panose="020B0604020202020204" pitchFamily="34" charset="0"/>
-              <a:buNone/>
-              <a:defRPr sz="1900" b="0" kern="1200" cap="all" spc="100" baseline="0">
-                <a:solidFill>
-                  <a:schemeClr val="accent2">
-                    <a:lumMod val="75000"/>
-                  </a:schemeClr>
-                </a:solidFill>
-                <a:latin typeface="+mn-lt"/>
-                <a:ea typeface="+mn-ea"/>
-                <a:cs typeface="+mn-cs"/>
-              </a:defRPr>
-            </a:lvl1pPr>
-            <a:lvl2pPr marL="457200" indent="0" algn="l" defTabSz="914400" rtl="0" eaLnBrk="1" latinLnBrk="0" hangingPunct="1">
-              <a:lnSpc>
-                <a:spcPct val="100000"/>
-              </a:lnSpc>
-              <a:spcBef>
-                <a:spcPts val="1000"/>
-              </a:spcBef>
-              <a:buClr>
-                <a:schemeClr val="accent2"/>
-              </a:buClr>
-              <a:buFont typeface="Arial" panose="020B0604020202020204" pitchFamily="34" charset="0"/>
-              <a:buNone/>
-              <a:defRPr sz="1900" b="1" kern="1200">
-                <a:solidFill>
-                  <a:schemeClr val="tx1">
-                    <a:lumMod val="85000"/>
-                    <a:lumOff val="15000"/>
-                  </a:schemeClr>
-                </a:solidFill>
-                <a:latin typeface="+mn-lt"/>
-                <a:ea typeface="+mn-ea"/>
-                <a:cs typeface="+mn-cs"/>
-              </a:defRPr>
-            </a:lvl2pPr>
-            <a:lvl3pPr marL="914400" indent="0" algn="l" defTabSz="914400" rtl="0" eaLnBrk="1" latinLnBrk="0" hangingPunct="1">
-              <a:lnSpc>
-                <a:spcPct val="100000"/>
-              </a:lnSpc>
-              <a:spcBef>
-                <a:spcPts val="1000"/>
-              </a:spcBef>
-              <a:buClr>
-                <a:schemeClr val="accent2"/>
-              </a:buClr>
-              <a:buFont typeface="Arial" panose="020B0604020202020204" pitchFamily="34" charset="0"/>
-              <a:buNone/>
-              <a:defRPr sz="1800" b="1" kern="1200">
-                <a:solidFill>
-                  <a:schemeClr val="tx1">
-                    <a:lumMod val="85000"/>
-                    <a:lumOff val="15000"/>
-                  </a:schemeClr>
-                </a:solidFill>
-                <a:latin typeface="+mn-lt"/>
-                <a:ea typeface="+mn-ea"/>
-                <a:cs typeface="+mn-cs"/>
-              </a:defRPr>
-            </a:lvl3pPr>
-            <a:lvl4pPr marL="1371600" indent="0" algn="l" defTabSz="914400" rtl="0" eaLnBrk="1" latinLnBrk="0" hangingPunct="1">
-              <a:lnSpc>
-                <a:spcPct val="100000"/>
-              </a:lnSpc>
-              <a:spcBef>
-                <a:spcPts val="1000"/>
-              </a:spcBef>
-              <a:buClr>
-                <a:schemeClr val="accent2"/>
-              </a:buClr>
-              <a:buFont typeface="Arial" panose="020B0604020202020204" pitchFamily="34" charset="0"/>
-              <a:buNone/>
-              <a:defRPr sz="1600" b="1" kern="1200">
-                <a:solidFill>
-                  <a:schemeClr val="tx1">
-                    <a:lumMod val="85000"/>
-                    <a:lumOff val="15000"/>
-                  </a:schemeClr>
-                </a:solidFill>
-                <a:latin typeface="+mn-lt"/>
-                <a:ea typeface="+mn-ea"/>
-                <a:cs typeface="+mn-cs"/>
-              </a:defRPr>
-            </a:lvl4pPr>
-            <a:lvl5pPr marL="1828800" indent="0" algn="l" defTabSz="914400" rtl="0" eaLnBrk="1" latinLnBrk="0" hangingPunct="1">
-              <a:lnSpc>
-                <a:spcPct val="100000"/>
-              </a:lnSpc>
-              <a:spcBef>
-                <a:spcPts val="1000"/>
-              </a:spcBef>
-              <a:buClr>
-                <a:schemeClr val="accent2"/>
-              </a:buClr>
-              <a:buFont typeface="Arial" panose="020B0604020202020204" pitchFamily="34" charset="0"/>
-              <a:buNone/>
-              <a:defRPr sz="1600" b="1" kern="1200">
-                <a:solidFill>
-                  <a:schemeClr val="tx1">
-                    <a:lumMod val="85000"/>
-                    <a:lumOff val="15000"/>
-                  </a:schemeClr>
-                </a:solidFill>
-                <a:latin typeface="+mn-lt"/>
-                <a:ea typeface="+mn-ea"/>
-                <a:cs typeface="+mn-cs"/>
-              </a:defRPr>
-            </a:lvl5pPr>
-            <a:lvl6pPr marL="2286000" indent="0" algn="l" defTabSz="914400" rtl="0" eaLnBrk="1" latinLnBrk="0" hangingPunct="1">
-              <a:lnSpc>
-                <a:spcPct val="100000"/>
-              </a:lnSpc>
-              <a:spcBef>
-                <a:spcPts val="1000"/>
-              </a:spcBef>
-              <a:buClr>
-                <a:schemeClr val="accent2"/>
-              </a:buClr>
-              <a:buFont typeface="Arial" panose="020B0604020202020204" pitchFamily="34" charset="0"/>
-              <a:buNone/>
-              <a:defRPr sz="1600" b="1" kern="1200">
-                <a:solidFill>
-                  <a:schemeClr val="tx1"/>
-                </a:solidFill>
-                <a:latin typeface="+mn-lt"/>
-                <a:ea typeface="+mn-ea"/>
-                <a:cs typeface="+mn-cs"/>
-              </a:defRPr>
-            </a:lvl6pPr>
-            <a:lvl7pPr marL="2743200" indent="0" algn="l" defTabSz="914400" rtl="0" eaLnBrk="1" latinLnBrk="0" hangingPunct="1">
-              <a:lnSpc>
-                <a:spcPct val="100000"/>
-              </a:lnSpc>
-              <a:spcBef>
-                <a:spcPts val="1000"/>
-              </a:spcBef>
-              <a:buClr>
-                <a:schemeClr val="accent2"/>
-              </a:buClr>
-              <a:buFont typeface="Arial" panose="020B0604020202020204" pitchFamily="34" charset="0"/>
-              <a:buNone/>
-              <a:defRPr sz="1600" b="1" kern="1200">
-                <a:solidFill>
-                  <a:schemeClr val="tx1"/>
-                </a:solidFill>
-                <a:latin typeface="+mn-lt"/>
-                <a:ea typeface="+mn-ea"/>
-                <a:cs typeface="+mn-cs"/>
-              </a:defRPr>
-            </a:lvl7pPr>
-            <a:lvl8pPr marL="3200400" indent="0" algn="l" defTabSz="914400" rtl="0" eaLnBrk="1" latinLnBrk="0" hangingPunct="1">
-              <a:lnSpc>
-                <a:spcPct val="100000"/>
-              </a:lnSpc>
-              <a:spcBef>
-                <a:spcPts val="1000"/>
-              </a:spcBef>
-              <a:buClr>
-                <a:schemeClr val="accent2"/>
-              </a:buClr>
-              <a:buFont typeface="Arial" panose="020B0604020202020204" pitchFamily="34" charset="0"/>
-              <a:buNone/>
-              <a:defRPr sz="1600" b="1" kern="1200" baseline="0">
-                <a:solidFill>
-                  <a:schemeClr val="tx1"/>
-                </a:solidFill>
-                <a:latin typeface="+mn-lt"/>
-                <a:ea typeface="+mn-ea"/>
-                <a:cs typeface="+mn-cs"/>
-              </a:defRPr>
-            </a:lvl8pPr>
-            <a:lvl9pPr marL="3657600" indent="0" algn="l" defTabSz="914400" rtl="0" eaLnBrk="1" latinLnBrk="0" hangingPunct="1">
-              <a:lnSpc>
-                <a:spcPct val="100000"/>
-              </a:lnSpc>
-              <a:spcBef>
-                <a:spcPts val="1000"/>
-              </a:spcBef>
-              <a:buClr>
-                <a:schemeClr val="accent2"/>
-              </a:buClr>
-              <a:buFont typeface="Arial" panose="020B0604020202020204" pitchFamily="34" charset="0"/>
-              <a:buNone/>
-              <a:defRPr sz="1600" b="1" kern="1200" baseline="0">
-                <a:solidFill>
-                  <a:schemeClr val="tx1"/>
-                </a:solidFill>
-                <a:latin typeface="+mn-lt"/>
-                <a:ea typeface="+mn-ea"/>
-                <a:cs typeface="+mn-cs"/>
-              </a:defRPr>
-            </a:lvl9pPr>
-          </a:lstStyle>
-          <a:p>
-            <a:r>
-              <a:rPr lang="en-US" dirty="0"/>
-              <a:t>Prediction</a:t>
-            </a:r>
-          </a:p>
-        </p:txBody>
-      </p:sp>
-      <p:sp>
-        <p:nvSpPr>
-          <p:cNvPr id="13" name="Text Placeholder 9">
-            <a:extLst>
-              <a:ext uri="{FF2B5EF4-FFF2-40B4-BE49-F238E27FC236}">
-                <a16:creationId xmlns:a16="http://schemas.microsoft.com/office/drawing/2014/main" id="{80AC96ED-AB60-4AC5-A114-CC33A68AFA8E}"/>
-              </a:ext>
-            </a:extLst>
-          </p:cNvPr>
-          <p:cNvSpPr txBox="1">
-            <a:spLocks/>
-          </p:cNvSpPr>
-          <p:nvPr/>
-        </p:nvSpPr>
-        <p:spPr>
-          <a:xfrm>
-            <a:off x="811913" y="2313432"/>
-            <a:ext cx="4270248" cy="704087"/>
-          </a:xfrm>
-          <a:prstGeom prst="rect">
-            <a:avLst/>
-          </a:prstGeom>
-        </p:spPr>
-        <p:txBody>
-          <a:bodyPr vert="horz" lIns="91440" tIns="45720" rIns="91440" bIns="45720" rtlCol="0" anchor="b" anchorCtr="1">
-            <a:normAutofit/>
-          </a:bodyPr>
-          <a:lstStyle>
-            <a:lvl1pPr marL="0" indent="0" algn="ctr" defTabSz="914400" rtl="0" eaLnBrk="1" latinLnBrk="0" hangingPunct="1">
-              <a:lnSpc>
-                <a:spcPct val="100000"/>
-              </a:lnSpc>
-              <a:spcBef>
-                <a:spcPts val="1000"/>
-              </a:spcBef>
-              <a:buClr>
-                <a:schemeClr val="accent2"/>
-              </a:buClr>
-              <a:buFont typeface="Arial" panose="020B0604020202020204" pitchFamily="34" charset="0"/>
-              <a:buNone/>
-              <a:defRPr sz="1900" b="0" kern="1200" cap="all" spc="100" baseline="0">
-                <a:solidFill>
-                  <a:schemeClr val="accent2">
-                    <a:lumMod val="75000"/>
-                  </a:schemeClr>
-                </a:solidFill>
-                <a:latin typeface="+mn-lt"/>
-                <a:ea typeface="+mn-ea"/>
-                <a:cs typeface="+mn-cs"/>
-              </a:defRPr>
-            </a:lvl1pPr>
-            <a:lvl2pPr marL="457200" indent="0" algn="l" defTabSz="914400" rtl="0" eaLnBrk="1" latinLnBrk="0" hangingPunct="1">
-              <a:lnSpc>
-                <a:spcPct val="100000"/>
-              </a:lnSpc>
-              <a:spcBef>
-                <a:spcPts val="1000"/>
-              </a:spcBef>
-              <a:buClr>
-                <a:schemeClr val="accent2"/>
-              </a:buClr>
-              <a:buFont typeface="Arial" panose="020B0604020202020204" pitchFamily="34" charset="0"/>
-              <a:buNone/>
-              <a:defRPr sz="1900" b="1" kern="1200">
-                <a:solidFill>
-                  <a:schemeClr val="tx1">
-                    <a:lumMod val="85000"/>
-                    <a:lumOff val="15000"/>
-                  </a:schemeClr>
-                </a:solidFill>
-                <a:latin typeface="+mn-lt"/>
-                <a:ea typeface="+mn-ea"/>
-                <a:cs typeface="+mn-cs"/>
-              </a:defRPr>
-            </a:lvl2pPr>
-            <a:lvl3pPr marL="914400" indent="0" algn="l" defTabSz="914400" rtl="0" eaLnBrk="1" latinLnBrk="0" hangingPunct="1">
-              <a:lnSpc>
-                <a:spcPct val="100000"/>
-              </a:lnSpc>
-              <a:spcBef>
-                <a:spcPts val="1000"/>
-              </a:spcBef>
-              <a:buClr>
-                <a:schemeClr val="accent2"/>
-              </a:buClr>
-              <a:buFont typeface="Arial" panose="020B0604020202020204" pitchFamily="34" charset="0"/>
-              <a:buNone/>
-              <a:defRPr sz="1800" b="1" kern="1200">
-                <a:solidFill>
-                  <a:schemeClr val="tx1">
-                    <a:lumMod val="85000"/>
-                    <a:lumOff val="15000"/>
-                  </a:schemeClr>
-                </a:solidFill>
-                <a:latin typeface="+mn-lt"/>
-                <a:ea typeface="+mn-ea"/>
-                <a:cs typeface="+mn-cs"/>
-              </a:defRPr>
-            </a:lvl3pPr>
-            <a:lvl4pPr marL="1371600" indent="0" algn="l" defTabSz="914400" rtl="0" eaLnBrk="1" latinLnBrk="0" hangingPunct="1">
-              <a:lnSpc>
-                <a:spcPct val="100000"/>
-              </a:lnSpc>
-              <a:spcBef>
-                <a:spcPts val="1000"/>
-              </a:spcBef>
-              <a:buClr>
-                <a:schemeClr val="accent2"/>
-              </a:buClr>
-              <a:buFont typeface="Arial" panose="020B0604020202020204" pitchFamily="34" charset="0"/>
-              <a:buNone/>
-              <a:defRPr sz="1600" b="1" kern="1200">
-                <a:solidFill>
-                  <a:schemeClr val="tx1">
-                    <a:lumMod val="85000"/>
-                    <a:lumOff val="15000"/>
-                  </a:schemeClr>
-                </a:solidFill>
-                <a:latin typeface="+mn-lt"/>
-                <a:ea typeface="+mn-ea"/>
-                <a:cs typeface="+mn-cs"/>
-              </a:defRPr>
-            </a:lvl4pPr>
-            <a:lvl5pPr marL="1828800" indent="0" algn="l" defTabSz="914400" rtl="0" eaLnBrk="1" latinLnBrk="0" hangingPunct="1">
-              <a:lnSpc>
-                <a:spcPct val="100000"/>
-              </a:lnSpc>
-              <a:spcBef>
-                <a:spcPts val="1000"/>
-              </a:spcBef>
-              <a:buClr>
-                <a:schemeClr val="accent2"/>
-              </a:buClr>
-              <a:buFont typeface="Arial" panose="020B0604020202020204" pitchFamily="34" charset="0"/>
-              <a:buNone/>
-              <a:defRPr sz="1600" b="1" kern="1200">
-                <a:solidFill>
-                  <a:schemeClr val="tx1">
-                    <a:lumMod val="85000"/>
-                    <a:lumOff val="15000"/>
-                  </a:schemeClr>
-                </a:solidFill>
-                <a:latin typeface="+mn-lt"/>
-                <a:ea typeface="+mn-ea"/>
-                <a:cs typeface="+mn-cs"/>
-              </a:defRPr>
-            </a:lvl5pPr>
-            <a:lvl6pPr marL="2286000" indent="0" algn="l" defTabSz="914400" rtl="0" eaLnBrk="1" latinLnBrk="0" hangingPunct="1">
-              <a:lnSpc>
-                <a:spcPct val="100000"/>
-              </a:lnSpc>
-              <a:spcBef>
-                <a:spcPts val="1000"/>
-              </a:spcBef>
-              <a:buClr>
-                <a:schemeClr val="accent2"/>
-              </a:buClr>
-              <a:buFont typeface="Arial" panose="020B0604020202020204" pitchFamily="34" charset="0"/>
-              <a:buNone/>
-              <a:defRPr sz="1600" b="1" kern="1200">
-                <a:solidFill>
-                  <a:schemeClr val="tx1"/>
-                </a:solidFill>
-                <a:latin typeface="+mn-lt"/>
-                <a:ea typeface="+mn-ea"/>
-                <a:cs typeface="+mn-cs"/>
-              </a:defRPr>
-            </a:lvl6pPr>
-            <a:lvl7pPr marL="2743200" indent="0" algn="l" defTabSz="914400" rtl="0" eaLnBrk="1" latinLnBrk="0" hangingPunct="1">
-              <a:lnSpc>
-                <a:spcPct val="100000"/>
-              </a:lnSpc>
-              <a:spcBef>
-                <a:spcPts val="1000"/>
-              </a:spcBef>
-              <a:buClr>
-                <a:schemeClr val="accent2"/>
-              </a:buClr>
-              <a:buFont typeface="Arial" panose="020B0604020202020204" pitchFamily="34" charset="0"/>
-              <a:buNone/>
-              <a:defRPr sz="1600" b="1" kern="1200">
-                <a:solidFill>
-                  <a:schemeClr val="tx1"/>
-                </a:solidFill>
-                <a:latin typeface="+mn-lt"/>
-                <a:ea typeface="+mn-ea"/>
-                <a:cs typeface="+mn-cs"/>
-              </a:defRPr>
-            </a:lvl7pPr>
-            <a:lvl8pPr marL="3200400" indent="0" algn="l" defTabSz="914400" rtl="0" eaLnBrk="1" latinLnBrk="0" hangingPunct="1">
-              <a:lnSpc>
-                <a:spcPct val="100000"/>
-              </a:lnSpc>
-              <a:spcBef>
-                <a:spcPts val="1000"/>
-              </a:spcBef>
-              <a:buClr>
-                <a:schemeClr val="accent2"/>
-              </a:buClr>
-              <a:buFont typeface="Arial" panose="020B0604020202020204" pitchFamily="34" charset="0"/>
-              <a:buNone/>
-              <a:defRPr sz="1600" b="1" kern="1200" baseline="0">
-                <a:solidFill>
-                  <a:schemeClr val="tx1"/>
-                </a:solidFill>
-                <a:latin typeface="+mn-lt"/>
-                <a:ea typeface="+mn-ea"/>
-                <a:cs typeface="+mn-cs"/>
-              </a:defRPr>
-            </a:lvl8pPr>
-            <a:lvl9pPr marL="3657600" indent="0" algn="l" defTabSz="914400" rtl="0" eaLnBrk="1" latinLnBrk="0" hangingPunct="1">
-              <a:lnSpc>
-                <a:spcPct val="100000"/>
-              </a:lnSpc>
-              <a:spcBef>
-                <a:spcPts val="1000"/>
-              </a:spcBef>
-              <a:buClr>
-                <a:schemeClr val="accent2"/>
-              </a:buClr>
-              <a:buFont typeface="Arial" panose="020B0604020202020204" pitchFamily="34" charset="0"/>
-              <a:buNone/>
-              <a:defRPr sz="1600" b="1" kern="1200" baseline="0">
-                <a:solidFill>
-                  <a:schemeClr val="tx1"/>
-                </a:solidFill>
-                <a:latin typeface="+mn-lt"/>
-                <a:ea typeface="+mn-ea"/>
-                <a:cs typeface="+mn-cs"/>
-              </a:defRPr>
-            </a:lvl9pPr>
-          </a:lstStyle>
-          <a:p>
-            <a:r>
-              <a:rPr lang="en-US" dirty="0"/>
-              <a:t>Building the Model</a:t>
-            </a:r>
-          </a:p>
-        </p:txBody>
-      </p:sp>
-      <p:pic>
-        <p:nvPicPr>
-          <p:cNvPr id="4" name="Picture 3">
-            <a:extLst>
-              <a:ext uri="{FF2B5EF4-FFF2-40B4-BE49-F238E27FC236}">
-                <a16:creationId xmlns:a16="http://schemas.microsoft.com/office/drawing/2014/main" id="{E146053F-26C2-432B-A55B-CC4E92961A72}"/>
-              </a:ext>
-            </a:extLst>
-          </p:cNvPr>
-          <p:cNvPicPr>
-            <a:picLocks noChangeAspect="1"/>
-          </p:cNvPicPr>
-          <p:nvPr/>
-        </p:nvPicPr>
-        <p:blipFill>
-          <a:blip r:embed="rId2"/>
-          <a:stretch>
-            <a:fillRect/>
-          </a:stretch>
-        </p:blipFill>
-        <p:spPr>
-          <a:xfrm>
-            <a:off x="1014986" y="3123112"/>
-            <a:ext cx="4067175" cy="1562100"/>
-          </a:xfrm>
-          <a:prstGeom prst="rect">
-            <a:avLst/>
-          </a:prstGeom>
-        </p:spPr>
-      </p:pic>
-      <p:pic>
-        <p:nvPicPr>
-          <p:cNvPr id="7" name="Picture 6">
-            <a:extLst>
-              <a:ext uri="{FF2B5EF4-FFF2-40B4-BE49-F238E27FC236}">
-                <a16:creationId xmlns:a16="http://schemas.microsoft.com/office/drawing/2014/main" id="{4E452DD8-C5A1-406D-8855-4DDCAF8236EF}"/>
-              </a:ext>
-            </a:extLst>
-          </p:cNvPr>
-          <p:cNvPicPr>
-            <a:picLocks noChangeAspect="1"/>
-          </p:cNvPicPr>
-          <p:nvPr/>
-        </p:nvPicPr>
-        <p:blipFill>
-          <a:blip r:embed="rId3"/>
-          <a:stretch>
-            <a:fillRect/>
-          </a:stretch>
-        </p:blipFill>
-        <p:spPr>
-          <a:xfrm>
-            <a:off x="6338316" y="3123112"/>
-            <a:ext cx="4838700" cy="962025"/>
-          </a:xfrm>
-          <a:prstGeom prst="rect">
-            <a:avLst/>
-          </a:prstGeom>
-        </p:spPr>
-      </p:pic>
-      <p:pic>
-        <p:nvPicPr>
-          <p:cNvPr id="8" name="Picture 7">
-            <a:extLst>
-              <a:ext uri="{FF2B5EF4-FFF2-40B4-BE49-F238E27FC236}">
-                <a16:creationId xmlns:a16="http://schemas.microsoft.com/office/drawing/2014/main" id="{149D0DCB-0D59-4CBC-B6A7-760B5FB36E6B}"/>
-              </a:ext>
-            </a:extLst>
-          </p:cNvPr>
-          <p:cNvPicPr>
-            <a:picLocks noChangeAspect="1"/>
-          </p:cNvPicPr>
-          <p:nvPr/>
-        </p:nvPicPr>
-        <p:blipFill>
-          <a:blip r:embed="rId4"/>
-          <a:stretch>
-            <a:fillRect/>
-          </a:stretch>
-        </p:blipFill>
-        <p:spPr>
-          <a:xfrm>
-            <a:off x="6338315" y="4652148"/>
-            <a:ext cx="4838699" cy="1190625"/>
-          </a:xfrm>
-          <a:prstGeom prst="rect">
-            <a:avLst/>
-          </a:prstGeom>
-        </p:spPr>
-      </p:pic>
-    </p:spTree>
-    <p:extLst>
-      <p:ext uri="{BB962C8B-B14F-4D97-AF65-F5344CB8AC3E}">
-        <p14:creationId xmlns:p14="http://schemas.microsoft.com/office/powerpoint/2010/main" val="1918733114"/>
-      </p:ext>
-    </p:extLst>
-  </p:cSld>
-  <p:clrMapOvr>
-    <a:masterClrMapping/>
-  </p:clrMapOvr>
-</p:sld>
-</file>
-
-<file path=ppt/slides/slide7.xml><?xml version="1.0" encoding="utf-8"?>
-<p:sld xmlns:a="http://schemas.openxmlformats.org/drawingml/2006/main" xmlns:r="http://schemas.openxmlformats.org/officeDocument/2006/relationships" xmlns:p="http://schemas.openxmlformats.org/presentationml/2006/main">
-  <p:cSld>
-    <p:spTree>
-      <p:nvGrpSpPr>
-        <p:cNvPr id="1" name=""/>
-        <p:cNvGrpSpPr/>
-        <p:nvPr/>
-      </p:nvGrpSpPr>
-      <p:grpSpPr>
-        <a:xfrm>
-          <a:off x="0" y="0"/>
-          <a:ext cx="0" cy="0"/>
-          <a:chOff x="0" y="0"/>
-          <a:chExt cx="0" cy="0"/>
-        </a:xfrm>
-      </p:grpSpPr>
-      <p:sp>
-        <p:nvSpPr>
-          <p:cNvPr id="10" name="Text Placeholder 9">
-            <a:extLst>
-              <a:ext uri="{FF2B5EF4-FFF2-40B4-BE49-F238E27FC236}">
-                <a16:creationId xmlns:a16="http://schemas.microsoft.com/office/drawing/2014/main" id="{DE041928-F863-4785-B370-C0A77F370B9C}"/>
+                <a16:creationId xmlns:a16="http://schemas.microsoft.com/office/drawing/2014/main" id="{81816F8F-10E1-495B-8B14-EDF3DAC724AB}"/>
               </a:ext>
             </a:extLst>
           </p:cNvPr>
@@ -8973,39 +10317,15 @@
             <a:spLocks noGrp="1"/>
           </p:cNvSpPr>
           <p:nvPr>
-            <p:ph type="body" sz="quarter" idx="13"/>
+            <p:ph idx="1"/>
           </p:nvPr>
         </p:nvSpPr>
-        <p:spPr/>
-        <p:txBody>
-          <a:bodyPr/>
-          <a:lstStyle/>
-          <a:p>
-            <a:r>
-              <a:rPr lang="en-US"/>
-              <a:t>Results</a:t>
-            </a:r>
-            <a:endParaRPr lang="en-US" dirty="0"/>
-          </a:p>
-        </p:txBody>
-      </p:sp>
-      <p:sp>
-        <p:nvSpPr>
-          <p:cNvPr id="2" name="Title 1">
-            <a:extLst>
-              <a:ext uri="{FF2B5EF4-FFF2-40B4-BE49-F238E27FC236}">
-                <a16:creationId xmlns:a16="http://schemas.microsoft.com/office/drawing/2014/main" id="{834E76A1-1EB4-4A1B-8FCD-67D3595D7987}"/>
-              </a:ext>
-            </a:extLst>
-          </p:cNvPr>
-          <p:cNvSpPr>
-            <a:spLocks noGrp="1"/>
-          </p:cNvSpPr>
-          <p:nvPr>
-            <p:ph type="title"/>
-          </p:nvPr>
-        </p:nvSpPr>
-        <p:spPr/>
+        <p:spPr>
+          <a:xfrm>
+            <a:off x="1706062" y="2291262"/>
+            <a:ext cx="8779512" cy="2879256"/>
+          </a:xfrm>
+        </p:spPr>
         <p:txBody>
           <a:bodyPr>
             <a:normAutofit/>
@@ -9013,1166 +10333,77 @@
           <a:lstStyle/>
           <a:p>
             <a:r>
-              <a:rPr lang="en-US" sz="2400" dirty="0"/>
-              <a:t>Random Forest Classifier ( 2</a:t>
+              <a:rPr lang="en-US" dirty="0">
+                <a:solidFill>
+                  <a:srgbClr val="404040"/>
+                </a:solidFill>
+              </a:rPr>
+              <a:t>It is important to understand overfitting to have unbiased results</a:t>
+            </a:r>
+          </a:p>
+          <a:p>
+            <a:r>
+              <a:rPr lang="en-US" dirty="0">
+                <a:solidFill>
+                  <a:srgbClr val="404040"/>
+                </a:solidFill>
+              </a:rPr>
+              <a:t>Using a Pipeline created a streamline approach in testing multiple models</a:t>
+            </a:r>
+          </a:p>
+          <a:p>
+            <a:r>
+              <a:rPr lang="en-US" dirty="0">
+                <a:solidFill>
+                  <a:srgbClr val="404040"/>
+                </a:solidFill>
+              </a:rPr>
+              <a:t>Using the parameter ‘</a:t>
             </a:r>
             <a:r>
-              <a:rPr lang="en-US" sz="2400" baseline="30000" dirty="0"/>
-              <a:t>nd</a:t>
+              <a:rPr lang="en-US" dirty="0" err="1">
+                <a:solidFill>
+                  <a:srgbClr val="404040"/>
+                </a:solidFill>
+              </a:rPr>
+              <a:t>n_estimators</a:t>
             </a:r>
             <a:r>
-              <a:rPr lang="en-US" sz="2400" dirty="0"/>
-              <a:t> Model)</a:t>
+              <a:rPr lang="en-US" dirty="0">
+                <a:solidFill>
+                  <a:srgbClr val="404040"/>
+                </a:solidFill>
+              </a:rPr>
+              <a:t>’, we adjusted the model to become less ‘dumb’</a:t>
             </a:r>
           </a:p>
-        </p:txBody>
-      </p:sp>
-      <p:sp>
-        <p:nvSpPr>
-          <p:cNvPr id="12" name="Text Placeholder 9">
-            <a:extLst>
-              <a:ext uri="{FF2B5EF4-FFF2-40B4-BE49-F238E27FC236}">
-                <a16:creationId xmlns:a16="http://schemas.microsoft.com/office/drawing/2014/main" id="{BD0A0F67-DF0A-483D-B114-DD9B1A5DF536}"/>
-              </a:ext>
-            </a:extLst>
-          </p:cNvPr>
-          <p:cNvSpPr txBox="1">
-            <a:spLocks/>
-          </p:cNvSpPr>
-          <p:nvPr/>
-        </p:nvSpPr>
-        <p:spPr>
-          <a:xfrm>
-            <a:off x="6338316" y="3833243"/>
-            <a:ext cx="4270248" cy="704087"/>
-          </a:xfrm>
-          <a:prstGeom prst="rect">
-            <a:avLst/>
-          </a:prstGeom>
-        </p:spPr>
-        <p:txBody>
-          <a:bodyPr vert="horz" lIns="91440" tIns="45720" rIns="91440" bIns="45720" rtlCol="0" anchor="b" anchorCtr="1">
-            <a:normAutofit/>
-          </a:bodyPr>
-          <a:lstStyle>
-            <a:lvl1pPr marL="0" indent="0" algn="ctr" defTabSz="914400" rtl="0" eaLnBrk="1" latinLnBrk="0" hangingPunct="1">
-              <a:lnSpc>
-                <a:spcPct val="100000"/>
-              </a:lnSpc>
-              <a:spcBef>
-                <a:spcPts val="1000"/>
-              </a:spcBef>
-              <a:buClr>
-                <a:schemeClr val="accent2"/>
-              </a:buClr>
-              <a:buFont typeface="Arial" panose="020B0604020202020204" pitchFamily="34" charset="0"/>
-              <a:buNone/>
-              <a:defRPr sz="1900" b="0" kern="1200" cap="all" spc="100" baseline="0">
-                <a:solidFill>
-                  <a:schemeClr val="accent2">
-                    <a:lumMod val="75000"/>
-                  </a:schemeClr>
-                </a:solidFill>
-                <a:latin typeface="+mn-lt"/>
-                <a:ea typeface="+mn-ea"/>
-                <a:cs typeface="+mn-cs"/>
-              </a:defRPr>
-            </a:lvl1pPr>
-            <a:lvl2pPr marL="457200" indent="0" algn="l" defTabSz="914400" rtl="0" eaLnBrk="1" latinLnBrk="0" hangingPunct="1">
-              <a:lnSpc>
-                <a:spcPct val="100000"/>
-              </a:lnSpc>
-              <a:spcBef>
-                <a:spcPts val="1000"/>
-              </a:spcBef>
-              <a:buClr>
-                <a:schemeClr val="accent2"/>
-              </a:buClr>
-              <a:buFont typeface="Arial" panose="020B0604020202020204" pitchFamily="34" charset="0"/>
-              <a:buNone/>
-              <a:defRPr sz="1900" b="1" kern="1200">
-                <a:solidFill>
-                  <a:schemeClr val="tx1">
-                    <a:lumMod val="85000"/>
-                    <a:lumOff val="15000"/>
-                  </a:schemeClr>
-                </a:solidFill>
-                <a:latin typeface="+mn-lt"/>
-                <a:ea typeface="+mn-ea"/>
-                <a:cs typeface="+mn-cs"/>
-              </a:defRPr>
-            </a:lvl2pPr>
-            <a:lvl3pPr marL="914400" indent="0" algn="l" defTabSz="914400" rtl="0" eaLnBrk="1" latinLnBrk="0" hangingPunct="1">
-              <a:lnSpc>
-                <a:spcPct val="100000"/>
-              </a:lnSpc>
-              <a:spcBef>
-                <a:spcPts val="1000"/>
-              </a:spcBef>
-              <a:buClr>
-                <a:schemeClr val="accent2"/>
-              </a:buClr>
-              <a:buFont typeface="Arial" panose="020B0604020202020204" pitchFamily="34" charset="0"/>
-              <a:buNone/>
-              <a:defRPr sz="1800" b="1" kern="1200">
-                <a:solidFill>
-                  <a:schemeClr val="tx1">
-                    <a:lumMod val="85000"/>
-                    <a:lumOff val="15000"/>
-                  </a:schemeClr>
-                </a:solidFill>
-                <a:latin typeface="+mn-lt"/>
-                <a:ea typeface="+mn-ea"/>
-                <a:cs typeface="+mn-cs"/>
-              </a:defRPr>
-            </a:lvl3pPr>
-            <a:lvl4pPr marL="1371600" indent="0" algn="l" defTabSz="914400" rtl="0" eaLnBrk="1" latinLnBrk="0" hangingPunct="1">
-              <a:lnSpc>
-                <a:spcPct val="100000"/>
-              </a:lnSpc>
-              <a:spcBef>
-                <a:spcPts val="1000"/>
-              </a:spcBef>
-              <a:buClr>
-                <a:schemeClr val="accent2"/>
-              </a:buClr>
-              <a:buFont typeface="Arial" panose="020B0604020202020204" pitchFamily="34" charset="0"/>
-              <a:buNone/>
-              <a:defRPr sz="1600" b="1" kern="1200">
-                <a:solidFill>
-                  <a:schemeClr val="tx1">
-                    <a:lumMod val="85000"/>
-                    <a:lumOff val="15000"/>
-                  </a:schemeClr>
-                </a:solidFill>
-                <a:latin typeface="+mn-lt"/>
-                <a:ea typeface="+mn-ea"/>
-                <a:cs typeface="+mn-cs"/>
-              </a:defRPr>
-            </a:lvl4pPr>
-            <a:lvl5pPr marL="1828800" indent="0" algn="l" defTabSz="914400" rtl="0" eaLnBrk="1" latinLnBrk="0" hangingPunct="1">
-              <a:lnSpc>
-                <a:spcPct val="100000"/>
-              </a:lnSpc>
-              <a:spcBef>
-                <a:spcPts val="1000"/>
-              </a:spcBef>
-              <a:buClr>
-                <a:schemeClr val="accent2"/>
-              </a:buClr>
-              <a:buFont typeface="Arial" panose="020B0604020202020204" pitchFamily="34" charset="0"/>
-              <a:buNone/>
-              <a:defRPr sz="1600" b="1" kern="1200">
-                <a:solidFill>
-                  <a:schemeClr val="tx1">
-                    <a:lumMod val="85000"/>
-                    <a:lumOff val="15000"/>
-                  </a:schemeClr>
-                </a:solidFill>
-                <a:latin typeface="+mn-lt"/>
-                <a:ea typeface="+mn-ea"/>
-                <a:cs typeface="+mn-cs"/>
-              </a:defRPr>
-            </a:lvl5pPr>
-            <a:lvl6pPr marL="2286000" indent="0" algn="l" defTabSz="914400" rtl="0" eaLnBrk="1" latinLnBrk="0" hangingPunct="1">
-              <a:lnSpc>
-                <a:spcPct val="100000"/>
-              </a:lnSpc>
-              <a:spcBef>
-                <a:spcPts val="1000"/>
-              </a:spcBef>
-              <a:buClr>
-                <a:schemeClr val="accent2"/>
-              </a:buClr>
-              <a:buFont typeface="Arial" panose="020B0604020202020204" pitchFamily="34" charset="0"/>
-              <a:buNone/>
-              <a:defRPr sz="1600" b="1" kern="1200">
-                <a:solidFill>
-                  <a:schemeClr val="tx1"/>
-                </a:solidFill>
-                <a:latin typeface="+mn-lt"/>
-                <a:ea typeface="+mn-ea"/>
-                <a:cs typeface="+mn-cs"/>
-              </a:defRPr>
-            </a:lvl6pPr>
-            <a:lvl7pPr marL="2743200" indent="0" algn="l" defTabSz="914400" rtl="0" eaLnBrk="1" latinLnBrk="0" hangingPunct="1">
-              <a:lnSpc>
-                <a:spcPct val="100000"/>
-              </a:lnSpc>
-              <a:spcBef>
-                <a:spcPts val="1000"/>
-              </a:spcBef>
-              <a:buClr>
-                <a:schemeClr val="accent2"/>
-              </a:buClr>
-              <a:buFont typeface="Arial" panose="020B0604020202020204" pitchFamily="34" charset="0"/>
-              <a:buNone/>
-              <a:defRPr sz="1600" b="1" kern="1200">
-                <a:solidFill>
-                  <a:schemeClr val="tx1"/>
-                </a:solidFill>
-                <a:latin typeface="+mn-lt"/>
-                <a:ea typeface="+mn-ea"/>
-                <a:cs typeface="+mn-cs"/>
-              </a:defRPr>
-            </a:lvl7pPr>
-            <a:lvl8pPr marL="3200400" indent="0" algn="l" defTabSz="914400" rtl="0" eaLnBrk="1" latinLnBrk="0" hangingPunct="1">
-              <a:lnSpc>
-                <a:spcPct val="100000"/>
-              </a:lnSpc>
-              <a:spcBef>
-                <a:spcPts val="1000"/>
-              </a:spcBef>
-              <a:buClr>
-                <a:schemeClr val="accent2"/>
-              </a:buClr>
-              <a:buFont typeface="Arial" panose="020B0604020202020204" pitchFamily="34" charset="0"/>
-              <a:buNone/>
-              <a:defRPr sz="1600" b="1" kern="1200" baseline="0">
-                <a:solidFill>
-                  <a:schemeClr val="tx1"/>
-                </a:solidFill>
-                <a:latin typeface="+mn-lt"/>
-                <a:ea typeface="+mn-ea"/>
-                <a:cs typeface="+mn-cs"/>
-              </a:defRPr>
-            </a:lvl8pPr>
-            <a:lvl9pPr marL="3657600" indent="0" algn="l" defTabSz="914400" rtl="0" eaLnBrk="1" latinLnBrk="0" hangingPunct="1">
-              <a:lnSpc>
-                <a:spcPct val="100000"/>
-              </a:lnSpc>
-              <a:spcBef>
-                <a:spcPts val="1000"/>
-              </a:spcBef>
-              <a:buClr>
-                <a:schemeClr val="accent2"/>
-              </a:buClr>
-              <a:buFont typeface="Arial" panose="020B0604020202020204" pitchFamily="34" charset="0"/>
-              <a:buNone/>
-              <a:defRPr sz="1600" b="1" kern="1200" baseline="0">
-                <a:solidFill>
-                  <a:schemeClr val="tx1"/>
-                </a:solidFill>
-                <a:latin typeface="+mn-lt"/>
-                <a:ea typeface="+mn-ea"/>
-                <a:cs typeface="+mn-cs"/>
-              </a:defRPr>
-            </a:lvl9pPr>
-          </a:lstStyle>
-          <a:p>
+          <a:p>
+            <a:pPr lvl="1"/>
             <a:r>
-              <a:rPr lang="en-US"/>
-              <a:t>Prediction</a:t>
+              <a:rPr lang="en-US" dirty="0">
+                <a:solidFill>
+                  <a:srgbClr val="404040"/>
+                </a:solidFill>
+              </a:rPr>
+              <a:t>Helping the model with overfitting</a:t>
             </a:r>
-            <a:endParaRPr lang="en-US" dirty="0"/>
-          </a:p>
-        </p:txBody>
-      </p:sp>
-      <p:sp>
-        <p:nvSpPr>
-          <p:cNvPr id="13" name="Text Placeholder 9">
-            <a:extLst>
-              <a:ext uri="{FF2B5EF4-FFF2-40B4-BE49-F238E27FC236}">
-                <a16:creationId xmlns:a16="http://schemas.microsoft.com/office/drawing/2014/main" id="{80AC96ED-AB60-4AC5-A114-CC33A68AFA8E}"/>
-              </a:ext>
-            </a:extLst>
-          </p:cNvPr>
-          <p:cNvSpPr txBox="1">
-            <a:spLocks/>
-          </p:cNvSpPr>
-          <p:nvPr/>
-        </p:nvSpPr>
-        <p:spPr>
-          <a:xfrm>
-            <a:off x="811913" y="2313432"/>
-            <a:ext cx="4270248" cy="704087"/>
-          </a:xfrm>
-          <a:prstGeom prst="rect">
-            <a:avLst/>
-          </a:prstGeom>
-        </p:spPr>
-        <p:txBody>
-          <a:bodyPr vert="horz" lIns="91440" tIns="45720" rIns="91440" bIns="45720" rtlCol="0" anchor="b" anchorCtr="1">
-            <a:normAutofit/>
-          </a:bodyPr>
-          <a:lstStyle>
-            <a:lvl1pPr marL="0" indent="0" algn="ctr" defTabSz="914400" rtl="0" eaLnBrk="1" latinLnBrk="0" hangingPunct="1">
-              <a:lnSpc>
-                <a:spcPct val="100000"/>
-              </a:lnSpc>
-              <a:spcBef>
-                <a:spcPts val="1000"/>
-              </a:spcBef>
-              <a:buClr>
-                <a:schemeClr val="accent2"/>
-              </a:buClr>
-              <a:buFont typeface="Arial" panose="020B0604020202020204" pitchFamily="34" charset="0"/>
-              <a:buNone/>
-              <a:defRPr sz="1900" b="0" kern="1200" cap="all" spc="100" baseline="0">
-                <a:solidFill>
-                  <a:schemeClr val="accent2">
-                    <a:lumMod val="75000"/>
-                  </a:schemeClr>
-                </a:solidFill>
-                <a:latin typeface="+mn-lt"/>
-                <a:ea typeface="+mn-ea"/>
-                <a:cs typeface="+mn-cs"/>
-              </a:defRPr>
-            </a:lvl1pPr>
-            <a:lvl2pPr marL="457200" indent="0" algn="l" defTabSz="914400" rtl="0" eaLnBrk="1" latinLnBrk="0" hangingPunct="1">
-              <a:lnSpc>
-                <a:spcPct val="100000"/>
-              </a:lnSpc>
-              <a:spcBef>
-                <a:spcPts val="1000"/>
-              </a:spcBef>
-              <a:buClr>
-                <a:schemeClr val="accent2"/>
-              </a:buClr>
-              <a:buFont typeface="Arial" panose="020B0604020202020204" pitchFamily="34" charset="0"/>
-              <a:buNone/>
-              <a:defRPr sz="1900" b="1" kern="1200">
-                <a:solidFill>
-                  <a:schemeClr val="tx1">
-                    <a:lumMod val="85000"/>
-                    <a:lumOff val="15000"/>
-                  </a:schemeClr>
-                </a:solidFill>
-                <a:latin typeface="+mn-lt"/>
-                <a:ea typeface="+mn-ea"/>
-                <a:cs typeface="+mn-cs"/>
-              </a:defRPr>
-            </a:lvl2pPr>
-            <a:lvl3pPr marL="914400" indent="0" algn="l" defTabSz="914400" rtl="0" eaLnBrk="1" latinLnBrk="0" hangingPunct="1">
-              <a:lnSpc>
-                <a:spcPct val="100000"/>
-              </a:lnSpc>
-              <a:spcBef>
-                <a:spcPts val="1000"/>
-              </a:spcBef>
-              <a:buClr>
-                <a:schemeClr val="accent2"/>
-              </a:buClr>
-              <a:buFont typeface="Arial" panose="020B0604020202020204" pitchFamily="34" charset="0"/>
-              <a:buNone/>
-              <a:defRPr sz="1800" b="1" kern="1200">
-                <a:solidFill>
-                  <a:schemeClr val="tx1">
-                    <a:lumMod val="85000"/>
-                    <a:lumOff val="15000"/>
-                  </a:schemeClr>
-                </a:solidFill>
-                <a:latin typeface="+mn-lt"/>
-                <a:ea typeface="+mn-ea"/>
-                <a:cs typeface="+mn-cs"/>
-              </a:defRPr>
-            </a:lvl3pPr>
-            <a:lvl4pPr marL="1371600" indent="0" algn="l" defTabSz="914400" rtl="0" eaLnBrk="1" latinLnBrk="0" hangingPunct="1">
-              <a:lnSpc>
-                <a:spcPct val="100000"/>
-              </a:lnSpc>
-              <a:spcBef>
-                <a:spcPts val="1000"/>
-              </a:spcBef>
-              <a:buClr>
-                <a:schemeClr val="accent2"/>
-              </a:buClr>
-              <a:buFont typeface="Arial" panose="020B0604020202020204" pitchFamily="34" charset="0"/>
-              <a:buNone/>
-              <a:defRPr sz="1600" b="1" kern="1200">
-                <a:solidFill>
-                  <a:schemeClr val="tx1">
-                    <a:lumMod val="85000"/>
-                    <a:lumOff val="15000"/>
-                  </a:schemeClr>
-                </a:solidFill>
-                <a:latin typeface="+mn-lt"/>
-                <a:ea typeface="+mn-ea"/>
-                <a:cs typeface="+mn-cs"/>
-              </a:defRPr>
-            </a:lvl4pPr>
-            <a:lvl5pPr marL="1828800" indent="0" algn="l" defTabSz="914400" rtl="0" eaLnBrk="1" latinLnBrk="0" hangingPunct="1">
-              <a:lnSpc>
-                <a:spcPct val="100000"/>
-              </a:lnSpc>
-              <a:spcBef>
-                <a:spcPts val="1000"/>
-              </a:spcBef>
-              <a:buClr>
-                <a:schemeClr val="accent2"/>
-              </a:buClr>
-              <a:buFont typeface="Arial" panose="020B0604020202020204" pitchFamily="34" charset="0"/>
-              <a:buNone/>
-              <a:defRPr sz="1600" b="1" kern="1200">
-                <a:solidFill>
-                  <a:schemeClr val="tx1">
-                    <a:lumMod val="85000"/>
-                    <a:lumOff val="15000"/>
-                  </a:schemeClr>
-                </a:solidFill>
-                <a:latin typeface="+mn-lt"/>
-                <a:ea typeface="+mn-ea"/>
-                <a:cs typeface="+mn-cs"/>
-              </a:defRPr>
-            </a:lvl5pPr>
-            <a:lvl6pPr marL="2286000" indent="0" algn="l" defTabSz="914400" rtl="0" eaLnBrk="1" latinLnBrk="0" hangingPunct="1">
-              <a:lnSpc>
-                <a:spcPct val="100000"/>
-              </a:lnSpc>
-              <a:spcBef>
-                <a:spcPts val="1000"/>
-              </a:spcBef>
-              <a:buClr>
-                <a:schemeClr val="accent2"/>
-              </a:buClr>
-              <a:buFont typeface="Arial" panose="020B0604020202020204" pitchFamily="34" charset="0"/>
-              <a:buNone/>
-              <a:defRPr sz="1600" b="1" kern="1200">
-                <a:solidFill>
-                  <a:schemeClr val="tx1"/>
-                </a:solidFill>
-                <a:latin typeface="+mn-lt"/>
-                <a:ea typeface="+mn-ea"/>
-                <a:cs typeface="+mn-cs"/>
-              </a:defRPr>
-            </a:lvl6pPr>
-            <a:lvl7pPr marL="2743200" indent="0" algn="l" defTabSz="914400" rtl="0" eaLnBrk="1" latinLnBrk="0" hangingPunct="1">
-              <a:lnSpc>
-                <a:spcPct val="100000"/>
-              </a:lnSpc>
-              <a:spcBef>
-                <a:spcPts val="1000"/>
-              </a:spcBef>
-              <a:buClr>
-                <a:schemeClr val="accent2"/>
-              </a:buClr>
-              <a:buFont typeface="Arial" panose="020B0604020202020204" pitchFamily="34" charset="0"/>
-              <a:buNone/>
-              <a:defRPr sz="1600" b="1" kern="1200">
-                <a:solidFill>
-                  <a:schemeClr val="tx1"/>
-                </a:solidFill>
-                <a:latin typeface="+mn-lt"/>
-                <a:ea typeface="+mn-ea"/>
-                <a:cs typeface="+mn-cs"/>
-              </a:defRPr>
-            </a:lvl7pPr>
-            <a:lvl8pPr marL="3200400" indent="0" algn="l" defTabSz="914400" rtl="0" eaLnBrk="1" latinLnBrk="0" hangingPunct="1">
-              <a:lnSpc>
-                <a:spcPct val="100000"/>
-              </a:lnSpc>
-              <a:spcBef>
-                <a:spcPts val="1000"/>
-              </a:spcBef>
-              <a:buClr>
-                <a:schemeClr val="accent2"/>
-              </a:buClr>
-              <a:buFont typeface="Arial" panose="020B0604020202020204" pitchFamily="34" charset="0"/>
-              <a:buNone/>
-              <a:defRPr sz="1600" b="1" kern="1200" baseline="0">
-                <a:solidFill>
-                  <a:schemeClr val="tx1"/>
-                </a:solidFill>
-                <a:latin typeface="+mn-lt"/>
-                <a:ea typeface="+mn-ea"/>
-                <a:cs typeface="+mn-cs"/>
-              </a:defRPr>
-            </a:lvl8pPr>
-            <a:lvl9pPr marL="3657600" indent="0" algn="l" defTabSz="914400" rtl="0" eaLnBrk="1" latinLnBrk="0" hangingPunct="1">
-              <a:lnSpc>
-                <a:spcPct val="100000"/>
-              </a:lnSpc>
-              <a:spcBef>
-                <a:spcPts val="1000"/>
-              </a:spcBef>
-              <a:buClr>
-                <a:schemeClr val="accent2"/>
-              </a:buClr>
-              <a:buFont typeface="Arial" panose="020B0604020202020204" pitchFamily="34" charset="0"/>
-              <a:buNone/>
-              <a:defRPr sz="1600" b="1" kern="1200" baseline="0">
-                <a:solidFill>
-                  <a:schemeClr val="tx1"/>
-                </a:solidFill>
-                <a:latin typeface="+mn-lt"/>
-                <a:ea typeface="+mn-ea"/>
-                <a:cs typeface="+mn-cs"/>
-              </a:defRPr>
-            </a:lvl9pPr>
-          </a:lstStyle>
+          </a:p>
           <a:p>
             <a:r>
-              <a:rPr lang="en-US"/>
-              <a:t>Building the Model</a:t>
+              <a:rPr lang="en-US" dirty="0">
+                <a:solidFill>
+                  <a:srgbClr val="404040"/>
+                </a:solidFill>
+              </a:rPr>
+              <a:t>The GBC Model yielded the best results to decide if a flight would be delayed </a:t>
             </a:r>
-            <a:endParaRPr lang="en-US" dirty="0"/>
-          </a:p>
-        </p:txBody>
-      </p:sp>
-      <p:pic>
-        <p:nvPicPr>
-          <p:cNvPr id="3" name="Picture 2">
-            <a:extLst>
-              <a:ext uri="{FF2B5EF4-FFF2-40B4-BE49-F238E27FC236}">
-                <a16:creationId xmlns:a16="http://schemas.microsoft.com/office/drawing/2014/main" id="{F8B92164-C2C0-46C9-AFB1-F6BF8CD51AEB}"/>
-              </a:ext>
-            </a:extLst>
-          </p:cNvPr>
-          <p:cNvPicPr>
-            <a:picLocks noChangeAspect="1"/>
-          </p:cNvPicPr>
-          <p:nvPr/>
-        </p:nvPicPr>
-        <p:blipFill>
-          <a:blip r:embed="rId2"/>
-          <a:stretch>
-            <a:fillRect/>
-          </a:stretch>
-        </p:blipFill>
-        <p:spPr>
-          <a:xfrm>
-            <a:off x="115525" y="3063239"/>
-            <a:ext cx="5738160" cy="1981200"/>
-          </a:xfrm>
-          <a:prstGeom prst="rect">
-            <a:avLst/>
-          </a:prstGeom>
-        </p:spPr>
-      </p:pic>
-      <p:pic>
-        <p:nvPicPr>
-          <p:cNvPr id="5" name="Picture 4">
-            <a:extLst>
-              <a:ext uri="{FF2B5EF4-FFF2-40B4-BE49-F238E27FC236}">
-                <a16:creationId xmlns:a16="http://schemas.microsoft.com/office/drawing/2014/main" id="{BCA76BDA-2F8E-4F8A-A821-522094F9089E}"/>
-              </a:ext>
-            </a:extLst>
-          </p:cNvPr>
-          <p:cNvPicPr>
-            <a:picLocks noChangeAspect="1"/>
-          </p:cNvPicPr>
-          <p:nvPr/>
-        </p:nvPicPr>
-        <p:blipFill>
-          <a:blip r:embed="rId3"/>
-          <a:stretch>
-            <a:fillRect/>
-          </a:stretch>
-        </p:blipFill>
-        <p:spPr>
-          <a:xfrm>
-            <a:off x="6338316" y="3177539"/>
-            <a:ext cx="4800600" cy="876300"/>
-          </a:xfrm>
-          <a:prstGeom prst="rect">
-            <a:avLst/>
-          </a:prstGeom>
-        </p:spPr>
-      </p:pic>
-      <p:pic>
-        <p:nvPicPr>
-          <p:cNvPr id="6" name="Picture 5">
-            <a:extLst>
-              <a:ext uri="{FF2B5EF4-FFF2-40B4-BE49-F238E27FC236}">
-                <a16:creationId xmlns:a16="http://schemas.microsoft.com/office/drawing/2014/main" id="{0566045F-8115-4D9A-A2BF-BAF4912FF334}"/>
-              </a:ext>
-            </a:extLst>
-          </p:cNvPr>
-          <p:cNvPicPr>
-            <a:picLocks noChangeAspect="1"/>
-          </p:cNvPicPr>
-          <p:nvPr/>
-        </p:nvPicPr>
-        <p:blipFill rotWithShape="1">
-          <a:blip r:embed="rId4"/>
-          <a:srcRect r="11111"/>
-          <a:stretch/>
-        </p:blipFill>
-        <p:spPr>
-          <a:xfrm>
-            <a:off x="6338316" y="4799292"/>
-            <a:ext cx="4800600" cy="1181100"/>
-          </a:xfrm>
-          <a:prstGeom prst="rect">
-            <a:avLst/>
-          </a:prstGeom>
-        </p:spPr>
-      </p:pic>
-    </p:spTree>
-    <p:extLst>
-      <p:ext uri="{BB962C8B-B14F-4D97-AF65-F5344CB8AC3E}">
-        <p14:creationId xmlns:p14="http://schemas.microsoft.com/office/powerpoint/2010/main" val="1223302022"/>
-      </p:ext>
-    </p:extLst>
-  </p:cSld>
-  <p:clrMapOvr>
-    <a:masterClrMapping/>
-  </p:clrMapOvr>
-</p:sld>
-</file>
-
-<file path=ppt/slides/slide8.xml><?xml version="1.0" encoding="utf-8"?>
-<p:sld xmlns:a="http://schemas.openxmlformats.org/drawingml/2006/main" xmlns:r="http://schemas.openxmlformats.org/officeDocument/2006/relationships" xmlns:p="http://schemas.openxmlformats.org/presentationml/2006/main">
-  <p:cSld>
-    <p:spTree>
-      <p:nvGrpSpPr>
-        <p:cNvPr id="1" name=""/>
-        <p:cNvGrpSpPr/>
-        <p:nvPr/>
-      </p:nvGrpSpPr>
-      <p:grpSpPr>
-        <a:xfrm>
-          <a:off x="0" y="0"/>
-          <a:ext cx="0" cy="0"/>
-          <a:chOff x="0" y="0"/>
-          <a:chExt cx="0" cy="0"/>
-        </a:xfrm>
-      </p:grpSpPr>
-      <p:sp>
-        <p:nvSpPr>
-          <p:cNvPr id="10" name="Text Placeholder 9">
-            <a:extLst>
-              <a:ext uri="{FF2B5EF4-FFF2-40B4-BE49-F238E27FC236}">
-                <a16:creationId xmlns:a16="http://schemas.microsoft.com/office/drawing/2014/main" id="{DE041928-F863-4785-B370-C0A77F370B9C}"/>
-              </a:ext>
-            </a:extLst>
-          </p:cNvPr>
-          <p:cNvSpPr>
-            <a:spLocks noGrp="1"/>
-          </p:cNvSpPr>
-          <p:nvPr>
-            <p:ph type="body" sz="quarter" idx="13"/>
-          </p:nvPr>
-        </p:nvSpPr>
-        <p:spPr/>
-        <p:txBody>
-          <a:bodyPr/>
-          <a:lstStyle/>
-          <a:p>
-            <a:r>
-              <a:rPr lang="en-US"/>
-              <a:t>Results</a:t>
-            </a:r>
-            <a:endParaRPr lang="en-US" dirty="0"/>
-          </a:p>
-        </p:txBody>
-      </p:sp>
-      <p:sp>
-        <p:nvSpPr>
-          <p:cNvPr id="2" name="Title 1">
-            <a:extLst>
-              <a:ext uri="{FF2B5EF4-FFF2-40B4-BE49-F238E27FC236}">
-                <a16:creationId xmlns:a16="http://schemas.microsoft.com/office/drawing/2014/main" id="{834E76A1-1EB4-4A1B-8FCD-67D3595D7987}"/>
-              </a:ext>
-            </a:extLst>
-          </p:cNvPr>
-          <p:cNvSpPr>
-            <a:spLocks noGrp="1"/>
-          </p:cNvSpPr>
-          <p:nvPr>
-            <p:ph type="title"/>
-          </p:nvPr>
-        </p:nvSpPr>
-        <p:spPr/>
-        <p:txBody>
-          <a:bodyPr>
-            <a:normAutofit/>
-          </a:bodyPr>
-          <a:lstStyle/>
-          <a:p>
-            <a:r>
-              <a:rPr lang="en-US" sz="2400" dirty="0"/>
-              <a:t>Extreme Gradient boosting Classifier</a:t>
-            </a:r>
-          </a:p>
-        </p:txBody>
-      </p:sp>
-      <p:sp>
-        <p:nvSpPr>
-          <p:cNvPr id="12" name="Text Placeholder 9">
-            <a:extLst>
-              <a:ext uri="{FF2B5EF4-FFF2-40B4-BE49-F238E27FC236}">
-                <a16:creationId xmlns:a16="http://schemas.microsoft.com/office/drawing/2014/main" id="{BD0A0F67-DF0A-483D-B114-DD9B1A5DF536}"/>
-              </a:ext>
-            </a:extLst>
-          </p:cNvPr>
-          <p:cNvSpPr txBox="1">
-            <a:spLocks/>
-          </p:cNvSpPr>
-          <p:nvPr/>
-        </p:nvSpPr>
-        <p:spPr>
-          <a:xfrm>
-            <a:off x="6338316" y="3833243"/>
-            <a:ext cx="4270248" cy="704087"/>
-          </a:xfrm>
-          <a:prstGeom prst="rect">
-            <a:avLst/>
-          </a:prstGeom>
-        </p:spPr>
-        <p:txBody>
-          <a:bodyPr vert="horz" lIns="91440" tIns="45720" rIns="91440" bIns="45720" rtlCol="0" anchor="b" anchorCtr="1">
-            <a:normAutofit/>
-          </a:bodyPr>
-          <a:lstStyle>
-            <a:lvl1pPr marL="0" indent="0" algn="ctr" defTabSz="914400" rtl="0" eaLnBrk="1" latinLnBrk="0" hangingPunct="1">
-              <a:lnSpc>
-                <a:spcPct val="100000"/>
-              </a:lnSpc>
-              <a:spcBef>
-                <a:spcPts val="1000"/>
-              </a:spcBef>
-              <a:buClr>
-                <a:schemeClr val="accent2"/>
-              </a:buClr>
-              <a:buFont typeface="Arial" panose="020B0604020202020204" pitchFamily="34" charset="0"/>
-              <a:buNone/>
-              <a:defRPr sz="1900" b="0" kern="1200" cap="all" spc="100" baseline="0">
-                <a:solidFill>
-                  <a:schemeClr val="accent2">
-                    <a:lumMod val="75000"/>
-                  </a:schemeClr>
-                </a:solidFill>
-                <a:latin typeface="+mn-lt"/>
-                <a:ea typeface="+mn-ea"/>
-                <a:cs typeface="+mn-cs"/>
-              </a:defRPr>
-            </a:lvl1pPr>
-            <a:lvl2pPr marL="457200" indent="0" algn="l" defTabSz="914400" rtl="0" eaLnBrk="1" latinLnBrk="0" hangingPunct="1">
-              <a:lnSpc>
-                <a:spcPct val="100000"/>
-              </a:lnSpc>
-              <a:spcBef>
-                <a:spcPts val="1000"/>
-              </a:spcBef>
-              <a:buClr>
-                <a:schemeClr val="accent2"/>
-              </a:buClr>
-              <a:buFont typeface="Arial" panose="020B0604020202020204" pitchFamily="34" charset="0"/>
-              <a:buNone/>
-              <a:defRPr sz="1900" b="1" kern="1200">
-                <a:solidFill>
-                  <a:schemeClr val="tx1">
-                    <a:lumMod val="85000"/>
-                    <a:lumOff val="15000"/>
-                  </a:schemeClr>
-                </a:solidFill>
-                <a:latin typeface="+mn-lt"/>
-                <a:ea typeface="+mn-ea"/>
-                <a:cs typeface="+mn-cs"/>
-              </a:defRPr>
-            </a:lvl2pPr>
-            <a:lvl3pPr marL="914400" indent="0" algn="l" defTabSz="914400" rtl="0" eaLnBrk="1" latinLnBrk="0" hangingPunct="1">
-              <a:lnSpc>
-                <a:spcPct val="100000"/>
-              </a:lnSpc>
-              <a:spcBef>
-                <a:spcPts val="1000"/>
-              </a:spcBef>
-              <a:buClr>
-                <a:schemeClr val="accent2"/>
-              </a:buClr>
-              <a:buFont typeface="Arial" panose="020B0604020202020204" pitchFamily="34" charset="0"/>
-              <a:buNone/>
-              <a:defRPr sz="1800" b="1" kern="1200">
-                <a:solidFill>
-                  <a:schemeClr val="tx1">
-                    <a:lumMod val="85000"/>
-                    <a:lumOff val="15000"/>
-                  </a:schemeClr>
-                </a:solidFill>
-                <a:latin typeface="+mn-lt"/>
-                <a:ea typeface="+mn-ea"/>
-                <a:cs typeface="+mn-cs"/>
-              </a:defRPr>
-            </a:lvl3pPr>
-            <a:lvl4pPr marL="1371600" indent="0" algn="l" defTabSz="914400" rtl="0" eaLnBrk="1" latinLnBrk="0" hangingPunct="1">
-              <a:lnSpc>
-                <a:spcPct val="100000"/>
-              </a:lnSpc>
-              <a:spcBef>
-                <a:spcPts val="1000"/>
-              </a:spcBef>
-              <a:buClr>
-                <a:schemeClr val="accent2"/>
-              </a:buClr>
-              <a:buFont typeface="Arial" panose="020B0604020202020204" pitchFamily="34" charset="0"/>
-              <a:buNone/>
-              <a:defRPr sz="1600" b="1" kern="1200">
-                <a:solidFill>
-                  <a:schemeClr val="tx1">
-                    <a:lumMod val="85000"/>
-                    <a:lumOff val="15000"/>
-                  </a:schemeClr>
-                </a:solidFill>
-                <a:latin typeface="+mn-lt"/>
-                <a:ea typeface="+mn-ea"/>
-                <a:cs typeface="+mn-cs"/>
-              </a:defRPr>
-            </a:lvl4pPr>
-            <a:lvl5pPr marL="1828800" indent="0" algn="l" defTabSz="914400" rtl="0" eaLnBrk="1" latinLnBrk="0" hangingPunct="1">
-              <a:lnSpc>
-                <a:spcPct val="100000"/>
-              </a:lnSpc>
-              <a:spcBef>
-                <a:spcPts val="1000"/>
-              </a:spcBef>
-              <a:buClr>
-                <a:schemeClr val="accent2"/>
-              </a:buClr>
-              <a:buFont typeface="Arial" panose="020B0604020202020204" pitchFamily="34" charset="0"/>
-              <a:buNone/>
-              <a:defRPr sz="1600" b="1" kern="1200">
-                <a:solidFill>
-                  <a:schemeClr val="tx1">
-                    <a:lumMod val="85000"/>
-                    <a:lumOff val="15000"/>
-                  </a:schemeClr>
-                </a:solidFill>
-                <a:latin typeface="+mn-lt"/>
-                <a:ea typeface="+mn-ea"/>
-                <a:cs typeface="+mn-cs"/>
-              </a:defRPr>
-            </a:lvl5pPr>
-            <a:lvl6pPr marL="2286000" indent="0" algn="l" defTabSz="914400" rtl="0" eaLnBrk="1" latinLnBrk="0" hangingPunct="1">
-              <a:lnSpc>
-                <a:spcPct val="100000"/>
-              </a:lnSpc>
-              <a:spcBef>
-                <a:spcPts val="1000"/>
-              </a:spcBef>
-              <a:buClr>
-                <a:schemeClr val="accent2"/>
-              </a:buClr>
-              <a:buFont typeface="Arial" panose="020B0604020202020204" pitchFamily="34" charset="0"/>
-              <a:buNone/>
-              <a:defRPr sz="1600" b="1" kern="1200">
-                <a:solidFill>
-                  <a:schemeClr val="tx1"/>
-                </a:solidFill>
-                <a:latin typeface="+mn-lt"/>
-                <a:ea typeface="+mn-ea"/>
-                <a:cs typeface="+mn-cs"/>
-              </a:defRPr>
-            </a:lvl6pPr>
-            <a:lvl7pPr marL="2743200" indent="0" algn="l" defTabSz="914400" rtl="0" eaLnBrk="1" latinLnBrk="0" hangingPunct="1">
-              <a:lnSpc>
-                <a:spcPct val="100000"/>
-              </a:lnSpc>
-              <a:spcBef>
-                <a:spcPts val="1000"/>
-              </a:spcBef>
-              <a:buClr>
-                <a:schemeClr val="accent2"/>
-              </a:buClr>
-              <a:buFont typeface="Arial" panose="020B0604020202020204" pitchFamily="34" charset="0"/>
-              <a:buNone/>
-              <a:defRPr sz="1600" b="1" kern="1200">
-                <a:solidFill>
-                  <a:schemeClr val="tx1"/>
-                </a:solidFill>
-                <a:latin typeface="+mn-lt"/>
-                <a:ea typeface="+mn-ea"/>
-                <a:cs typeface="+mn-cs"/>
-              </a:defRPr>
-            </a:lvl7pPr>
-            <a:lvl8pPr marL="3200400" indent="0" algn="l" defTabSz="914400" rtl="0" eaLnBrk="1" latinLnBrk="0" hangingPunct="1">
-              <a:lnSpc>
-                <a:spcPct val="100000"/>
-              </a:lnSpc>
-              <a:spcBef>
-                <a:spcPts val="1000"/>
-              </a:spcBef>
-              <a:buClr>
-                <a:schemeClr val="accent2"/>
-              </a:buClr>
-              <a:buFont typeface="Arial" panose="020B0604020202020204" pitchFamily="34" charset="0"/>
-              <a:buNone/>
-              <a:defRPr sz="1600" b="1" kern="1200" baseline="0">
-                <a:solidFill>
-                  <a:schemeClr val="tx1"/>
-                </a:solidFill>
-                <a:latin typeface="+mn-lt"/>
-                <a:ea typeface="+mn-ea"/>
-                <a:cs typeface="+mn-cs"/>
-              </a:defRPr>
-            </a:lvl8pPr>
-            <a:lvl9pPr marL="3657600" indent="0" algn="l" defTabSz="914400" rtl="0" eaLnBrk="1" latinLnBrk="0" hangingPunct="1">
-              <a:lnSpc>
-                <a:spcPct val="100000"/>
-              </a:lnSpc>
-              <a:spcBef>
-                <a:spcPts val="1000"/>
-              </a:spcBef>
-              <a:buClr>
-                <a:schemeClr val="accent2"/>
-              </a:buClr>
-              <a:buFont typeface="Arial" panose="020B0604020202020204" pitchFamily="34" charset="0"/>
-              <a:buNone/>
-              <a:defRPr sz="1600" b="1" kern="1200" baseline="0">
-                <a:solidFill>
-                  <a:schemeClr val="tx1"/>
-                </a:solidFill>
-                <a:latin typeface="+mn-lt"/>
-                <a:ea typeface="+mn-ea"/>
-                <a:cs typeface="+mn-cs"/>
-              </a:defRPr>
-            </a:lvl9pPr>
-          </a:lstStyle>
-          <a:p>
-            <a:r>
-              <a:rPr lang="en-US"/>
-              <a:t>Prediction</a:t>
-            </a:r>
-            <a:endParaRPr lang="en-US" dirty="0"/>
-          </a:p>
-        </p:txBody>
-      </p:sp>
-      <p:sp>
-        <p:nvSpPr>
-          <p:cNvPr id="13" name="Text Placeholder 9">
-            <a:extLst>
-              <a:ext uri="{FF2B5EF4-FFF2-40B4-BE49-F238E27FC236}">
-                <a16:creationId xmlns:a16="http://schemas.microsoft.com/office/drawing/2014/main" id="{80AC96ED-AB60-4AC5-A114-CC33A68AFA8E}"/>
-              </a:ext>
-            </a:extLst>
-          </p:cNvPr>
-          <p:cNvSpPr txBox="1">
-            <a:spLocks/>
-          </p:cNvSpPr>
-          <p:nvPr/>
-        </p:nvSpPr>
-        <p:spPr>
-          <a:xfrm>
-            <a:off x="811913" y="2313432"/>
-            <a:ext cx="4270248" cy="704087"/>
-          </a:xfrm>
-          <a:prstGeom prst="rect">
-            <a:avLst/>
-          </a:prstGeom>
-        </p:spPr>
-        <p:txBody>
-          <a:bodyPr vert="horz" lIns="91440" tIns="45720" rIns="91440" bIns="45720" rtlCol="0" anchor="b" anchorCtr="1">
-            <a:normAutofit/>
-          </a:bodyPr>
-          <a:lstStyle>
-            <a:lvl1pPr marL="0" indent="0" algn="ctr" defTabSz="914400" rtl="0" eaLnBrk="1" latinLnBrk="0" hangingPunct="1">
-              <a:lnSpc>
-                <a:spcPct val="100000"/>
-              </a:lnSpc>
-              <a:spcBef>
-                <a:spcPts val="1000"/>
-              </a:spcBef>
-              <a:buClr>
-                <a:schemeClr val="accent2"/>
-              </a:buClr>
-              <a:buFont typeface="Arial" panose="020B0604020202020204" pitchFamily="34" charset="0"/>
-              <a:buNone/>
-              <a:defRPr sz="1900" b="0" kern="1200" cap="all" spc="100" baseline="0">
-                <a:solidFill>
-                  <a:schemeClr val="accent2">
-                    <a:lumMod val="75000"/>
-                  </a:schemeClr>
-                </a:solidFill>
-                <a:latin typeface="+mn-lt"/>
-                <a:ea typeface="+mn-ea"/>
-                <a:cs typeface="+mn-cs"/>
-              </a:defRPr>
-            </a:lvl1pPr>
-            <a:lvl2pPr marL="457200" indent="0" algn="l" defTabSz="914400" rtl="0" eaLnBrk="1" latinLnBrk="0" hangingPunct="1">
-              <a:lnSpc>
-                <a:spcPct val="100000"/>
-              </a:lnSpc>
-              <a:spcBef>
-                <a:spcPts val="1000"/>
-              </a:spcBef>
-              <a:buClr>
-                <a:schemeClr val="accent2"/>
-              </a:buClr>
-              <a:buFont typeface="Arial" panose="020B0604020202020204" pitchFamily="34" charset="0"/>
-              <a:buNone/>
-              <a:defRPr sz="1900" b="1" kern="1200">
-                <a:solidFill>
-                  <a:schemeClr val="tx1">
-                    <a:lumMod val="85000"/>
-                    <a:lumOff val="15000"/>
-                  </a:schemeClr>
-                </a:solidFill>
-                <a:latin typeface="+mn-lt"/>
-                <a:ea typeface="+mn-ea"/>
-                <a:cs typeface="+mn-cs"/>
-              </a:defRPr>
-            </a:lvl2pPr>
-            <a:lvl3pPr marL="914400" indent="0" algn="l" defTabSz="914400" rtl="0" eaLnBrk="1" latinLnBrk="0" hangingPunct="1">
-              <a:lnSpc>
-                <a:spcPct val="100000"/>
-              </a:lnSpc>
-              <a:spcBef>
-                <a:spcPts val="1000"/>
-              </a:spcBef>
-              <a:buClr>
-                <a:schemeClr val="accent2"/>
-              </a:buClr>
-              <a:buFont typeface="Arial" panose="020B0604020202020204" pitchFamily="34" charset="0"/>
-              <a:buNone/>
-              <a:defRPr sz="1800" b="1" kern="1200">
-                <a:solidFill>
-                  <a:schemeClr val="tx1">
-                    <a:lumMod val="85000"/>
-                    <a:lumOff val="15000"/>
-                  </a:schemeClr>
-                </a:solidFill>
-                <a:latin typeface="+mn-lt"/>
-                <a:ea typeface="+mn-ea"/>
-                <a:cs typeface="+mn-cs"/>
-              </a:defRPr>
-            </a:lvl3pPr>
-            <a:lvl4pPr marL="1371600" indent="0" algn="l" defTabSz="914400" rtl="0" eaLnBrk="1" latinLnBrk="0" hangingPunct="1">
-              <a:lnSpc>
-                <a:spcPct val="100000"/>
-              </a:lnSpc>
-              <a:spcBef>
-                <a:spcPts val="1000"/>
-              </a:spcBef>
-              <a:buClr>
-                <a:schemeClr val="accent2"/>
-              </a:buClr>
-              <a:buFont typeface="Arial" panose="020B0604020202020204" pitchFamily="34" charset="0"/>
-              <a:buNone/>
-              <a:defRPr sz="1600" b="1" kern="1200">
-                <a:solidFill>
-                  <a:schemeClr val="tx1">
-                    <a:lumMod val="85000"/>
-                    <a:lumOff val="15000"/>
-                  </a:schemeClr>
-                </a:solidFill>
-                <a:latin typeface="+mn-lt"/>
-                <a:ea typeface="+mn-ea"/>
-                <a:cs typeface="+mn-cs"/>
-              </a:defRPr>
-            </a:lvl4pPr>
-            <a:lvl5pPr marL="1828800" indent="0" algn="l" defTabSz="914400" rtl="0" eaLnBrk="1" latinLnBrk="0" hangingPunct="1">
-              <a:lnSpc>
-                <a:spcPct val="100000"/>
-              </a:lnSpc>
-              <a:spcBef>
-                <a:spcPts val="1000"/>
-              </a:spcBef>
-              <a:buClr>
-                <a:schemeClr val="accent2"/>
-              </a:buClr>
-              <a:buFont typeface="Arial" panose="020B0604020202020204" pitchFamily="34" charset="0"/>
-              <a:buNone/>
-              <a:defRPr sz="1600" b="1" kern="1200">
-                <a:solidFill>
-                  <a:schemeClr val="tx1">
-                    <a:lumMod val="85000"/>
-                    <a:lumOff val="15000"/>
-                  </a:schemeClr>
-                </a:solidFill>
-                <a:latin typeface="+mn-lt"/>
-                <a:ea typeface="+mn-ea"/>
-                <a:cs typeface="+mn-cs"/>
-              </a:defRPr>
-            </a:lvl5pPr>
-            <a:lvl6pPr marL="2286000" indent="0" algn="l" defTabSz="914400" rtl="0" eaLnBrk="1" latinLnBrk="0" hangingPunct="1">
-              <a:lnSpc>
-                <a:spcPct val="100000"/>
-              </a:lnSpc>
-              <a:spcBef>
-                <a:spcPts val="1000"/>
-              </a:spcBef>
-              <a:buClr>
-                <a:schemeClr val="accent2"/>
-              </a:buClr>
-              <a:buFont typeface="Arial" panose="020B0604020202020204" pitchFamily="34" charset="0"/>
-              <a:buNone/>
-              <a:defRPr sz="1600" b="1" kern="1200">
-                <a:solidFill>
-                  <a:schemeClr val="tx1"/>
-                </a:solidFill>
-                <a:latin typeface="+mn-lt"/>
-                <a:ea typeface="+mn-ea"/>
-                <a:cs typeface="+mn-cs"/>
-              </a:defRPr>
-            </a:lvl6pPr>
-            <a:lvl7pPr marL="2743200" indent="0" algn="l" defTabSz="914400" rtl="0" eaLnBrk="1" latinLnBrk="0" hangingPunct="1">
-              <a:lnSpc>
-                <a:spcPct val="100000"/>
-              </a:lnSpc>
-              <a:spcBef>
-                <a:spcPts val="1000"/>
-              </a:spcBef>
-              <a:buClr>
-                <a:schemeClr val="accent2"/>
-              </a:buClr>
-              <a:buFont typeface="Arial" panose="020B0604020202020204" pitchFamily="34" charset="0"/>
-              <a:buNone/>
-              <a:defRPr sz="1600" b="1" kern="1200">
-                <a:solidFill>
-                  <a:schemeClr val="tx1"/>
-                </a:solidFill>
-                <a:latin typeface="+mn-lt"/>
-                <a:ea typeface="+mn-ea"/>
-                <a:cs typeface="+mn-cs"/>
-              </a:defRPr>
-            </a:lvl7pPr>
-            <a:lvl8pPr marL="3200400" indent="0" algn="l" defTabSz="914400" rtl="0" eaLnBrk="1" latinLnBrk="0" hangingPunct="1">
-              <a:lnSpc>
-                <a:spcPct val="100000"/>
-              </a:lnSpc>
-              <a:spcBef>
-                <a:spcPts val="1000"/>
-              </a:spcBef>
-              <a:buClr>
-                <a:schemeClr val="accent2"/>
-              </a:buClr>
-              <a:buFont typeface="Arial" panose="020B0604020202020204" pitchFamily="34" charset="0"/>
-              <a:buNone/>
-              <a:defRPr sz="1600" b="1" kern="1200" baseline="0">
-                <a:solidFill>
-                  <a:schemeClr val="tx1"/>
-                </a:solidFill>
-                <a:latin typeface="+mn-lt"/>
-                <a:ea typeface="+mn-ea"/>
-                <a:cs typeface="+mn-cs"/>
-              </a:defRPr>
-            </a:lvl8pPr>
-            <a:lvl9pPr marL="3657600" indent="0" algn="l" defTabSz="914400" rtl="0" eaLnBrk="1" latinLnBrk="0" hangingPunct="1">
-              <a:lnSpc>
-                <a:spcPct val="100000"/>
-              </a:lnSpc>
-              <a:spcBef>
-                <a:spcPts val="1000"/>
-              </a:spcBef>
-              <a:buClr>
-                <a:schemeClr val="accent2"/>
-              </a:buClr>
-              <a:buFont typeface="Arial" panose="020B0604020202020204" pitchFamily="34" charset="0"/>
-              <a:buNone/>
-              <a:defRPr sz="1600" b="1" kern="1200" baseline="0">
-                <a:solidFill>
-                  <a:schemeClr val="tx1"/>
-                </a:solidFill>
-                <a:latin typeface="+mn-lt"/>
-                <a:ea typeface="+mn-ea"/>
-                <a:cs typeface="+mn-cs"/>
-              </a:defRPr>
-            </a:lvl9pPr>
-          </a:lstStyle>
-          <a:p>
-            <a:r>
-              <a:rPr lang="en-US"/>
-              <a:t>Building the Model</a:t>
-            </a:r>
-            <a:endParaRPr lang="en-US" dirty="0"/>
           </a:p>
         </p:txBody>
       </p:sp>
     </p:spTree>
     <p:extLst>
       <p:ext uri="{BB962C8B-B14F-4D97-AF65-F5344CB8AC3E}">
-        <p14:creationId xmlns:p14="http://schemas.microsoft.com/office/powerpoint/2010/main" val="3992590454"/>
+        <p14:creationId xmlns:p14="http://schemas.microsoft.com/office/powerpoint/2010/main" val="3529845599"/>
       </p:ext>
     </p:extLst>
   </p:cSld>
